--- a/presentation/Introduction_to_Gradle_yair.pptx
+++ b/presentation/Introduction_to_Gradle_yair.pptx
@@ -6,7 +6,7 @@
     <p:sldMasterId id="2147483661" r:id="rId2"/>
   </p:sldMasterIdLst>
   <p:notesMasterIdLst>
-    <p:notesMasterId r:id="rId27"/>
+    <p:notesMasterId r:id="rId34"/>
   </p:notesMasterIdLst>
   <p:sldIdLst>
     <p:sldId id="256" r:id="rId3"/>
@@ -14,25 +14,32 @@
     <p:sldId id="281" r:id="rId5"/>
     <p:sldId id="280" r:id="rId6"/>
     <p:sldId id="258" r:id="rId7"/>
-    <p:sldId id="282" r:id="rId8"/>
-    <p:sldId id="259" r:id="rId9"/>
-    <p:sldId id="285" r:id="rId10"/>
-    <p:sldId id="261" r:id="rId11"/>
-    <p:sldId id="287" r:id="rId12"/>
-    <p:sldId id="288" r:id="rId13"/>
-    <p:sldId id="286" r:id="rId14"/>
-    <p:sldId id="289" r:id="rId15"/>
-    <p:sldId id="292" r:id="rId16"/>
-    <p:sldId id="290" r:id="rId17"/>
-    <p:sldId id="277" r:id="rId18"/>
-    <p:sldId id="265" r:id="rId19"/>
-    <p:sldId id="266" r:id="rId20"/>
-    <p:sldId id="271" r:id="rId21"/>
-    <p:sldId id="293" r:id="rId22"/>
-    <p:sldId id="273" r:id="rId23"/>
-    <p:sldId id="275" r:id="rId24"/>
-    <p:sldId id="294" r:id="rId25"/>
-    <p:sldId id="295" r:id="rId26"/>
+    <p:sldId id="299" r:id="rId8"/>
+    <p:sldId id="282" r:id="rId9"/>
+    <p:sldId id="259" r:id="rId10"/>
+    <p:sldId id="285" r:id="rId11"/>
+    <p:sldId id="298" r:id="rId12"/>
+    <p:sldId id="261" r:id="rId13"/>
+    <p:sldId id="301" r:id="rId14"/>
+    <p:sldId id="287" r:id="rId15"/>
+    <p:sldId id="296" r:id="rId16"/>
+    <p:sldId id="288" r:id="rId17"/>
+    <p:sldId id="297" r:id="rId18"/>
+    <p:sldId id="286" r:id="rId19"/>
+    <p:sldId id="289" r:id="rId20"/>
+    <p:sldId id="292" r:id="rId21"/>
+    <p:sldId id="302" r:id="rId22"/>
+    <p:sldId id="290" r:id="rId23"/>
+    <p:sldId id="277" r:id="rId24"/>
+    <p:sldId id="265" r:id="rId25"/>
+    <p:sldId id="300" r:id="rId26"/>
+    <p:sldId id="266" r:id="rId27"/>
+    <p:sldId id="271" r:id="rId28"/>
+    <p:sldId id="293" r:id="rId29"/>
+    <p:sldId id="273" r:id="rId30"/>
+    <p:sldId id="275" r:id="rId31"/>
+    <p:sldId id="294" r:id="rId32"/>
+    <p:sldId id="295" r:id="rId33"/>
   </p:sldIdLst>
   <p:sldSz cx="9144000" cy="6858000" type="screen4x3"/>
   <p:notesSz cx="7559675" cy="10691813"/>
@@ -594,7 +601,7 @@
           <a:p>
             <a:r>
               <a:rPr lang="en-US" dirty="0" smtClean="0"/>
-              <a:t>Declarative - You describe your project and the aspects of it and the tool does all the work.</a:t>
+              <a:t>Imperative – You need to tell the tool exactly what to do and also how to do it. Very verbose.</a:t>
             </a:r>
             <a:endParaRPr lang="he-IL" dirty="0"/>
           </a:p>
@@ -620,7 +627,7 @@
               <a:rPr lang="en-US" sz="1400" smtClean="0">
                 <a:latin typeface="Times New Roman"/>
               </a:rPr>
-              <a:t>9</a:t>
+              <a:t>6</a:t>
             </a:fld>
             <a:endParaRPr lang="en-US"/>
           </a:p>
@@ -629,7 +636,7 @@
     </p:spTree>
     <p:extLst>
       <p:ext uri="{BB962C8B-B14F-4D97-AF65-F5344CB8AC3E}">
-        <p14:creationId xmlns:p14="http://schemas.microsoft.com/office/powerpoint/2010/main" val="3535750351"/>
+        <p14:creationId xmlns:p14="http://schemas.microsoft.com/office/powerpoint/2010/main" val="3799099972"/>
       </p:ext>
     </p:extLst>
   </p:cSld>
@@ -658,68 +665,85 @@
       </p:grpSpPr>
       <p:sp>
         <p:nvSpPr>
-          <p:cNvPr id="110" name="PlaceHolder 1"/>
+          <p:cNvPr id="2" name="מציין מיקום של תמונת שקופית 1"/>
+          <p:cNvSpPr>
+            <a:spLocks noGrp="1" noRot="1" noChangeAspect="1"/>
+          </p:cNvSpPr>
+          <p:nvPr>
+            <p:ph type="sldImg"/>
+          </p:nvPr>
+        </p:nvSpPr>
+        <p:spPr>
+          <a:xfrm>
+            <a:off x="1106488" y="801688"/>
+            <a:ext cx="5346700" cy="4010025"/>
+          </a:xfrm>
+          <a:prstGeom prst="rect">
+            <a:avLst/>
+          </a:prstGeom>
+          <a:noFill/>
+          <a:ln w="12700">
+            <a:solidFill>
+              <a:prstClr val="black"/>
+            </a:solidFill>
+          </a:ln>
+        </p:spPr>
+      </p:sp>
+      <p:sp>
+        <p:nvSpPr>
+          <p:cNvPr id="3" name="מציין מיקום של הערות 2"/>
           <p:cNvSpPr>
             <a:spLocks noGrp="1"/>
           </p:cNvSpPr>
           <p:nvPr>
-            <p:ph type="body"/>
+            <p:ph type="body" idx="1"/>
           </p:nvPr>
         </p:nvSpPr>
-        <p:spPr>
-          <a:xfrm>
-            <a:off x="756000" y="5078520"/>
-            <a:ext cx="6047640" cy="4811400"/>
-          </a:xfrm>
-          <a:prstGeom prst="rect">
-            <a:avLst/>
-          </a:prstGeom>
-        </p:spPr>
+        <p:spPr/>
         <p:txBody>
-          <a:bodyPr lIns="0" tIns="0" rIns="0" bIns="0"/>
+          <a:bodyPr/>
           <a:lstStyle/>
           <a:p>
             <a:r>
-              <a:rPr lang="en-US" sz="2000">
-                <a:latin typeface="Arial"/>
-              </a:rPr>
-              <a:t>Maven build life cycles:</a:t>
-            </a:r>
-            <a:endParaRPr/>
-          </a:p>
-          <a:p>
-            <a:endParaRPr/>
-          </a:p>
-          <a:p>
-            <a:r>
-              <a:rPr lang="en-US" sz="2000">
-                <a:latin typeface="Arial"/>
-              </a:rPr>
-              <a:t>1. clean → pre-clean,clean,post-clean</a:t>
-            </a:r>
-            <a:endParaRPr/>
-          </a:p>
-          <a:p>
-            <a:r>
-              <a:rPr lang="en-US" sz="2000">
-                <a:latin typeface="Arial"/>
-              </a:rPr>
-              <a:t>2. default (build)</a:t>
-            </a:r>
-            <a:endParaRPr/>
-          </a:p>
-          <a:p>
-            <a:r>
-              <a:rPr lang="en-US" sz="2000">
-                <a:latin typeface="Arial"/>
-              </a:rPr>
-              <a:t>3. site → pre-site, site, post-site, site-deploy</a:t>
-            </a:r>
-            <a:endParaRPr/>
+              <a:rPr lang="en-US" dirty="0" smtClean="0"/>
+              <a:t>Declarative - You describe your project and the aspects of it and the tool does all the work.</a:t>
+            </a:r>
+            <a:endParaRPr lang="he-IL" dirty="0"/>
           </a:p>
         </p:txBody>
       </p:sp>
+      <p:sp>
+        <p:nvSpPr>
+          <p:cNvPr id="4" name="מציין מיקום של מספר שקופית 3"/>
+          <p:cNvSpPr>
+            <a:spLocks noGrp="1"/>
+          </p:cNvSpPr>
+          <p:nvPr>
+            <p:ph type="sldNum" idx="10"/>
+          </p:nvPr>
+        </p:nvSpPr>
+        <p:spPr/>
+        <p:txBody>
+          <a:bodyPr/>
+          <a:lstStyle/>
+          <a:p>
+            <a:pPr algn="r"/>
+            <a:fld id="{56E24ABB-6974-4A56-9206-79FAA3B15D9D}" type="slidenum">
+              <a:rPr lang="en-US" sz="1400" smtClean="0">
+                <a:latin typeface="Times New Roman"/>
+              </a:rPr>
+              <a:t>11</a:t>
+            </a:fld>
+            <a:endParaRPr lang="en-US"/>
+          </a:p>
+        </p:txBody>
+      </p:sp>
     </p:spTree>
+    <p:extLst>
+      <p:ext uri="{BB962C8B-B14F-4D97-AF65-F5344CB8AC3E}">
+        <p14:creationId xmlns:p14="http://schemas.microsoft.com/office/powerpoint/2010/main" val="3535750351"/>
+      </p:ext>
+    </p:extLst>
   </p:cSld>
   <p:clrMapOvr>
     <a:masterClrMapping/>
@@ -746,32 +770,85 @@
       </p:grpSpPr>
       <p:sp>
         <p:nvSpPr>
-          <p:cNvPr id="110" name="PlaceHolder 1"/>
+          <p:cNvPr id="2" name="מציין מיקום של תמונת שקופית 1"/>
+          <p:cNvSpPr>
+            <a:spLocks noGrp="1" noRot="1" noChangeAspect="1"/>
+          </p:cNvSpPr>
+          <p:nvPr>
+            <p:ph type="sldImg"/>
+          </p:nvPr>
+        </p:nvSpPr>
+        <p:spPr>
+          <a:xfrm>
+            <a:off x="1106488" y="801688"/>
+            <a:ext cx="5346700" cy="4010025"/>
+          </a:xfrm>
+          <a:prstGeom prst="rect">
+            <a:avLst/>
+          </a:prstGeom>
+          <a:noFill/>
+          <a:ln w="12700">
+            <a:solidFill>
+              <a:prstClr val="black"/>
+            </a:solidFill>
+          </a:ln>
+        </p:spPr>
+      </p:sp>
+      <p:sp>
+        <p:nvSpPr>
+          <p:cNvPr id="3" name="מציין מיקום של הערות 2"/>
           <p:cNvSpPr>
             <a:spLocks noGrp="1"/>
           </p:cNvSpPr>
           <p:nvPr>
-            <p:ph type="body"/>
+            <p:ph type="body" idx="1"/>
           </p:nvPr>
         </p:nvSpPr>
-        <p:spPr>
-          <a:xfrm>
-            <a:off x="756000" y="5078520"/>
-            <a:ext cx="6047640" cy="4811400"/>
-          </a:xfrm>
-          <a:prstGeom prst="rect">
-            <a:avLst/>
-          </a:prstGeom>
-        </p:spPr>
+        <p:spPr/>
         <p:txBody>
-          <a:bodyPr lIns="0" tIns="0" rIns="0" bIns="0"/>
+          <a:bodyPr/>
           <a:lstStyle/>
           <a:p>
-            <a:endParaRPr dirty="0"/>
+            <a:r>
+              <a:rPr lang="en-US" dirty="0" smtClean="0"/>
+              <a:t>Declarative - You describe your project and the aspects of it and the tool does all the work.</a:t>
+            </a:r>
+            <a:endParaRPr lang="he-IL" dirty="0"/>
           </a:p>
         </p:txBody>
       </p:sp>
+      <p:sp>
+        <p:nvSpPr>
+          <p:cNvPr id="4" name="מציין מיקום של מספר שקופית 3"/>
+          <p:cNvSpPr>
+            <a:spLocks noGrp="1"/>
+          </p:cNvSpPr>
+          <p:nvPr>
+            <p:ph type="sldNum" idx="10"/>
+          </p:nvPr>
+        </p:nvSpPr>
+        <p:spPr/>
+        <p:txBody>
+          <a:bodyPr/>
+          <a:lstStyle/>
+          <a:p>
+            <a:pPr algn="r"/>
+            <a:fld id="{56E24ABB-6974-4A56-9206-79FAA3B15D9D}" type="slidenum">
+              <a:rPr lang="en-US" sz="1400" smtClean="0">
+                <a:latin typeface="Times New Roman"/>
+              </a:rPr>
+              <a:t>12</a:t>
+            </a:fld>
+            <a:endParaRPr lang="en-US"/>
+          </a:p>
+        </p:txBody>
+      </p:sp>
     </p:spTree>
+    <p:extLst>
+      <p:ext uri="{BB962C8B-B14F-4D97-AF65-F5344CB8AC3E}">
+        <p14:creationId xmlns:p14="http://schemas.microsoft.com/office/powerpoint/2010/main" val="3535750351"/>
+      </p:ext>
+    </p:extLst>
   </p:cSld>
   <p:clrMapOvr>
     <a:masterClrMapping/>
@@ -798,6 +875,286 @@
       </p:grpSpPr>
       <p:sp>
         <p:nvSpPr>
+          <p:cNvPr id="110" name="PlaceHolder 1"/>
+          <p:cNvSpPr>
+            <a:spLocks noGrp="1"/>
+          </p:cNvSpPr>
+          <p:nvPr>
+            <p:ph type="body"/>
+          </p:nvPr>
+        </p:nvSpPr>
+        <p:spPr>
+          <a:xfrm>
+            <a:off x="756000" y="5078520"/>
+            <a:ext cx="6047640" cy="4811400"/>
+          </a:xfrm>
+          <a:prstGeom prst="rect">
+            <a:avLst/>
+          </a:prstGeom>
+        </p:spPr>
+        <p:txBody>
+          <a:bodyPr lIns="0" tIns="0" rIns="0" bIns="0"/>
+          <a:lstStyle/>
+          <a:p>
+            <a:r>
+              <a:rPr lang="en-US" sz="2000">
+                <a:latin typeface="Arial"/>
+              </a:rPr>
+              <a:t>Maven build life cycles:</a:t>
+            </a:r>
+            <a:endParaRPr/>
+          </a:p>
+          <a:p>
+            <a:endParaRPr/>
+          </a:p>
+          <a:p>
+            <a:r>
+              <a:rPr lang="en-US" sz="2000">
+                <a:latin typeface="Arial"/>
+              </a:rPr>
+              <a:t>1. clean → pre-clean,clean,post-clean</a:t>
+            </a:r>
+            <a:endParaRPr/>
+          </a:p>
+          <a:p>
+            <a:r>
+              <a:rPr lang="en-US" sz="2000">
+                <a:latin typeface="Arial"/>
+              </a:rPr>
+              <a:t>2. default (build)</a:t>
+            </a:r>
+            <a:endParaRPr/>
+          </a:p>
+          <a:p>
+            <a:r>
+              <a:rPr lang="en-US" sz="2000">
+                <a:latin typeface="Arial"/>
+              </a:rPr>
+              <a:t>3. site → pre-site, site, post-site, site-deploy</a:t>
+            </a:r>
+            <a:endParaRPr/>
+          </a:p>
+        </p:txBody>
+      </p:sp>
+    </p:spTree>
+  </p:cSld>
+  <p:clrMapOvr>
+    <a:masterClrMapping/>
+  </p:clrMapOvr>
+</p:notes>
+</file>
+
+<file path=ppt/notesSlides/notesSlide6.xml><?xml version="1.0" encoding="utf-8"?>
+<p:notes xmlns:a="http://schemas.openxmlformats.org/drawingml/2006/main" xmlns:r="http://schemas.openxmlformats.org/officeDocument/2006/relationships" xmlns:p="http://schemas.openxmlformats.org/presentationml/2006/main">
+  <p:cSld>
+    <p:spTree>
+      <p:nvGrpSpPr>
+        <p:cNvPr id="1" name=""/>
+        <p:cNvGrpSpPr/>
+        <p:nvPr/>
+      </p:nvGrpSpPr>
+      <p:grpSpPr>
+        <a:xfrm>
+          <a:off x="0" y="0"/>
+          <a:ext cx="0" cy="0"/>
+          <a:chOff x="0" y="0"/>
+          <a:chExt cx="0" cy="0"/>
+        </a:xfrm>
+      </p:grpSpPr>
+      <p:sp>
+        <p:nvSpPr>
+          <p:cNvPr id="110" name="PlaceHolder 1"/>
+          <p:cNvSpPr>
+            <a:spLocks noGrp="1"/>
+          </p:cNvSpPr>
+          <p:nvPr>
+            <p:ph type="body"/>
+          </p:nvPr>
+        </p:nvSpPr>
+        <p:spPr>
+          <a:xfrm>
+            <a:off x="756000" y="5078520"/>
+            <a:ext cx="6047640" cy="4811400"/>
+          </a:xfrm>
+          <a:prstGeom prst="rect">
+            <a:avLst/>
+          </a:prstGeom>
+        </p:spPr>
+        <p:txBody>
+          <a:bodyPr lIns="0" tIns="0" rIns="0" bIns="0"/>
+          <a:lstStyle/>
+          <a:p>
+            <a:r>
+              <a:rPr lang="en-US" sz="2000">
+                <a:latin typeface="Arial"/>
+              </a:rPr>
+              <a:t>Maven build life cycles:</a:t>
+            </a:r>
+            <a:endParaRPr/>
+          </a:p>
+          <a:p>
+            <a:endParaRPr/>
+          </a:p>
+          <a:p>
+            <a:r>
+              <a:rPr lang="en-US" sz="2000">
+                <a:latin typeface="Arial"/>
+              </a:rPr>
+              <a:t>1. clean → pre-clean,clean,post-clean</a:t>
+            </a:r>
+            <a:endParaRPr/>
+          </a:p>
+          <a:p>
+            <a:r>
+              <a:rPr lang="en-US" sz="2000">
+                <a:latin typeface="Arial"/>
+              </a:rPr>
+              <a:t>2. default (build)</a:t>
+            </a:r>
+            <a:endParaRPr/>
+          </a:p>
+          <a:p>
+            <a:r>
+              <a:rPr lang="en-US" sz="2000">
+                <a:latin typeface="Arial"/>
+              </a:rPr>
+              <a:t>3. site → pre-site, site, post-site, site-deploy</a:t>
+            </a:r>
+            <a:endParaRPr/>
+          </a:p>
+        </p:txBody>
+      </p:sp>
+    </p:spTree>
+  </p:cSld>
+  <p:clrMapOvr>
+    <a:masterClrMapping/>
+  </p:clrMapOvr>
+</p:notes>
+</file>
+
+<file path=ppt/notesSlides/notesSlide7.xml><?xml version="1.0" encoding="utf-8"?>
+<p:notes xmlns:a="http://schemas.openxmlformats.org/drawingml/2006/main" xmlns:r="http://schemas.openxmlformats.org/officeDocument/2006/relationships" xmlns:p="http://schemas.openxmlformats.org/presentationml/2006/main">
+  <p:cSld>
+    <p:spTree>
+      <p:nvGrpSpPr>
+        <p:cNvPr id="1" name=""/>
+        <p:cNvGrpSpPr/>
+        <p:nvPr/>
+      </p:nvGrpSpPr>
+      <p:grpSpPr>
+        <a:xfrm>
+          <a:off x="0" y="0"/>
+          <a:ext cx="0" cy="0"/>
+          <a:chOff x="0" y="0"/>
+          <a:chExt cx="0" cy="0"/>
+        </a:xfrm>
+      </p:grpSpPr>
+      <p:sp>
+        <p:nvSpPr>
+          <p:cNvPr id="110" name="PlaceHolder 1"/>
+          <p:cNvSpPr>
+            <a:spLocks noGrp="1"/>
+          </p:cNvSpPr>
+          <p:nvPr>
+            <p:ph type="body"/>
+          </p:nvPr>
+        </p:nvSpPr>
+        <p:spPr>
+          <a:xfrm>
+            <a:off x="756000" y="5078520"/>
+            <a:ext cx="6047640" cy="4811400"/>
+          </a:xfrm>
+          <a:prstGeom prst="rect">
+            <a:avLst/>
+          </a:prstGeom>
+        </p:spPr>
+        <p:txBody>
+          <a:bodyPr lIns="0" tIns="0" rIns="0" bIns="0"/>
+          <a:lstStyle/>
+          <a:p>
+            <a:endParaRPr dirty="0"/>
+          </a:p>
+        </p:txBody>
+      </p:sp>
+    </p:spTree>
+  </p:cSld>
+  <p:clrMapOvr>
+    <a:masterClrMapping/>
+  </p:clrMapOvr>
+</p:notes>
+</file>
+
+<file path=ppt/notesSlides/notesSlide8.xml><?xml version="1.0" encoding="utf-8"?>
+<p:notes xmlns:a="http://schemas.openxmlformats.org/drawingml/2006/main" xmlns:r="http://schemas.openxmlformats.org/officeDocument/2006/relationships" xmlns:p="http://schemas.openxmlformats.org/presentationml/2006/main">
+  <p:cSld>
+    <p:spTree>
+      <p:nvGrpSpPr>
+        <p:cNvPr id="1" name=""/>
+        <p:cNvGrpSpPr/>
+        <p:nvPr/>
+      </p:nvGrpSpPr>
+      <p:grpSpPr>
+        <a:xfrm>
+          <a:off x="0" y="0"/>
+          <a:ext cx="0" cy="0"/>
+          <a:chOff x="0" y="0"/>
+          <a:chExt cx="0" cy="0"/>
+        </a:xfrm>
+      </p:grpSpPr>
+      <p:sp>
+        <p:nvSpPr>
+          <p:cNvPr id="110" name="PlaceHolder 1"/>
+          <p:cNvSpPr>
+            <a:spLocks noGrp="1"/>
+          </p:cNvSpPr>
+          <p:nvPr>
+            <p:ph type="body"/>
+          </p:nvPr>
+        </p:nvSpPr>
+        <p:spPr>
+          <a:xfrm>
+            <a:off x="756000" y="5078520"/>
+            <a:ext cx="6047640" cy="4811400"/>
+          </a:xfrm>
+          <a:prstGeom prst="rect">
+            <a:avLst/>
+          </a:prstGeom>
+        </p:spPr>
+        <p:txBody>
+          <a:bodyPr lIns="0" tIns="0" rIns="0" bIns="0"/>
+          <a:lstStyle/>
+          <a:p>
+            <a:endParaRPr dirty="0"/>
+          </a:p>
+        </p:txBody>
+      </p:sp>
+    </p:spTree>
+  </p:cSld>
+  <p:clrMapOvr>
+    <a:masterClrMapping/>
+  </p:clrMapOvr>
+</p:notes>
+</file>
+
+<file path=ppt/notesSlides/notesSlide9.xml><?xml version="1.0" encoding="utf-8"?>
+<p:notes xmlns:a="http://schemas.openxmlformats.org/drawingml/2006/main" xmlns:r="http://schemas.openxmlformats.org/officeDocument/2006/relationships" xmlns:p="http://schemas.openxmlformats.org/presentationml/2006/main">
+  <p:cSld>
+    <p:spTree>
+      <p:nvGrpSpPr>
+        <p:cNvPr id="1" name=""/>
+        <p:cNvGrpSpPr/>
+        <p:nvPr/>
+      </p:nvGrpSpPr>
+      <p:grpSpPr>
+        <a:xfrm>
+          <a:off x="0" y="0"/>
+          <a:ext cx="0" cy="0"/>
+          <a:chOff x="0" y="0"/>
+          <a:chExt cx="0" cy="0"/>
+        </a:xfrm>
+      </p:grpSpPr>
+      <p:sp>
+        <p:nvSpPr>
           <p:cNvPr id="2" name="Slide Image Placeholder 1"/>
           <p:cNvSpPr>
             <a:spLocks noGrp="1" noRot="1" noChangeAspect="1"/>
@@ -896,7 +1253,7 @@
               <a:rPr lang="en-US" sz="1400" smtClean="0">
                 <a:latin typeface="Times New Roman"/>
               </a:rPr>
-              <a:t>22</a:t>
+              <a:t>29</a:t>
             </a:fld>
             <a:endParaRPr lang="en-US"/>
           </a:p>
@@ -1384,6 +1741,13 @@
   <p:clrMapOvr>
     <a:masterClrMapping/>
   </p:clrMapOvr>
+  <p:timing>
+    <p:tnLst>
+      <p:par>
+        <p:cTn id="1" dur="indefinite" restart="never" nodeType="tmRoot"/>
+      </p:par>
+    </p:tnLst>
+  </p:timing>
 </p:sldLayout>
 </file>
 
@@ -1427,7 +1791,7 @@
           <a:bodyPr lIns="0" tIns="0" rIns="0" bIns="0" anchor="ctr"/>
           <a:lstStyle/>
           <a:p>
-            <a:endParaRPr/>
+            <a:endParaRPr dirty="0"/>
           </a:p>
         </p:txBody>
       </p:sp>
@@ -1464,6 +1828,13 @@
   <p:clrMapOvr>
     <a:masterClrMapping/>
   </p:clrMapOvr>
+  <p:timing>
+    <p:tnLst>
+      <p:par>
+        <p:cTn id="1" dur="indefinite" restart="never" nodeType="tmRoot"/>
+      </p:par>
+    </p:tnLst>
+  </p:timing>
 </p:sldLayout>
 </file>
 
@@ -1507,7 +1878,7 @@
           <a:bodyPr lIns="0" tIns="0" rIns="0" bIns="0" anchor="ctr"/>
           <a:lstStyle/>
           <a:p>
-            <a:endParaRPr/>
+            <a:endParaRPr dirty="0"/>
           </a:p>
         </p:txBody>
       </p:sp>
@@ -1543,6 +1914,13 @@
   <p:clrMapOvr>
     <a:masterClrMapping/>
   </p:clrMapOvr>
+  <p:timing>
+    <p:tnLst>
+      <p:par>
+        <p:cTn id="1" dur="indefinite" restart="never" nodeType="tmRoot"/>
+      </p:par>
+    </p:tnLst>
+  </p:timing>
 </p:sldLayout>
 </file>
 
@@ -1930,7 +2308,7 @@
           <a:bodyPr lIns="0" tIns="0" rIns="0" bIns="0" anchor="ctr"/>
           <a:lstStyle/>
           <a:p>
-            <a:endParaRPr/>
+            <a:endParaRPr dirty="0"/>
           </a:p>
         </p:txBody>
       </p:sp>
@@ -1958,7 +2336,7 @@
           <a:lstStyle/>
           <a:p>
             <a:pPr algn="ctr"/>
-            <a:endParaRPr/>
+            <a:endParaRPr dirty="0"/>
           </a:p>
         </p:txBody>
       </p:sp>
@@ -1967,6 +2345,13 @@
   <p:clrMapOvr>
     <a:masterClrMapping/>
   </p:clrMapOvr>
+  <p:timing>
+    <p:tnLst>
+      <p:par>
+        <p:cTn id="1" dur="indefinite" restart="never" nodeType="tmRoot"/>
+      </p:par>
+    </p:tnLst>
+  </p:timing>
 </p:sldLayout>
 </file>
 
@@ -3352,9 +3737,26 @@
   <p:cSld>
     <p:bg>
       <p:bgPr>
-        <a:solidFill>
-          <a:srgbClr val="FFFFFF"/>
-        </a:solidFill>
+        <a:gradFill flip="none" rotWithShape="1">
+          <a:gsLst>
+            <a:gs pos="0">
+              <a:srgbClr val="92D050"/>
+            </a:gs>
+            <a:gs pos="25000">
+              <a:srgbClr val="92D050">
+                <a:alpha val="20000"/>
+              </a:srgbClr>
+            </a:gs>
+            <a:gs pos="100000">
+              <a:schemeClr val="accent1">
+                <a:tint val="23500"/>
+                <a:satMod val="160000"/>
+              </a:schemeClr>
+            </a:gs>
+          </a:gsLst>
+          <a:lin ang="5400000" scaled="0"/>
+          <a:tileRect/>
+        </a:gradFill>
         <a:effectLst/>
       </p:bgPr>
     </p:bg>
@@ -3675,9 +4077,26 @@
   <p:cSld>
     <p:bg>
       <p:bgPr>
-        <a:solidFill>
-          <a:srgbClr val="FFFFFF"/>
-        </a:solidFill>
+        <a:gradFill flip="none" rotWithShape="1">
+          <a:gsLst>
+            <a:gs pos="0">
+              <a:srgbClr val="92D050"/>
+            </a:gs>
+            <a:gs pos="25000">
+              <a:srgbClr val="92D050">
+                <a:alpha val="20000"/>
+              </a:srgbClr>
+            </a:gs>
+            <a:gs pos="100000">
+              <a:schemeClr val="accent1">
+                <a:tint val="23500"/>
+                <a:satMod val="160000"/>
+              </a:schemeClr>
+            </a:gs>
+          </a:gsLst>
+          <a:lin ang="5400000" scaled="0"/>
+          <a:tileRect/>
+        </a:gradFill>
         <a:effectLst/>
       </p:bgPr>
     </p:bg>
@@ -4138,11 +4557,13 @@
                 <a:solidFill>
                   <a:srgbClr val="000000"/>
                 </a:solidFill>
-                <a:latin typeface="Calibri"/>
+                <a:latin typeface="+mj-lt"/>
               </a:rPr>
               <a:t>Introduction to Gradle</a:t>
             </a:r>
-            <a:endParaRPr sz="2400" dirty="0"/>
+            <a:endParaRPr sz="2400" dirty="0">
+              <a:latin typeface="+mj-lt"/>
+            </a:endParaRPr>
           </a:p>
         </p:txBody>
       </p:sp>
@@ -4154,7 +4575,7 @@
         </p:nvSpPr>
         <p:spPr>
           <a:xfrm>
-            <a:off x="1371600" y="3886200"/>
+            <a:off x="685800" y="3905469"/>
             <a:ext cx="6400440" cy="1752120"/>
           </a:xfrm>
           <a:prstGeom prst="rect">
@@ -4165,7 +4586,7 @@
           <a:bodyPr/>
           <a:lstStyle/>
           <a:p>
-            <a:pPr algn="r">
+            <a:pPr>
               <a:lnSpc>
                 <a:spcPct val="100000"/>
               </a:lnSpc>
@@ -4174,11 +4595,10 @@
               <a:solidFill>
                 <a:srgbClr val="8B8B8B"/>
               </a:solidFill>
-              <a:latin typeface="Calibri"/>
             </a:endParaRPr>
           </a:p>
           <a:p>
-            <a:pPr algn="r">
+            <a:pPr>
               <a:lnSpc>
                 <a:spcPct val="100000"/>
               </a:lnSpc>
@@ -4188,35 +4608,24 @@
                 <a:solidFill>
                   <a:srgbClr val="8B8B8B"/>
                 </a:solidFill>
-                <a:latin typeface="Calibri"/>
-              </a:rPr>
-              <a:t>Koby </a:t>
-            </a:r>
+              </a:rPr>
+              <a:t>Koby Aharon</a:t>
+            </a:r>
+            <a:endParaRPr lang="en-US" sz="2400" dirty="0"/>
+          </a:p>
+          <a:p>
+            <a:pPr>
+              <a:lnSpc>
+                <a:spcPct val="100000"/>
+              </a:lnSpc>
+            </a:pPr>
             <a:r>
               <a:rPr lang="en-US" sz="4000" dirty="0" smtClean="0">
                 <a:solidFill>
                   <a:srgbClr val="8B8B8B"/>
                 </a:solidFill>
-                <a:latin typeface="Calibri"/>
-              </a:rPr>
-              <a:t>Aharon</a:t>
-            </a:r>
-            <a:endParaRPr sz="2400" dirty="0"/>
-          </a:p>
-          <a:p>
-            <a:pPr algn="r">
-              <a:lnSpc>
-                <a:spcPct val="100000"/>
-              </a:lnSpc>
-            </a:pPr>
-            <a:r>
-              <a:rPr lang="en-US" sz="4000" dirty="0">
-                <a:solidFill>
-                  <a:srgbClr val="8B8B8B"/>
-                </a:solidFill>
-                <a:latin typeface="Calibri"/>
-              </a:rPr>
-              <a:t>April 2015</a:t>
+              </a:rPr>
+              <a:t>April 2015   </a:t>
             </a:r>
             <a:endParaRPr sz="2400" dirty="0"/>
           </a:p>
@@ -4276,13 +4685,93 @@
       </p:grpSpPr>
       <p:sp>
         <p:nvSpPr>
-          <p:cNvPr id="97" name="TextShape 1"/>
+          <p:cNvPr id="7" name="TextShape 2"/>
           <p:cNvSpPr txBox="1"/>
           <p:nvPr/>
         </p:nvSpPr>
         <p:spPr>
           <a:xfrm>
-            <a:off x="457200" y="274680"/>
+            <a:off x="457200" y="1066800"/>
+            <a:ext cx="8229240" cy="4906560"/>
+          </a:xfrm>
+          <a:prstGeom prst="rect">
+            <a:avLst/>
+          </a:prstGeom>
+        </p:spPr>
+        <p:txBody>
+          <a:bodyPr/>
+          <a:lstStyle/>
+          <a:p>
+            <a:pPr marL="514350" indent="-514350">
+              <a:buAutoNum type="arabicPeriod"/>
+            </a:pPr>
+            <a:endParaRPr lang="en-US" sz="2800" dirty="0" smtClean="0"/>
+          </a:p>
+          <a:p>
+            <a:pPr marL="514350" indent="-514350">
+              <a:buAutoNum type="arabicPeriod"/>
+            </a:pPr>
+            <a:r>
+              <a:rPr lang="en-US" sz="2800" dirty="0" smtClean="0"/>
+              <a:t>Download 3</a:t>
+            </a:r>
+            <a:r>
+              <a:rPr lang="en-US" sz="2800" baseline="30000" dirty="0" smtClean="0"/>
+              <a:t>rd</a:t>
+            </a:r>
+            <a:r>
+              <a:rPr lang="en-US" sz="2800" dirty="0" smtClean="0"/>
+              <a:t> party </a:t>
+            </a:r>
+            <a:r>
+              <a:rPr lang="en-US" sz="2800" dirty="0" smtClean="0"/>
+              <a:t>dependencies</a:t>
+            </a:r>
+            <a:endParaRPr lang="en-US" sz="2800" dirty="0" smtClean="0"/>
+          </a:p>
+          <a:p>
+            <a:pPr marL="514350" indent="-514350">
+              <a:buAutoNum type="arabicPeriod"/>
+            </a:pPr>
+            <a:r>
+              <a:rPr lang="en-US" sz="2800" dirty="0" smtClean="0"/>
+              <a:t>Compile source </a:t>
+            </a:r>
+            <a:r>
+              <a:rPr lang="en-US" sz="2800" dirty="0" smtClean="0"/>
+              <a:t>code</a:t>
+            </a:r>
+            <a:endParaRPr lang="en-US" sz="2800" dirty="0" smtClean="0"/>
+          </a:p>
+          <a:p>
+            <a:pPr marL="514350" indent="-514350">
+              <a:buAutoNum type="arabicPeriod"/>
+            </a:pPr>
+            <a:r>
+              <a:rPr lang="en-US" sz="2800" dirty="0" smtClean="0"/>
+              <a:t>Run tests - optional</a:t>
+            </a:r>
+          </a:p>
+          <a:p>
+            <a:pPr marL="514350" indent="-514350">
+              <a:buAutoNum type="arabicPeriod"/>
+            </a:pPr>
+            <a:r>
+              <a:rPr lang="en-US" sz="2800" dirty="0" smtClean="0"/>
+              <a:t>Create a distribution file (jar)</a:t>
+            </a:r>
+          </a:p>
+        </p:txBody>
+      </p:sp>
+      <p:sp>
+        <p:nvSpPr>
+          <p:cNvPr id="90" name="TextShape 1"/>
+          <p:cNvSpPr txBox="1"/>
+          <p:nvPr/>
+        </p:nvSpPr>
+        <p:spPr>
+          <a:xfrm>
+            <a:off x="457200" y="76200"/>
             <a:ext cx="8229240" cy="1142640"/>
           </a:xfrm>
           <a:prstGeom prst="rect">
@@ -4294,24 +4783,50 @@
           <a:lstStyle/>
           <a:p>
             <a:r>
-              <a:rPr lang="en-US" sz="3600" dirty="0">
-                <a:latin typeface="Calibri"/>
-              </a:rPr>
-              <a:t>Maven </a:t>
-            </a:r>
-            <a:r>
-              <a:rPr lang="en-US" sz="3600" dirty="0" smtClean="0">
-                <a:latin typeface="Calibri"/>
-              </a:rPr>
-              <a:t>– architecture</a:t>
-            </a:r>
-            <a:endParaRPr dirty="0"/>
+              <a:rPr lang="en-US" sz="3600" dirty="0"/>
+              <a:t>What does it takes to build a java app</a:t>
+            </a:r>
+            <a:r>
+              <a:rPr lang="en-US" sz="3600" dirty="0" smtClean="0"/>
+              <a:t>?</a:t>
+            </a:r>
+            <a:endParaRPr lang="en-US" sz="3600" dirty="0"/>
           </a:p>
         </p:txBody>
       </p:sp>
       <p:pic>
         <p:nvPicPr>
-          <p:cNvPr id="3" name="תמונה 2"/>
+          <p:cNvPr id="2" name="תמונה 1"/>
+          <p:cNvPicPr>
+            <a:picLocks noChangeAspect="1"/>
+          </p:cNvPicPr>
+          <p:nvPr/>
+        </p:nvPicPr>
+        <p:blipFill>
+          <a:blip r:embed="rId2" cstate="print">
+            <a:extLst>
+              <a:ext uri="{28A0092B-C50C-407E-A947-70E740481C1C}">
+                <a14:useLocalDpi xmlns:a14="http://schemas.microsoft.com/office/drawing/2010/main" val="0"/>
+              </a:ext>
+            </a:extLst>
+          </a:blip>
+          <a:stretch>
+            <a:fillRect/>
+          </a:stretch>
+        </p:blipFill>
+        <p:spPr>
+          <a:xfrm>
+            <a:off x="6618000" y="1524000"/>
+            <a:ext cx="392400" cy="387168"/>
+          </a:xfrm>
+          <a:prstGeom prst="rect">
+            <a:avLst/>
+          </a:prstGeom>
+        </p:spPr>
+      </p:pic>
+      <p:pic>
+        <p:nvPicPr>
+          <p:cNvPr id="4" name="תמונה 3"/>
           <p:cNvPicPr>
             <a:picLocks noChangeAspect="1"/>
           </p:cNvPicPr>
@@ -4331,8 +4846,98 @@
         </p:blipFill>
         <p:spPr>
           <a:xfrm>
-            <a:off x="1371600" y="1451487"/>
-            <a:ext cx="6629400" cy="5025513"/>
+            <a:off x="6172201" y="2895600"/>
+            <a:ext cx="390525" cy="381000"/>
+          </a:xfrm>
+          <a:prstGeom prst="rect">
+            <a:avLst/>
+          </a:prstGeom>
+        </p:spPr>
+      </p:pic>
+      <p:pic>
+        <p:nvPicPr>
+          <p:cNvPr id="10" name="תמונה 9"/>
+          <p:cNvPicPr>
+            <a:picLocks noChangeAspect="1"/>
+          </p:cNvPicPr>
+          <p:nvPr/>
+        </p:nvPicPr>
+        <p:blipFill>
+          <a:blip r:embed="rId3">
+            <a:extLst>
+              <a:ext uri="{28A0092B-C50C-407E-A947-70E740481C1C}">
+                <a14:useLocalDpi xmlns:a14="http://schemas.microsoft.com/office/drawing/2010/main" val="0"/>
+              </a:ext>
+            </a:extLst>
+          </a:blip>
+          <a:stretch>
+            <a:fillRect/>
+          </a:stretch>
+        </p:blipFill>
+        <p:spPr>
+          <a:xfrm>
+            <a:off x="6172200" y="2438400"/>
+            <a:ext cx="390525" cy="381000"/>
+          </a:xfrm>
+          <a:prstGeom prst="rect">
+            <a:avLst/>
+          </a:prstGeom>
+        </p:spPr>
+      </p:pic>
+      <p:pic>
+        <p:nvPicPr>
+          <p:cNvPr id="11" name="תמונה 10"/>
+          <p:cNvPicPr>
+            <a:picLocks noChangeAspect="1"/>
+          </p:cNvPicPr>
+          <p:nvPr/>
+        </p:nvPicPr>
+        <p:blipFill>
+          <a:blip r:embed="rId3">
+            <a:extLst>
+              <a:ext uri="{28A0092B-C50C-407E-A947-70E740481C1C}">
+                <a14:useLocalDpi xmlns:a14="http://schemas.microsoft.com/office/drawing/2010/main" val="0"/>
+              </a:ext>
+            </a:extLst>
+          </a:blip>
+          <a:stretch>
+            <a:fillRect/>
+          </a:stretch>
+        </p:blipFill>
+        <p:spPr>
+          <a:xfrm>
+            <a:off x="6172201" y="2040294"/>
+            <a:ext cx="390525" cy="381000"/>
+          </a:xfrm>
+          <a:prstGeom prst="rect">
+            <a:avLst/>
+          </a:prstGeom>
+        </p:spPr>
+      </p:pic>
+      <p:pic>
+        <p:nvPicPr>
+          <p:cNvPr id="5" name="תמונה 4"/>
+          <p:cNvPicPr>
+            <a:picLocks noChangeAspect="1"/>
+          </p:cNvPicPr>
+          <p:nvPr/>
+        </p:nvPicPr>
+        <p:blipFill>
+          <a:blip r:embed="rId4">
+            <a:extLst>
+              <a:ext uri="{28A0092B-C50C-407E-A947-70E740481C1C}">
+                <a14:useLocalDpi xmlns:a14="http://schemas.microsoft.com/office/drawing/2010/main" val="0"/>
+              </a:ext>
+            </a:extLst>
+          </a:blip>
+          <a:stretch>
+            <a:fillRect/>
+          </a:stretch>
+        </p:blipFill>
+        <p:spPr>
+          <a:xfrm>
+            <a:off x="6858000" y="3962400"/>
+            <a:ext cx="2057399" cy="2438400"/>
           </a:xfrm>
           <a:prstGeom prst="rect">
             <a:avLst/>
@@ -4342,7 +4947,7 @@
     </p:spTree>
     <p:extLst>
       <p:ext uri="{BB962C8B-B14F-4D97-AF65-F5344CB8AC3E}">
-        <p14:creationId xmlns:p14="http://schemas.microsoft.com/office/powerpoint/2010/main" val="2286536519"/>
+        <p14:creationId xmlns:p14="http://schemas.microsoft.com/office/powerpoint/2010/main" val="2423191491"/>
       </p:ext>
     </p:extLst>
   </p:cSld>
@@ -4352,27 +4957,7 @@
   <p:timing>
     <p:tnLst>
       <p:par>
-        <p:cTn id="1" dur="indefinite" restart="never" nodeType="tmRoot">
-          <p:childTnLst>
-            <p:seq>
-              <p:cTn id="2" nodeType="mainSeq"/>
-              <p:prevCondLst>
-                <p:cond evt="onPrev" delay="0">
-                  <p:tgtEl>
-                    <p:sldTgt/>
-                  </p:tgtEl>
-                </p:cond>
-              </p:prevCondLst>
-              <p:nextCondLst>
-                <p:cond evt="onNext" delay="0">
-                  <p:tgtEl>
-                    <p:sldTgt/>
-                  </p:tgtEl>
-                </p:cond>
-              </p:nextCondLst>
-            </p:seq>
-          </p:childTnLst>
-        </p:cTn>
+        <p:cTn id="1" dur="indefinite" restart="never" nodeType="tmRoot"/>
       </p:par>
     </p:tnLst>
   </p:timing>
@@ -4380,7 +4965,7 @@
 </file>
 
 <file path=ppt/slides/slide11.xml><?xml version="1.0" encoding="utf-8"?>
-<p:sld xmlns:a="http://schemas.openxmlformats.org/drawingml/2006/main" xmlns:r="http://schemas.openxmlformats.org/officeDocument/2006/relationships" xmlns:p="http://schemas.openxmlformats.org/presentationml/2006/main">
+<p:sld xmlns:a="http://schemas.openxmlformats.org/drawingml/2006/main" xmlns:r="http://schemas.openxmlformats.org/officeDocument/2006/relationships" xmlns:p="http://schemas.openxmlformats.org/presentationml/2006/main" show="0">
   <p:cSld>
     <p:spTree>
       <p:nvGrpSpPr>
@@ -4419,298 +5004,198 @@
               <a:rPr lang="en-US" sz="3600" dirty="0" smtClean="0">
                 <a:latin typeface="Calibri"/>
               </a:rPr>
-              <a:t>Maven – dependency management</a:t>
+              <a:t>Maven - Overview</a:t>
             </a:r>
             <a:endParaRPr dirty="0"/>
-          </a:p>
-        </p:txBody>
-      </p:sp>
-      <p:sp>
-        <p:nvSpPr>
-          <p:cNvPr id="96" name="TextShape 2"/>
-          <p:cNvSpPr txBox="1"/>
-          <p:nvPr/>
-        </p:nvSpPr>
-        <p:spPr>
-          <a:xfrm>
-            <a:off x="457200" y="1600200"/>
-            <a:ext cx="8229240" cy="4800600"/>
-          </a:xfrm>
-          <a:prstGeom prst="rect">
-            <a:avLst/>
-          </a:prstGeom>
-        </p:spPr>
-        <p:txBody>
-          <a:bodyPr/>
-          <a:lstStyle/>
-          <a:p>
-            <a:pPr>
-              <a:buSzPct val="45000"/>
-            </a:pPr>
-            <a:r>
-              <a:rPr lang="en-US" sz="2200" dirty="0" smtClean="0"/>
-              <a:t>Every module has 3 required fields defining </a:t>
-            </a:r>
-            <a:r>
-              <a:rPr lang="en-US" sz="2200" dirty="0" smtClean="0"/>
-              <a:t>its “address</a:t>
-            </a:r>
-            <a:r>
-              <a:rPr lang="en-US" sz="2200" dirty="0" smtClean="0"/>
-              <a:t>”:</a:t>
-            </a:r>
-            <a:endParaRPr lang="en-US" sz="2200" dirty="0"/>
-          </a:p>
-          <a:p>
-            <a:pPr marL="285750" indent="-285750">
-              <a:buSzPct val="45000"/>
-              <a:buFont typeface="Arial" panose="020B0604020202020204" pitchFamily="34" charset="0"/>
-              <a:buChar char="•"/>
-            </a:pPr>
-            <a:r>
-              <a:rPr lang="en-US" sz="2200" b="1" dirty="0" err="1" smtClean="0"/>
-              <a:t>groupId</a:t>
-            </a:r>
-            <a:r>
-              <a:rPr lang="en-US" sz="2200" dirty="0" smtClean="0"/>
-              <a:t> – a unique namespace (usually the company name)</a:t>
-            </a:r>
-            <a:endParaRPr lang="en-US" sz="2200" dirty="0"/>
-          </a:p>
-          <a:p>
-            <a:pPr marL="285750" indent="-285750">
-              <a:buSzPct val="45000"/>
-              <a:buFont typeface="Arial" panose="020B0604020202020204" pitchFamily="34" charset="0"/>
-              <a:buChar char="•"/>
-            </a:pPr>
-            <a:r>
-              <a:rPr lang="en-US" sz="2200" b="1" dirty="0" err="1" smtClean="0"/>
-              <a:t>artifactId</a:t>
-            </a:r>
-            <a:r>
-              <a:rPr lang="en-US" sz="2200" dirty="0" smtClean="0"/>
-              <a:t> – the artifact’s name (matches the jar name)</a:t>
-            </a:r>
-          </a:p>
-          <a:p>
-            <a:pPr marL="285750" indent="-285750">
-              <a:buSzPct val="45000"/>
-              <a:buFont typeface="Arial" panose="020B0604020202020204" pitchFamily="34" charset="0"/>
-              <a:buChar char="•"/>
-            </a:pPr>
-            <a:r>
-              <a:rPr lang="en-US" sz="2200" b="1" dirty="0" smtClean="0"/>
-              <a:t>version</a:t>
-            </a:r>
-            <a:r>
-              <a:rPr lang="en-US" sz="2200" dirty="0" smtClean="0"/>
-              <a:t> – the artifact’s version</a:t>
-            </a:r>
-          </a:p>
-          <a:p>
-            <a:pPr>
-              <a:buSzPct val="45000"/>
-            </a:pPr>
-            <a:endParaRPr lang="en-US" sz="2200" dirty="0"/>
-          </a:p>
-          <a:p>
-            <a:pPr>
-              <a:buSzPct val="45000"/>
-            </a:pPr>
-            <a:r>
-              <a:rPr lang="en-US" sz="2200" dirty="0" smtClean="0"/>
-              <a:t>Example:</a:t>
-            </a:r>
-          </a:p>
-          <a:p>
-            <a:pPr>
-              <a:buSzPct val="45000"/>
-            </a:pPr>
-            <a:endParaRPr lang="en-US" sz="2200" dirty="0"/>
-          </a:p>
-          <a:p>
-            <a:pPr>
-              <a:buSzPct val="45000"/>
-            </a:pPr>
-            <a:r>
-              <a:rPr lang="en-US" sz="2200" dirty="0" smtClean="0"/>
-              <a:t>&lt;</a:t>
-            </a:r>
-            <a:r>
-              <a:rPr lang="en-US" sz="2200" dirty="0" err="1" smtClean="0"/>
-              <a:t>groupId</a:t>
-            </a:r>
-            <a:r>
-              <a:rPr lang="en-US" sz="2200" dirty="0" smtClean="0"/>
-              <a:t>&gt;</a:t>
-            </a:r>
-            <a:r>
-              <a:rPr lang="en-US" sz="2200" dirty="0" err="1" smtClean="0"/>
-              <a:t>org.gradleintro</a:t>
-            </a:r>
-            <a:r>
-              <a:rPr lang="en-US" sz="2200" dirty="0" smtClean="0"/>
-              <a:t>&lt;/</a:t>
-            </a:r>
-            <a:r>
-              <a:rPr lang="en-US" sz="2200" dirty="0" err="1"/>
-              <a:t>groupId</a:t>
-            </a:r>
-            <a:r>
-              <a:rPr lang="en-US" sz="2200" dirty="0"/>
-              <a:t>&gt; </a:t>
-            </a:r>
-            <a:r>
-              <a:rPr lang="en-US" sz="2200" dirty="0" smtClean="0"/>
-              <a:t> </a:t>
-            </a:r>
-          </a:p>
-          <a:p>
-            <a:pPr>
-              <a:buSzPct val="45000"/>
-            </a:pPr>
-            <a:r>
-              <a:rPr lang="en-US" sz="2200" dirty="0" smtClean="0"/>
-              <a:t>&lt;</a:t>
-            </a:r>
-            <a:r>
-              <a:rPr lang="en-US" sz="2200" dirty="0" err="1" smtClean="0"/>
-              <a:t>artifactId</a:t>
-            </a:r>
-            <a:r>
-              <a:rPr lang="en-US" sz="2200" dirty="0" smtClean="0"/>
-              <a:t>&gt;server&lt;/</a:t>
-            </a:r>
-            <a:r>
-              <a:rPr lang="en-US" sz="2200" dirty="0" err="1"/>
-              <a:t>artifactId</a:t>
-            </a:r>
-            <a:r>
-              <a:rPr lang="en-US" sz="2200" dirty="0"/>
-              <a:t>&gt; </a:t>
-            </a:r>
-            <a:endParaRPr lang="en-US" sz="2200" dirty="0" smtClean="0"/>
-          </a:p>
-          <a:p>
-            <a:pPr>
-              <a:buSzPct val="45000"/>
-            </a:pPr>
-            <a:r>
-              <a:rPr lang="en-US" sz="2200" dirty="0" smtClean="0"/>
-              <a:t>&lt;version&gt;1.0-SNAPSHOT&lt;/</a:t>
-            </a:r>
-            <a:r>
-              <a:rPr lang="en-US" sz="2200" dirty="0"/>
-              <a:t>version&gt;</a:t>
-            </a:r>
-            <a:endParaRPr sz="2200" dirty="0"/>
-          </a:p>
-        </p:txBody>
-      </p:sp>
-      <p:sp>
-        <p:nvSpPr>
-          <p:cNvPr id="5" name="חץ ימינה 4"/>
-          <p:cNvSpPr/>
-          <p:nvPr/>
-        </p:nvSpPr>
-        <p:spPr>
-          <a:xfrm>
-            <a:off x="4572000" y="4348162"/>
-            <a:ext cx="685800" cy="304800"/>
-          </a:xfrm>
-          <a:prstGeom prst="rightArrow">
-            <a:avLst/>
-          </a:prstGeom>
-        </p:spPr>
-        <p:style>
-          <a:lnRef idx="2">
-            <a:schemeClr val="accent1">
-              <a:shade val="50000"/>
-            </a:schemeClr>
-          </a:lnRef>
-          <a:fillRef idx="1">
-            <a:schemeClr val="accent1"/>
-          </a:fillRef>
-          <a:effectRef idx="0">
-            <a:schemeClr val="accent1"/>
-          </a:effectRef>
-          <a:fontRef idx="minor">
-            <a:schemeClr val="lt1"/>
-          </a:fontRef>
-        </p:style>
-        <p:txBody>
-          <a:bodyPr rtlCol="1" anchor="ctr"/>
-          <a:lstStyle/>
-          <a:p>
-            <a:pPr algn="ctr"/>
-            <a:endParaRPr lang="he-IL"/>
           </a:p>
         </p:txBody>
       </p:sp>
       <p:pic>
         <p:nvPicPr>
-          <p:cNvPr id="1027" name="Picture 3"/>
-          <p:cNvPicPr>
-            <a:picLocks noChangeAspect="1" noChangeArrowheads="1"/>
-          </p:cNvPicPr>
+          <p:cNvPr id="95" name="Picture 94"/>
+          <p:cNvPicPr/>
           <p:nvPr/>
         </p:nvPicPr>
         <p:blipFill>
-          <a:blip r:embed="rId2">
-            <a:extLst>
-              <a:ext uri="{28A0092B-C50C-407E-A947-70E740481C1C}">
-                <a14:useLocalDpi xmlns:a14="http://schemas.microsoft.com/office/drawing/2010/main" val="0"/>
-              </a:ext>
-            </a:extLst>
-          </a:blip>
-          <a:srcRect/>
+          <a:blip r:embed="rId3"/>
           <a:stretch>
             <a:fillRect/>
           </a:stretch>
         </p:blipFill>
-        <p:spPr bwMode="auto">
-          <a:xfrm>
-            <a:off x="5360437" y="3886200"/>
-            <a:ext cx="3505200" cy="1228725"/>
-          </a:xfrm>
-          <a:prstGeom prst="rect">
-            <a:avLst/>
-          </a:prstGeom>
-          <a:noFill/>
+        <p:spPr>
+          <a:xfrm>
+            <a:off x="5486400" y="4965000"/>
+            <a:ext cx="3600000" cy="1512000"/>
+          </a:xfrm>
+          <a:prstGeom prst="rect">
+            <a:avLst/>
+          </a:prstGeom>
           <a:ln>
             <a:noFill/>
           </a:ln>
-          <a:extLst>
-            <a:ext uri="{909E8E84-426E-40DD-AFC4-6F175D3DCCD1}">
-              <a14:hiddenFill xmlns:a14="http://schemas.microsoft.com/office/drawing/2010/main">
-                <a:solidFill>
-                  <a:schemeClr val="accent1"/>
-                </a:solidFill>
-              </a14:hiddenFill>
-            </a:ext>
-            <a:ext uri="{91240B29-F687-4F45-9708-019B960494DF}">
-              <a14:hiddenLine xmlns:a14="http://schemas.microsoft.com/office/drawing/2010/main" w="9525">
-                <a:solidFill>
-                  <a:schemeClr val="tx1"/>
-                </a:solidFill>
-                <a:miter lim="800000"/>
-                <a:headEnd/>
-                <a:tailEnd/>
-              </a14:hiddenLine>
-            </a:ext>
-          </a:extLst>
         </p:spPr>
       </p:pic>
+      <p:sp>
+        <p:nvSpPr>
+          <p:cNvPr id="96" name="TextShape 2"/>
+          <p:cNvSpPr txBox="1"/>
+          <p:nvPr/>
+        </p:nvSpPr>
+        <p:spPr>
+          <a:xfrm>
+            <a:off x="457200" y="1600200"/>
+            <a:ext cx="8229240" cy="4525560"/>
+          </a:xfrm>
+          <a:prstGeom prst="rect">
+            <a:avLst/>
+          </a:prstGeom>
+        </p:spPr>
+        <p:txBody>
+          <a:bodyPr/>
+          <a:lstStyle/>
+          <a:p>
+            <a:pPr marL="457200" indent="-457200">
+              <a:buSzPct val="45000"/>
+              <a:buFont typeface="Arial" panose="020B0604020202020204" pitchFamily="34" charset="0"/>
+              <a:buChar char="•"/>
+            </a:pPr>
+            <a:r>
+              <a:rPr lang="en-US" sz="2200" dirty="0">
+                <a:latin typeface="Calibri"/>
+              </a:rPr>
+              <a:t>Released in 2004</a:t>
+            </a:r>
+            <a:endParaRPr sz="2200" dirty="0"/>
+          </a:p>
+          <a:p>
+            <a:pPr marL="457200" indent="-457200">
+              <a:buSzPct val="45000"/>
+              <a:buFont typeface="Arial" panose="020B0604020202020204" pitchFamily="34" charset="0"/>
+              <a:buChar char="•"/>
+            </a:pPr>
+            <a:r>
+              <a:rPr lang="en-US" sz="2200" dirty="0" smtClean="0">
+                <a:latin typeface="Calibri"/>
+              </a:rPr>
+              <a:t>Most popular java build tool</a:t>
+            </a:r>
+          </a:p>
+          <a:p>
+            <a:pPr marL="457200" indent="-457200">
+              <a:buSzPct val="45000"/>
+              <a:buFont typeface="Arial" panose="020B0604020202020204" pitchFamily="34" charset="0"/>
+              <a:buChar char="•"/>
+            </a:pPr>
+            <a:r>
+              <a:rPr lang="en-US" sz="2200" dirty="0" smtClean="0">
+                <a:latin typeface="Calibri"/>
+              </a:rPr>
+              <a:t>Declarative build tool</a:t>
+            </a:r>
+          </a:p>
+          <a:p>
+            <a:pPr marL="457200" indent="-457200">
+              <a:buSzPct val="45000"/>
+              <a:buFont typeface="Arial" panose="020B0604020202020204" pitchFamily="34" charset="0"/>
+              <a:buChar char="•"/>
+            </a:pPr>
+            <a:r>
+              <a:rPr lang="en-US" sz="2200" dirty="0" smtClean="0">
+                <a:latin typeface="Calibri"/>
+              </a:rPr>
+              <a:t>Introduced </a:t>
+            </a:r>
+            <a:r>
+              <a:rPr lang="en-US" sz="2200" dirty="0">
+                <a:latin typeface="Calibri"/>
+              </a:rPr>
+              <a:t>dependency management </a:t>
+            </a:r>
+            <a:endParaRPr sz="2200" dirty="0"/>
+          </a:p>
+          <a:p>
+            <a:pPr marL="457200" indent="-457200">
+              <a:buSzPct val="45000"/>
+              <a:buFont typeface="Arial" panose="020B0604020202020204" pitchFamily="34" charset="0"/>
+              <a:buChar char="•"/>
+            </a:pPr>
+            <a:r>
+              <a:rPr lang="en-US" sz="2200" dirty="0">
+                <a:latin typeface="Calibri"/>
+              </a:rPr>
+              <a:t>Introduced </a:t>
+            </a:r>
+            <a:r>
+              <a:rPr lang="en-US" sz="2200" dirty="0" smtClean="0">
+                <a:latin typeface="Calibri"/>
+              </a:rPr>
+              <a:t>multi-module builds</a:t>
+            </a:r>
+            <a:endParaRPr sz="2200" dirty="0"/>
+          </a:p>
+          <a:p>
+            <a:pPr marL="457200" indent="-457200">
+              <a:buSzPct val="45000"/>
+              <a:buFont typeface="Arial" panose="020B0604020202020204" pitchFamily="34" charset="0"/>
+              <a:buChar char="•"/>
+            </a:pPr>
+            <a:r>
+              <a:rPr lang="en-US" sz="2200" dirty="0">
+                <a:latin typeface="Calibri"/>
+              </a:rPr>
+              <a:t>Relies on convention over configuration</a:t>
+            </a:r>
+            <a:endParaRPr sz="2200" dirty="0"/>
+          </a:p>
+          <a:p>
+            <a:pPr marL="457200" indent="-457200">
+              <a:buSzPct val="45000"/>
+              <a:buFont typeface="Arial" panose="020B0604020202020204" pitchFamily="34" charset="0"/>
+              <a:buChar char="•"/>
+            </a:pPr>
+            <a:r>
+              <a:rPr lang="en-US" sz="2200" dirty="0" smtClean="0">
+                <a:latin typeface="Calibri"/>
+              </a:rPr>
+              <a:t>Uses plugin architecture</a:t>
+            </a:r>
+            <a:endParaRPr sz="2200" dirty="0" smtClean="0"/>
+          </a:p>
+          <a:p>
+            <a:pPr marL="457200" indent="-457200">
+              <a:buSzPct val="45000"/>
+              <a:buFont typeface="Arial" panose="020B0604020202020204" pitchFamily="34" charset="0"/>
+              <a:buChar char="•"/>
+            </a:pPr>
+            <a:r>
+              <a:rPr lang="en-US" sz="2200" dirty="0" smtClean="0">
+                <a:latin typeface="Calibri"/>
+              </a:rPr>
+              <a:t>Files </a:t>
+            </a:r>
+            <a:r>
+              <a:rPr lang="en-US" sz="2200" dirty="0">
+                <a:latin typeface="Calibri"/>
+              </a:rPr>
+              <a:t>are written in XML</a:t>
+            </a:r>
+            <a:endParaRPr sz="2200" dirty="0"/>
+          </a:p>
+        </p:txBody>
+      </p:sp>
     </p:spTree>
-    <p:extLst>
-      <p:ext uri="{BB962C8B-B14F-4D97-AF65-F5344CB8AC3E}">
-        <p14:creationId xmlns:p14="http://schemas.microsoft.com/office/powerpoint/2010/main" val="1479545453"/>
-      </p:ext>
-    </p:extLst>
   </p:cSld>
   <p:clrMapOvr>
     <a:masterClrMapping/>
   </p:clrMapOvr>
+  <mc:AlternateContent xmlns:mc="http://schemas.openxmlformats.org/markup-compatibility/2006">
+    <mc:Choice xmlns:p14="http://schemas.microsoft.com/office/powerpoint/2010/main" Requires="p14">
+      <p:transition spd="slow" p14:dur="2000"/>
+    </mc:Choice>
+    <mc:Fallback>
+      <p:transition spd="slow"/>
+    </mc:Fallback>
+  </mc:AlternateContent>
   <p:timing>
     <p:tnLst>
       <p:par>
@@ -4760,7 +5245,7 @@
       </p:grpSpPr>
       <p:sp>
         <p:nvSpPr>
-          <p:cNvPr id="97" name="TextShape 1"/>
+          <p:cNvPr id="94" name="TextShape 1"/>
           <p:cNvSpPr txBox="1"/>
           <p:nvPr/>
         </p:nvSpPr>
@@ -4778,18 +5263,181 @@
           <a:lstStyle/>
           <a:p>
             <a:r>
-              <a:rPr lang="en-US" sz="3600" dirty="0">
-                <a:latin typeface="Calibri"/>
-              </a:rPr>
-              <a:t>Maven </a:t>
-            </a:r>
-            <a:r>
               <a:rPr lang="en-US" sz="3600" dirty="0" smtClean="0">
-                <a:latin typeface="Calibri"/>
-              </a:rPr>
-              <a:t>– build lifecycles</a:t>
-            </a:r>
-            <a:endParaRPr dirty="0"/>
+                <a:latin typeface="+mj-lt"/>
+              </a:rPr>
+              <a:t>Maven - Overview</a:t>
+            </a:r>
+            <a:endParaRPr dirty="0">
+              <a:latin typeface="+mj-lt"/>
+            </a:endParaRPr>
+          </a:p>
+        </p:txBody>
+      </p:sp>
+      <p:sp>
+        <p:nvSpPr>
+          <p:cNvPr id="96" name="TextShape 2"/>
+          <p:cNvSpPr txBox="1"/>
+          <p:nvPr/>
+        </p:nvSpPr>
+        <p:spPr>
+          <a:xfrm>
+            <a:off x="457200" y="1600200"/>
+            <a:ext cx="8229240" cy="4525560"/>
+          </a:xfrm>
+          <a:prstGeom prst="rect">
+            <a:avLst/>
+          </a:prstGeom>
+        </p:spPr>
+        <p:txBody>
+          <a:bodyPr/>
+          <a:lstStyle/>
+          <a:p>
+            <a:pPr marL="457200" indent="-457200">
+              <a:buSzPct val="45000"/>
+              <a:buFont typeface="Arial" panose="020B0604020202020204" pitchFamily="34" charset="0"/>
+              <a:buChar char="•"/>
+            </a:pPr>
+            <a:r>
+              <a:rPr lang="en-US" sz="2200" dirty="0"/>
+              <a:t>Released in </a:t>
+            </a:r>
+            <a:r>
+              <a:rPr lang="en-US" sz="2200" dirty="0" smtClean="0"/>
+              <a:t>2004</a:t>
+            </a:r>
+          </a:p>
+          <a:p>
+            <a:pPr>
+              <a:buSzPct val="45000"/>
+            </a:pPr>
+            <a:endParaRPr sz="900" dirty="0"/>
+          </a:p>
+          <a:p>
+            <a:pPr marL="457200" indent="-457200">
+              <a:buSzPct val="45000"/>
+              <a:buFont typeface="Arial" panose="020B0604020202020204" pitchFamily="34" charset="0"/>
+              <a:buChar char="•"/>
+            </a:pPr>
+            <a:r>
+              <a:rPr lang="en-US" sz="2200" dirty="0" smtClean="0"/>
+              <a:t>Most popular java build </a:t>
+            </a:r>
+            <a:r>
+              <a:rPr lang="en-US" sz="2200" dirty="0" smtClean="0"/>
+              <a:t>tool</a:t>
+            </a:r>
+          </a:p>
+          <a:p>
+            <a:pPr>
+              <a:buSzPct val="45000"/>
+            </a:pPr>
+            <a:endParaRPr lang="en-US" sz="900" dirty="0" smtClean="0"/>
+          </a:p>
+          <a:p>
+            <a:pPr marL="457200" indent="-457200">
+              <a:buSzPct val="45000"/>
+              <a:buFont typeface="Arial" panose="020B0604020202020204" pitchFamily="34" charset="0"/>
+              <a:buChar char="•"/>
+            </a:pPr>
+            <a:r>
+              <a:rPr lang="en-US" sz="2200" dirty="0" smtClean="0"/>
+              <a:t>Declarative build </a:t>
+            </a:r>
+            <a:r>
+              <a:rPr lang="en-US" sz="2200" dirty="0" smtClean="0"/>
+              <a:t>tool</a:t>
+            </a:r>
+          </a:p>
+          <a:p>
+            <a:pPr>
+              <a:buSzPct val="45000"/>
+            </a:pPr>
+            <a:endParaRPr lang="en-US" sz="900" dirty="0" smtClean="0"/>
+          </a:p>
+          <a:p>
+            <a:pPr marL="457200" indent="-457200">
+              <a:buSzPct val="45000"/>
+              <a:buFont typeface="Arial" panose="020B0604020202020204" pitchFamily="34" charset="0"/>
+              <a:buChar char="•"/>
+            </a:pPr>
+            <a:r>
+              <a:rPr lang="en-US" sz="2200" dirty="0" smtClean="0"/>
+              <a:t>Introduced </a:t>
+            </a:r>
+            <a:r>
+              <a:rPr lang="en-US" sz="2200" dirty="0"/>
+              <a:t>dependency management </a:t>
+            </a:r>
+            <a:endParaRPr lang="en-US" sz="2200" dirty="0" smtClean="0"/>
+          </a:p>
+          <a:p>
+            <a:pPr>
+              <a:buSzPct val="45000"/>
+            </a:pPr>
+            <a:endParaRPr sz="900" dirty="0"/>
+          </a:p>
+          <a:p>
+            <a:pPr marL="457200" indent="-457200">
+              <a:buSzPct val="45000"/>
+              <a:buFont typeface="Arial" panose="020B0604020202020204" pitchFamily="34" charset="0"/>
+              <a:buChar char="•"/>
+            </a:pPr>
+            <a:r>
+              <a:rPr lang="en-US" sz="2200" dirty="0"/>
+              <a:t>Introduced </a:t>
+            </a:r>
+            <a:r>
+              <a:rPr lang="en-US" sz="2200" dirty="0" smtClean="0"/>
+              <a:t>multi-module </a:t>
+            </a:r>
+            <a:r>
+              <a:rPr lang="en-US" sz="2200" dirty="0" smtClean="0"/>
+              <a:t>builds</a:t>
+            </a:r>
+          </a:p>
+          <a:p>
+            <a:pPr>
+              <a:buSzPct val="45000"/>
+            </a:pPr>
+            <a:endParaRPr sz="900" dirty="0"/>
+          </a:p>
+          <a:p>
+            <a:pPr marL="457200" indent="-457200">
+              <a:buSzPct val="45000"/>
+              <a:buFont typeface="Arial" panose="020B0604020202020204" pitchFamily="34" charset="0"/>
+              <a:buChar char="•"/>
+            </a:pPr>
+            <a:r>
+              <a:rPr lang="en-US" sz="2200" dirty="0"/>
+              <a:t>Relies on convention over </a:t>
+            </a:r>
+            <a:r>
+              <a:rPr lang="en-US" sz="2200" dirty="0" smtClean="0"/>
+              <a:t>configuration</a:t>
+            </a:r>
+          </a:p>
+          <a:p>
+            <a:pPr>
+              <a:buSzPct val="45000"/>
+            </a:pPr>
+            <a:endParaRPr sz="900" dirty="0"/>
+          </a:p>
+          <a:p>
+            <a:pPr marL="457200" indent="-457200">
+              <a:buSzPct val="45000"/>
+              <a:buFont typeface="Arial" panose="020B0604020202020204" pitchFamily="34" charset="0"/>
+              <a:buChar char="•"/>
+            </a:pPr>
+            <a:r>
+              <a:rPr lang="en-US" sz="2200" dirty="0" smtClean="0"/>
+              <a:t>Files </a:t>
+            </a:r>
+            <a:r>
+              <a:rPr lang="en-US" sz="2200" dirty="0"/>
+              <a:t>are written in XML</a:t>
+            </a:r>
+            <a:endParaRPr sz="2200" dirty="0"/>
           </a:p>
         </p:txBody>
       </p:sp>
@@ -4815,8 +5463,8 @@
         </p:blipFill>
         <p:spPr>
           <a:xfrm>
-            <a:off x="1219200" y="1435703"/>
-            <a:ext cx="6705600" cy="4965097"/>
+            <a:off x="5410200" y="5151840"/>
+            <a:ext cx="3600000" cy="1401360"/>
           </a:xfrm>
           <a:prstGeom prst="rect">
             <a:avLst/>
@@ -4826,7 +5474,7 @@
     </p:spTree>
     <p:extLst>
       <p:ext uri="{BB962C8B-B14F-4D97-AF65-F5344CB8AC3E}">
-        <p14:creationId xmlns:p14="http://schemas.microsoft.com/office/powerpoint/2010/main" val="1969329154"/>
+        <p14:creationId xmlns:p14="http://schemas.microsoft.com/office/powerpoint/2010/main" val="3430945204"/>
       </p:ext>
     </p:extLst>
   </p:cSld>
@@ -4864,6 +5512,136 @@
 </file>
 
 <file path=ppt/slides/slide13.xml><?xml version="1.0" encoding="utf-8"?>
+<p:sld xmlns:a="http://schemas.openxmlformats.org/drawingml/2006/main" xmlns:r="http://schemas.openxmlformats.org/officeDocument/2006/relationships" xmlns:p="http://schemas.openxmlformats.org/presentationml/2006/main" show="0">
+  <p:cSld>
+    <p:spTree>
+      <p:nvGrpSpPr>
+        <p:cNvPr id="1" name=""/>
+        <p:cNvGrpSpPr/>
+        <p:nvPr/>
+      </p:nvGrpSpPr>
+      <p:grpSpPr>
+        <a:xfrm>
+          <a:off x="0" y="0"/>
+          <a:ext cx="0" cy="0"/>
+          <a:chOff x="0" y="0"/>
+          <a:chExt cx="0" cy="0"/>
+        </a:xfrm>
+      </p:grpSpPr>
+      <p:sp>
+        <p:nvSpPr>
+          <p:cNvPr id="97" name="TextShape 1"/>
+          <p:cNvSpPr txBox="1"/>
+          <p:nvPr/>
+        </p:nvSpPr>
+        <p:spPr>
+          <a:xfrm>
+            <a:off x="457200" y="274680"/>
+            <a:ext cx="8229240" cy="1142640"/>
+          </a:xfrm>
+          <a:prstGeom prst="rect">
+            <a:avLst/>
+          </a:prstGeom>
+        </p:spPr>
+        <p:txBody>
+          <a:bodyPr anchor="ctr"/>
+          <a:lstStyle/>
+          <a:p>
+            <a:r>
+              <a:rPr lang="en-US" sz="3600" dirty="0">
+                <a:latin typeface="Calibri"/>
+              </a:rPr>
+              <a:t>Maven </a:t>
+            </a:r>
+            <a:r>
+              <a:rPr lang="en-US" sz="3600" dirty="0" smtClean="0">
+                <a:latin typeface="Calibri"/>
+              </a:rPr>
+              <a:t>– architecture</a:t>
+            </a:r>
+            <a:endParaRPr dirty="0"/>
+          </a:p>
+        </p:txBody>
+      </p:sp>
+      <p:pic>
+        <p:nvPicPr>
+          <p:cNvPr id="3" name="תמונה 2"/>
+          <p:cNvPicPr>
+            <a:picLocks noChangeAspect="1"/>
+          </p:cNvPicPr>
+          <p:nvPr/>
+        </p:nvPicPr>
+        <p:blipFill>
+          <a:blip r:embed="rId3">
+            <a:extLst>
+              <a:ext uri="{28A0092B-C50C-407E-A947-70E740481C1C}">
+                <a14:useLocalDpi xmlns:a14="http://schemas.microsoft.com/office/drawing/2010/main" val="0"/>
+              </a:ext>
+            </a:extLst>
+          </a:blip>
+          <a:stretch>
+            <a:fillRect/>
+          </a:stretch>
+        </p:blipFill>
+        <p:spPr>
+          <a:xfrm>
+            <a:off x="1371600" y="1451487"/>
+            <a:ext cx="6629400" cy="5025513"/>
+          </a:xfrm>
+          <a:prstGeom prst="rect">
+            <a:avLst/>
+          </a:prstGeom>
+        </p:spPr>
+      </p:pic>
+    </p:spTree>
+    <p:extLst>
+      <p:ext uri="{BB962C8B-B14F-4D97-AF65-F5344CB8AC3E}">
+        <p14:creationId xmlns:p14="http://schemas.microsoft.com/office/powerpoint/2010/main" val="2286536519"/>
+      </p:ext>
+    </p:extLst>
+  </p:cSld>
+  <p:clrMapOvr>
+    <a:masterClrMapping/>
+  </p:clrMapOvr>
+  <mc:AlternateContent xmlns:mc="http://schemas.openxmlformats.org/markup-compatibility/2006">
+    <mc:Choice xmlns:p14="http://schemas.microsoft.com/office/powerpoint/2010/main" Requires="p14">
+      <p:transition spd="slow" p14:dur="2000"/>
+    </mc:Choice>
+    <mc:Fallback>
+      <p:transition spd="slow"/>
+    </mc:Fallback>
+  </mc:AlternateContent>
+  <p:timing>
+    <p:tnLst>
+      <p:par>
+        <p:cTn id="1" dur="indefinite" restart="never" nodeType="tmRoot">
+          <p:childTnLst>
+            <p:seq>
+              <p:cTn id="2" nodeType="mainSeq"/>
+              <p:prevCondLst>
+                <p:cond evt="onPrev" delay="0">
+                  <p:tgtEl>
+                    <p:sldTgt/>
+                  </p:tgtEl>
+                </p:cond>
+              </p:prevCondLst>
+              <p:nextCondLst>
+                <p:cond evt="onNext" delay="0">
+                  <p:tgtEl>
+                    <p:sldTgt/>
+                  </p:tgtEl>
+                </p:cond>
+              </p:nextCondLst>
+            </p:seq>
+          </p:childTnLst>
+        </p:cTn>
+      </p:par>
+    </p:tnLst>
+  </p:timing>
+</p:sld>
+</file>
+
+<file path=ppt/slides/slide14.xml><?xml version="1.0" encoding="utf-8"?>
 <p:sld xmlns:a="http://schemas.openxmlformats.org/drawingml/2006/main" xmlns:r="http://schemas.openxmlformats.org/officeDocument/2006/relationships" xmlns:p="http://schemas.openxmlformats.org/presentationml/2006/main">
   <p:cSld>
     <p:spTree>
@@ -4882,6 +5660,814 @@
       </p:grpSpPr>
       <p:sp>
         <p:nvSpPr>
+          <p:cNvPr id="97" name="TextShape 1"/>
+          <p:cNvSpPr txBox="1"/>
+          <p:nvPr/>
+        </p:nvSpPr>
+        <p:spPr>
+          <a:xfrm>
+            <a:off x="457200" y="274680"/>
+            <a:ext cx="8229240" cy="1142640"/>
+          </a:xfrm>
+          <a:prstGeom prst="rect">
+            <a:avLst/>
+          </a:prstGeom>
+        </p:spPr>
+        <p:txBody>
+          <a:bodyPr anchor="ctr"/>
+          <a:lstStyle/>
+          <a:p>
+            <a:r>
+              <a:rPr lang="en-US" sz="3600" dirty="0">
+                <a:latin typeface="+mj-lt"/>
+              </a:rPr>
+              <a:t>Maven </a:t>
+            </a:r>
+            <a:r>
+              <a:rPr lang="en-US" sz="3600" dirty="0" smtClean="0">
+                <a:latin typeface="+mj-lt"/>
+              </a:rPr>
+              <a:t>– architecture</a:t>
+            </a:r>
+            <a:endParaRPr dirty="0">
+              <a:latin typeface="+mj-lt"/>
+            </a:endParaRPr>
+          </a:p>
+        </p:txBody>
+      </p:sp>
+      <p:pic>
+        <p:nvPicPr>
+          <p:cNvPr id="2" name="תמונה 1"/>
+          <p:cNvPicPr>
+            <a:picLocks noChangeAspect="1"/>
+          </p:cNvPicPr>
+          <p:nvPr/>
+        </p:nvPicPr>
+        <p:blipFill>
+          <a:blip r:embed="rId3">
+            <a:extLst>
+              <a:ext uri="{28A0092B-C50C-407E-A947-70E740481C1C}">
+                <a14:useLocalDpi xmlns:a14="http://schemas.microsoft.com/office/drawing/2010/main" val="0"/>
+              </a:ext>
+            </a:extLst>
+          </a:blip>
+          <a:stretch>
+            <a:fillRect/>
+          </a:stretch>
+        </p:blipFill>
+        <p:spPr>
+          <a:xfrm>
+            <a:off x="1676400" y="1371600"/>
+            <a:ext cx="6544046" cy="4960810"/>
+          </a:xfrm>
+          <a:prstGeom prst="rect">
+            <a:avLst/>
+          </a:prstGeom>
+        </p:spPr>
+      </p:pic>
+    </p:spTree>
+    <p:extLst>
+      <p:ext uri="{BB962C8B-B14F-4D97-AF65-F5344CB8AC3E}">
+        <p14:creationId xmlns:p14="http://schemas.microsoft.com/office/powerpoint/2010/main" val="1628150297"/>
+      </p:ext>
+    </p:extLst>
+  </p:cSld>
+  <p:clrMapOvr>
+    <a:masterClrMapping/>
+  </p:clrMapOvr>
+  <p:timing>
+    <p:tnLst>
+      <p:par>
+        <p:cTn id="1" dur="indefinite" restart="never" nodeType="tmRoot">
+          <p:childTnLst>
+            <p:seq>
+              <p:cTn id="2" nodeType="mainSeq"/>
+              <p:prevCondLst>
+                <p:cond evt="onPrev" delay="0">
+                  <p:tgtEl>
+                    <p:sldTgt/>
+                  </p:tgtEl>
+                </p:cond>
+              </p:prevCondLst>
+              <p:nextCondLst>
+                <p:cond evt="onNext" delay="0">
+                  <p:tgtEl>
+                    <p:sldTgt/>
+                  </p:tgtEl>
+                </p:cond>
+              </p:nextCondLst>
+            </p:seq>
+          </p:childTnLst>
+        </p:cTn>
+      </p:par>
+    </p:tnLst>
+  </p:timing>
+</p:sld>
+</file>
+
+<file path=ppt/slides/slide15.xml><?xml version="1.0" encoding="utf-8"?>
+<p:sld xmlns:a="http://schemas.openxmlformats.org/drawingml/2006/main" xmlns:r="http://schemas.openxmlformats.org/officeDocument/2006/relationships" xmlns:p="http://schemas.openxmlformats.org/presentationml/2006/main">
+  <p:cSld>
+    <p:spTree>
+      <p:nvGrpSpPr>
+        <p:cNvPr id="1" name=""/>
+        <p:cNvGrpSpPr/>
+        <p:nvPr/>
+      </p:nvGrpSpPr>
+      <p:grpSpPr>
+        <a:xfrm>
+          <a:off x="0" y="0"/>
+          <a:ext cx="0" cy="0"/>
+          <a:chOff x="0" y="0"/>
+          <a:chExt cx="0" cy="0"/>
+        </a:xfrm>
+      </p:grpSpPr>
+      <p:sp>
+        <p:nvSpPr>
+          <p:cNvPr id="94" name="TextShape 1"/>
+          <p:cNvSpPr txBox="1"/>
+          <p:nvPr/>
+        </p:nvSpPr>
+        <p:spPr>
+          <a:xfrm>
+            <a:off x="457200" y="274680"/>
+            <a:ext cx="8229240" cy="1142640"/>
+          </a:xfrm>
+          <a:prstGeom prst="rect">
+            <a:avLst/>
+          </a:prstGeom>
+        </p:spPr>
+        <p:txBody>
+          <a:bodyPr anchor="ctr"/>
+          <a:lstStyle/>
+          <a:p>
+            <a:r>
+              <a:rPr lang="en-US" sz="3600" dirty="0" smtClean="0">
+                <a:latin typeface="+mj-lt"/>
+              </a:rPr>
+              <a:t>Maven – dependency management</a:t>
+            </a:r>
+            <a:endParaRPr dirty="0">
+              <a:latin typeface="+mj-lt"/>
+            </a:endParaRPr>
+          </a:p>
+        </p:txBody>
+      </p:sp>
+      <p:sp>
+        <p:nvSpPr>
+          <p:cNvPr id="96" name="TextShape 2"/>
+          <p:cNvSpPr txBox="1"/>
+          <p:nvPr/>
+        </p:nvSpPr>
+        <p:spPr>
+          <a:xfrm>
+            <a:off x="457200" y="1600200"/>
+            <a:ext cx="8229240" cy="4800600"/>
+          </a:xfrm>
+          <a:prstGeom prst="rect">
+            <a:avLst/>
+          </a:prstGeom>
+        </p:spPr>
+        <p:txBody>
+          <a:bodyPr/>
+          <a:lstStyle/>
+          <a:p>
+            <a:pPr>
+              <a:buSzPct val="45000"/>
+            </a:pPr>
+            <a:r>
+              <a:rPr lang="en-US" sz="2200" dirty="0" smtClean="0"/>
+              <a:t>Every module has 3 required fields defining its “address</a:t>
+            </a:r>
+            <a:r>
+              <a:rPr lang="en-US" sz="2200" dirty="0" smtClean="0"/>
+              <a:t>”:</a:t>
+            </a:r>
+          </a:p>
+          <a:p>
+            <a:pPr>
+              <a:buSzPct val="45000"/>
+            </a:pPr>
+            <a:endParaRPr lang="en-US" sz="900" dirty="0"/>
+          </a:p>
+          <a:p>
+            <a:pPr marL="285750" indent="-285750">
+              <a:buSzPct val="45000"/>
+              <a:buFont typeface="Arial" panose="020B0604020202020204" pitchFamily="34" charset="0"/>
+              <a:buChar char="•"/>
+            </a:pPr>
+            <a:r>
+              <a:rPr lang="en-US" sz="2200" b="1" dirty="0" err="1" smtClean="0"/>
+              <a:t>groupId</a:t>
+            </a:r>
+            <a:r>
+              <a:rPr lang="en-US" sz="2200" dirty="0" smtClean="0"/>
+              <a:t> – a unique namespace (usually the company name</a:t>
+            </a:r>
+            <a:r>
+              <a:rPr lang="en-US" sz="2200" dirty="0" smtClean="0"/>
+              <a:t>)</a:t>
+            </a:r>
+          </a:p>
+          <a:p>
+            <a:pPr>
+              <a:buSzPct val="45000"/>
+            </a:pPr>
+            <a:endParaRPr lang="en-US" sz="900" dirty="0"/>
+          </a:p>
+          <a:p>
+            <a:pPr marL="285750" indent="-285750">
+              <a:buSzPct val="45000"/>
+              <a:buFont typeface="Arial" panose="020B0604020202020204" pitchFamily="34" charset="0"/>
+              <a:buChar char="•"/>
+            </a:pPr>
+            <a:r>
+              <a:rPr lang="en-US" sz="2200" b="1" dirty="0" err="1" smtClean="0"/>
+              <a:t>artifactId</a:t>
+            </a:r>
+            <a:r>
+              <a:rPr lang="en-US" sz="2200" dirty="0" smtClean="0"/>
+              <a:t> – the artifact’s name (matches the jar name</a:t>
+            </a:r>
+            <a:r>
+              <a:rPr lang="en-US" sz="2200" dirty="0" smtClean="0"/>
+              <a:t>)</a:t>
+            </a:r>
+          </a:p>
+          <a:p>
+            <a:pPr>
+              <a:buSzPct val="45000"/>
+            </a:pPr>
+            <a:endParaRPr lang="en-US" sz="900" dirty="0" smtClean="0"/>
+          </a:p>
+          <a:p>
+            <a:pPr marL="285750" indent="-285750">
+              <a:buSzPct val="45000"/>
+              <a:buFont typeface="Arial" panose="020B0604020202020204" pitchFamily="34" charset="0"/>
+              <a:buChar char="•"/>
+            </a:pPr>
+            <a:r>
+              <a:rPr lang="en-US" sz="2200" b="1" dirty="0" smtClean="0"/>
+              <a:t>version</a:t>
+            </a:r>
+            <a:r>
+              <a:rPr lang="en-US" sz="2200" dirty="0" smtClean="0"/>
+              <a:t> – the artifact’s version</a:t>
+            </a:r>
+          </a:p>
+          <a:p>
+            <a:pPr>
+              <a:buSzPct val="45000"/>
+            </a:pPr>
+            <a:endParaRPr lang="en-US" sz="2200" dirty="0"/>
+          </a:p>
+          <a:p>
+            <a:pPr>
+              <a:buSzPct val="45000"/>
+            </a:pPr>
+            <a:r>
+              <a:rPr lang="en-US" sz="2200" dirty="0" smtClean="0"/>
+              <a:t>Example:</a:t>
+            </a:r>
+          </a:p>
+          <a:p>
+            <a:pPr>
+              <a:buSzPct val="45000"/>
+            </a:pPr>
+            <a:endParaRPr lang="en-US" sz="2200" dirty="0"/>
+          </a:p>
+          <a:p>
+            <a:pPr>
+              <a:buSzPct val="45000"/>
+            </a:pPr>
+            <a:r>
+              <a:rPr lang="en-US" sz="2200" dirty="0" smtClean="0">
+                <a:cs typeface="Calibri" panose="020F0502020204030204" pitchFamily="34" charset="0"/>
+              </a:rPr>
+              <a:t>&lt;</a:t>
+            </a:r>
+            <a:r>
+              <a:rPr lang="en-US" sz="2200" dirty="0" err="1" smtClean="0">
+                <a:cs typeface="Calibri" panose="020F0502020204030204" pitchFamily="34" charset="0"/>
+              </a:rPr>
+              <a:t>groupId</a:t>
+            </a:r>
+            <a:r>
+              <a:rPr lang="en-US" sz="2200" dirty="0" smtClean="0">
+                <a:cs typeface="Calibri" panose="020F0502020204030204" pitchFamily="34" charset="0"/>
+              </a:rPr>
+              <a:t>&gt;</a:t>
+            </a:r>
+            <a:r>
+              <a:rPr lang="en-US" sz="2200" dirty="0" err="1" smtClean="0">
+                <a:cs typeface="Calibri" panose="020F0502020204030204" pitchFamily="34" charset="0"/>
+              </a:rPr>
+              <a:t>org.gradleintro</a:t>
+            </a:r>
+            <a:r>
+              <a:rPr lang="en-US" sz="2200" dirty="0" smtClean="0">
+                <a:cs typeface="Calibri" panose="020F0502020204030204" pitchFamily="34" charset="0"/>
+              </a:rPr>
+              <a:t>&lt;/</a:t>
+            </a:r>
+            <a:r>
+              <a:rPr lang="en-US" sz="2200" dirty="0" err="1">
+                <a:cs typeface="Calibri" panose="020F0502020204030204" pitchFamily="34" charset="0"/>
+              </a:rPr>
+              <a:t>groupId</a:t>
+            </a:r>
+            <a:r>
+              <a:rPr lang="en-US" sz="2200" dirty="0">
+                <a:cs typeface="Calibri" panose="020F0502020204030204" pitchFamily="34" charset="0"/>
+              </a:rPr>
+              <a:t>&gt; </a:t>
+            </a:r>
+            <a:r>
+              <a:rPr lang="en-US" sz="2200" dirty="0" smtClean="0">
+                <a:cs typeface="Calibri" panose="020F0502020204030204" pitchFamily="34" charset="0"/>
+              </a:rPr>
+              <a:t> </a:t>
+            </a:r>
+          </a:p>
+          <a:p>
+            <a:pPr>
+              <a:buSzPct val="45000"/>
+            </a:pPr>
+            <a:r>
+              <a:rPr lang="en-US" sz="2200" dirty="0" smtClean="0">
+                <a:cs typeface="Calibri" panose="020F0502020204030204" pitchFamily="34" charset="0"/>
+              </a:rPr>
+              <a:t>&lt;</a:t>
+            </a:r>
+            <a:r>
+              <a:rPr lang="en-US" sz="2200" dirty="0" err="1" smtClean="0">
+                <a:cs typeface="Calibri" panose="020F0502020204030204" pitchFamily="34" charset="0"/>
+              </a:rPr>
+              <a:t>artifactId</a:t>
+            </a:r>
+            <a:r>
+              <a:rPr lang="en-US" sz="2200" dirty="0" smtClean="0">
+                <a:cs typeface="Calibri" panose="020F0502020204030204" pitchFamily="34" charset="0"/>
+              </a:rPr>
+              <a:t>&gt;server&lt;/</a:t>
+            </a:r>
+            <a:r>
+              <a:rPr lang="en-US" sz="2200" dirty="0" err="1">
+                <a:cs typeface="Calibri" panose="020F0502020204030204" pitchFamily="34" charset="0"/>
+              </a:rPr>
+              <a:t>artifactId</a:t>
+            </a:r>
+            <a:r>
+              <a:rPr lang="en-US" sz="2200" dirty="0">
+                <a:cs typeface="Calibri" panose="020F0502020204030204" pitchFamily="34" charset="0"/>
+              </a:rPr>
+              <a:t>&gt; </a:t>
+            </a:r>
+            <a:endParaRPr lang="en-US" sz="2200" dirty="0" smtClean="0">
+              <a:cs typeface="Calibri" panose="020F0502020204030204" pitchFamily="34" charset="0"/>
+            </a:endParaRPr>
+          </a:p>
+          <a:p>
+            <a:pPr>
+              <a:buSzPct val="45000"/>
+            </a:pPr>
+            <a:r>
+              <a:rPr lang="en-US" sz="2200" dirty="0" smtClean="0">
+                <a:cs typeface="Calibri" panose="020F0502020204030204" pitchFamily="34" charset="0"/>
+              </a:rPr>
+              <a:t>&lt;version&gt;1.0-SNAPSHOT&lt;/</a:t>
+            </a:r>
+            <a:r>
+              <a:rPr lang="en-US" sz="2200" dirty="0">
+                <a:cs typeface="Calibri" panose="020F0502020204030204" pitchFamily="34" charset="0"/>
+              </a:rPr>
+              <a:t>version</a:t>
+            </a:r>
+            <a:r>
+              <a:rPr lang="en-US" sz="2200" dirty="0" smtClean="0">
+                <a:cs typeface="Calibri" panose="020F0502020204030204" pitchFamily="34" charset="0"/>
+              </a:rPr>
+              <a:t>&gt;</a:t>
+            </a:r>
+          </a:p>
+          <a:p>
+            <a:pPr>
+              <a:buSzPct val="45000"/>
+            </a:pPr>
+            <a:endParaRPr sz="2200" dirty="0">
+              <a:latin typeface="Calibri" panose="020F0502020204030204" pitchFamily="34" charset="0"/>
+              <a:cs typeface="Calibri" panose="020F0502020204030204" pitchFamily="34" charset="0"/>
+            </a:endParaRPr>
+          </a:p>
+        </p:txBody>
+      </p:sp>
+      <p:sp>
+        <p:nvSpPr>
+          <p:cNvPr id="5" name="חץ ימינה 4"/>
+          <p:cNvSpPr/>
+          <p:nvPr/>
+        </p:nvSpPr>
+        <p:spPr>
+          <a:xfrm>
+            <a:off x="4876799" y="4785805"/>
+            <a:ext cx="685800" cy="304800"/>
+          </a:xfrm>
+          <a:prstGeom prst="rightArrow">
+            <a:avLst/>
+          </a:prstGeom>
+        </p:spPr>
+        <p:style>
+          <a:lnRef idx="2">
+            <a:schemeClr val="accent1">
+              <a:shade val="50000"/>
+            </a:schemeClr>
+          </a:lnRef>
+          <a:fillRef idx="1">
+            <a:schemeClr val="accent1"/>
+          </a:fillRef>
+          <a:effectRef idx="0">
+            <a:schemeClr val="accent1"/>
+          </a:effectRef>
+          <a:fontRef idx="minor">
+            <a:schemeClr val="lt1"/>
+          </a:fontRef>
+        </p:style>
+        <p:txBody>
+          <a:bodyPr rtlCol="1" anchor="ctr"/>
+          <a:lstStyle/>
+          <a:p>
+            <a:pPr algn="ctr"/>
+            <a:endParaRPr lang="he-IL"/>
+          </a:p>
+        </p:txBody>
+      </p:sp>
+      <p:pic>
+        <p:nvPicPr>
+          <p:cNvPr id="1027" name="Picture 3"/>
+          <p:cNvPicPr>
+            <a:picLocks noChangeAspect="1" noChangeArrowheads="1"/>
+          </p:cNvPicPr>
+          <p:nvPr/>
+        </p:nvPicPr>
+        <p:blipFill>
+          <a:blip r:embed="rId2">
+            <a:extLst>
+              <a:ext uri="{28A0092B-C50C-407E-A947-70E740481C1C}">
+                <a14:useLocalDpi xmlns:a14="http://schemas.microsoft.com/office/drawing/2010/main" val="0"/>
+              </a:ext>
+            </a:extLst>
+          </a:blip>
+          <a:srcRect/>
+          <a:stretch>
+            <a:fillRect/>
+          </a:stretch>
+        </p:blipFill>
+        <p:spPr bwMode="auto">
+          <a:xfrm>
+            <a:off x="5715000" y="3852862"/>
+            <a:ext cx="3250162" cy="2014538"/>
+          </a:xfrm>
+          <a:prstGeom prst="rect">
+            <a:avLst/>
+          </a:prstGeom>
+          <a:noFill/>
+          <a:ln>
+            <a:noFill/>
+          </a:ln>
+          <a:extLst>
+            <a:ext uri="{909E8E84-426E-40DD-AFC4-6F175D3DCCD1}">
+              <a14:hiddenFill xmlns:a14="http://schemas.microsoft.com/office/drawing/2010/main">
+                <a:solidFill>
+                  <a:schemeClr val="accent1"/>
+                </a:solidFill>
+              </a14:hiddenFill>
+            </a:ext>
+            <a:ext uri="{91240B29-F687-4F45-9708-019B960494DF}">
+              <a14:hiddenLine xmlns:a14="http://schemas.microsoft.com/office/drawing/2010/main" w="9525">
+                <a:solidFill>
+                  <a:schemeClr val="tx1"/>
+                </a:solidFill>
+                <a:miter lim="800000"/>
+                <a:headEnd/>
+                <a:tailEnd/>
+              </a14:hiddenLine>
+            </a:ext>
+          </a:extLst>
+        </p:spPr>
+      </p:pic>
+    </p:spTree>
+    <p:extLst>
+      <p:ext uri="{BB962C8B-B14F-4D97-AF65-F5344CB8AC3E}">
+        <p14:creationId xmlns:p14="http://schemas.microsoft.com/office/powerpoint/2010/main" val="1479545453"/>
+      </p:ext>
+    </p:extLst>
+  </p:cSld>
+  <p:clrMapOvr>
+    <a:masterClrMapping/>
+  </p:clrMapOvr>
+  <p:timing>
+    <p:tnLst>
+      <p:par>
+        <p:cTn id="1" dur="indefinite" restart="never" nodeType="tmRoot">
+          <p:childTnLst>
+            <p:seq>
+              <p:cTn id="2" nodeType="mainSeq"/>
+              <p:prevCondLst>
+                <p:cond evt="onPrev" delay="0">
+                  <p:tgtEl>
+                    <p:sldTgt/>
+                  </p:tgtEl>
+                </p:cond>
+              </p:prevCondLst>
+              <p:nextCondLst>
+                <p:cond evt="onNext" delay="0">
+                  <p:tgtEl>
+                    <p:sldTgt/>
+                  </p:tgtEl>
+                </p:cond>
+              </p:nextCondLst>
+            </p:seq>
+          </p:childTnLst>
+        </p:cTn>
+      </p:par>
+    </p:tnLst>
+  </p:timing>
+</p:sld>
+</file>
+
+<file path=ppt/slides/slide16.xml><?xml version="1.0" encoding="utf-8"?>
+<p:sld xmlns:a="http://schemas.openxmlformats.org/drawingml/2006/main" xmlns:r="http://schemas.openxmlformats.org/officeDocument/2006/relationships" xmlns:p="http://schemas.openxmlformats.org/presentationml/2006/main">
+  <p:cSld>
+    <p:spTree>
+      <p:nvGrpSpPr>
+        <p:cNvPr id="1" name=""/>
+        <p:cNvGrpSpPr/>
+        <p:nvPr/>
+      </p:nvGrpSpPr>
+      <p:grpSpPr>
+        <a:xfrm>
+          <a:off x="0" y="0"/>
+          <a:ext cx="0" cy="0"/>
+          <a:chOff x="0" y="0"/>
+          <a:chExt cx="0" cy="0"/>
+        </a:xfrm>
+      </p:grpSpPr>
+      <p:sp>
+        <p:nvSpPr>
+          <p:cNvPr id="97" name="TextShape 1"/>
+          <p:cNvSpPr txBox="1"/>
+          <p:nvPr/>
+        </p:nvSpPr>
+        <p:spPr>
+          <a:xfrm>
+            <a:off x="457200" y="274680"/>
+            <a:ext cx="8229240" cy="1142640"/>
+          </a:xfrm>
+          <a:prstGeom prst="rect">
+            <a:avLst/>
+          </a:prstGeom>
+        </p:spPr>
+        <p:txBody>
+          <a:bodyPr anchor="ctr"/>
+          <a:lstStyle/>
+          <a:p>
+            <a:r>
+              <a:rPr lang="en-US" sz="3600" dirty="0">
+                <a:latin typeface="+mj-lt"/>
+              </a:rPr>
+              <a:t>Maven </a:t>
+            </a:r>
+            <a:r>
+              <a:rPr lang="en-US" sz="3600" dirty="0" smtClean="0">
+                <a:latin typeface="+mj-lt"/>
+              </a:rPr>
+              <a:t>– build lifecycles</a:t>
+            </a:r>
+            <a:endParaRPr dirty="0">
+              <a:latin typeface="+mj-lt"/>
+            </a:endParaRPr>
+          </a:p>
+        </p:txBody>
+      </p:sp>
+      <p:pic>
+        <p:nvPicPr>
+          <p:cNvPr id="3" name="תמונה 2"/>
+          <p:cNvPicPr>
+            <a:picLocks noChangeAspect="1"/>
+          </p:cNvPicPr>
+          <p:nvPr/>
+        </p:nvPicPr>
+        <p:blipFill>
+          <a:blip r:embed="rId3">
+            <a:extLst>
+              <a:ext uri="{28A0092B-C50C-407E-A947-70E740481C1C}">
+                <a14:useLocalDpi xmlns:a14="http://schemas.microsoft.com/office/drawing/2010/main" val="0"/>
+              </a:ext>
+            </a:extLst>
+          </a:blip>
+          <a:stretch>
+            <a:fillRect/>
+          </a:stretch>
+        </p:blipFill>
+        <p:spPr>
+          <a:xfrm>
+            <a:off x="1066620" y="1439091"/>
+            <a:ext cx="7010400" cy="5190783"/>
+          </a:xfrm>
+          <a:prstGeom prst="rect">
+            <a:avLst/>
+          </a:prstGeom>
+        </p:spPr>
+      </p:pic>
+    </p:spTree>
+    <p:extLst>
+      <p:ext uri="{BB962C8B-B14F-4D97-AF65-F5344CB8AC3E}">
+        <p14:creationId xmlns:p14="http://schemas.microsoft.com/office/powerpoint/2010/main" val="606275728"/>
+      </p:ext>
+    </p:extLst>
+  </p:cSld>
+  <p:clrMapOvr>
+    <a:masterClrMapping/>
+  </p:clrMapOvr>
+  <p:timing>
+    <p:tnLst>
+      <p:par>
+        <p:cTn id="1" dur="indefinite" restart="never" nodeType="tmRoot">
+          <p:childTnLst>
+            <p:seq>
+              <p:cTn id="2" nodeType="mainSeq"/>
+              <p:prevCondLst>
+                <p:cond evt="onPrev" delay="0">
+                  <p:tgtEl>
+                    <p:sldTgt/>
+                  </p:tgtEl>
+                </p:cond>
+              </p:prevCondLst>
+              <p:nextCondLst>
+                <p:cond evt="onNext" delay="0">
+                  <p:tgtEl>
+                    <p:sldTgt/>
+                  </p:tgtEl>
+                </p:cond>
+              </p:nextCondLst>
+            </p:seq>
+          </p:childTnLst>
+        </p:cTn>
+      </p:par>
+    </p:tnLst>
+  </p:timing>
+</p:sld>
+</file>
+
+<file path=ppt/slides/slide17.xml><?xml version="1.0" encoding="utf-8"?>
+<p:sld xmlns:a="http://schemas.openxmlformats.org/drawingml/2006/main" xmlns:r="http://schemas.openxmlformats.org/officeDocument/2006/relationships" xmlns:p="http://schemas.openxmlformats.org/presentationml/2006/main" show="0">
+  <p:cSld>
+    <p:spTree>
+      <p:nvGrpSpPr>
+        <p:cNvPr id="1" name=""/>
+        <p:cNvGrpSpPr/>
+        <p:nvPr/>
+      </p:nvGrpSpPr>
+      <p:grpSpPr>
+        <a:xfrm>
+          <a:off x="0" y="0"/>
+          <a:ext cx="0" cy="0"/>
+          <a:chOff x="0" y="0"/>
+          <a:chExt cx="0" cy="0"/>
+        </a:xfrm>
+      </p:grpSpPr>
+      <p:sp>
+        <p:nvSpPr>
+          <p:cNvPr id="97" name="TextShape 1"/>
+          <p:cNvSpPr txBox="1"/>
+          <p:nvPr/>
+        </p:nvSpPr>
+        <p:spPr>
+          <a:xfrm>
+            <a:off x="457200" y="274680"/>
+            <a:ext cx="8229240" cy="1142640"/>
+          </a:xfrm>
+          <a:prstGeom prst="rect">
+            <a:avLst/>
+          </a:prstGeom>
+        </p:spPr>
+        <p:txBody>
+          <a:bodyPr anchor="ctr"/>
+          <a:lstStyle/>
+          <a:p>
+            <a:r>
+              <a:rPr lang="en-US" sz="3600" dirty="0">
+                <a:latin typeface="Calibri"/>
+              </a:rPr>
+              <a:t>Maven </a:t>
+            </a:r>
+            <a:r>
+              <a:rPr lang="en-US" sz="3600" dirty="0" smtClean="0">
+                <a:latin typeface="Calibri"/>
+              </a:rPr>
+              <a:t>– build lifecycles</a:t>
+            </a:r>
+            <a:endParaRPr dirty="0"/>
+          </a:p>
+        </p:txBody>
+      </p:sp>
+      <p:pic>
+        <p:nvPicPr>
+          <p:cNvPr id="2" name="תמונה 1"/>
+          <p:cNvPicPr>
+            <a:picLocks noChangeAspect="1"/>
+          </p:cNvPicPr>
+          <p:nvPr/>
+        </p:nvPicPr>
+        <p:blipFill>
+          <a:blip r:embed="rId3">
+            <a:extLst>
+              <a:ext uri="{28A0092B-C50C-407E-A947-70E740481C1C}">
+                <a14:useLocalDpi xmlns:a14="http://schemas.microsoft.com/office/drawing/2010/main" val="0"/>
+              </a:ext>
+            </a:extLst>
+          </a:blip>
+          <a:stretch>
+            <a:fillRect/>
+          </a:stretch>
+        </p:blipFill>
+        <p:spPr>
+          <a:xfrm>
+            <a:off x="1219200" y="1435703"/>
+            <a:ext cx="6705600" cy="4965097"/>
+          </a:xfrm>
+          <a:prstGeom prst="rect">
+            <a:avLst/>
+          </a:prstGeom>
+        </p:spPr>
+      </p:pic>
+    </p:spTree>
+    <p:extLst>
+      <p:ext uri="{BB962C8B-B14F-4D97-AF65-F5344CB8AC3E}">
+        <p14:creationId xmlns:p14="http://schemas.microsoft.com/office/powerpoint/2010/main" val="1969329154"/>
+      </p:ext>
+    </p:extLst>
+  </p:cSld>
+  <p:clrMapOvr>
+    <a:masterClrMapping/>
+  </p:clrMapOvr>
+  <mc:AlternateContent xmlns:mc="http://schemas.openxmlformats.org/markup-compatibility/2006">
+    <mc:Choice xmlns:p14="http://schemas.microsoft.com/office/powerpoint/2010/main" Requires="p14">
+      <p:transition spd="slow" p14:dur="2000"/>
+    </mc:Choice>
+    <mc:Fallback>
+      <p:transition spd="slow"/>
+    </mc:Fallback>
+  </mc:AlternateContent>
+  <p:timing>
+    <p:tnLst>
+      <p:par>
+        <p:cTn id="1" dur="indefinite" restart="never" nodeType="tmRoot">
+          <p:childTnLst>
+            <p:seq>
+              <p:cTn id="2" nodeType="mainSeq"/>
+              <p:prevCondLst>
+                <p:cond evt="onPrev" delay="0">
+                  <p:tgtEl>
+                    <p:sldTgt/>
+                  </p:tgtEl>
+                </p:cond>
+              </p:prevCondLst>
+              <p:nextCondLst>
+                <p:cond evt="onNext" delay="0">
+                  <p:tgtEl>
+                    <p:sldTgt/>
+                  </p:tgtEl>
+                </p:cond>
+              </p:nextCondLst>
+            </p:seq>
+          </p:childTnLst>
+        </p:cTn>
+      </p:par>
+    </p:tnLst>
+  </p:timing>
+</p:sld>
+</file>
+
+<file path=ppt/slides/slide18.xml><?xml version="1.0" encoding="utf-8"?>
+<p:sld xmlns:a="http://schemas.openxmlformats.org/drawingml/2006/main" xmlns:r="http://schemas.openxmlformats.org/officeDocument/2006/relationships" xmlns:p="http://schemas.openxmlformats.org/presentationml/2006/main">
+  <p:cSld>
+    <p:spTree>
+      <p:nvGrpSpPr>
+        <p:cNvPr id="1" name=""/>
+        <p:cNvGrpSpPr/>
+        <p:nvPr/>
+      </p:nvGrpSpPr>
+      <p:grpSpPr>
+        <a:xfrm>
+          <a:off x="0" y="0"/>
+          <a:ext cx="0" cy="0"/>
+          <a:chOff x="0" y="0"/>
+          <a:chExt cx="0" cy="0"/>
+        </a:xfrm>
+      </p:grpSpPr>
+      <p:sp>
+        <p:nvSpPr>
           <p:cNvPr id="99" name="TextShape 1"/>
           <p:cNvSpPr txBox="1"/>
           <p:nvPr/>
@@ -4901,11 +6487,13 @@
           <a:p>
             <a:r>
               <a:rPr lang="en-US" sz="3600" dirty="0">
-                <a:latin typeface="Calibri"/>
+                <a:latin typeface="+mj-lt"/>
               </a:rPr>
               <a:t>Maven – POM example</a:t>
             </a:r>
-            <a:endParaRPr dirty="0"/>
+            <a:endParaRPr dirty="0">
+              <a:latin typeface="+mj-lt"/>
+            </a:endParaRPr>
           </a:p>
         </p:txBody>
       </p:sp>
@@ -5222,7 +6810,7 @@
         </p:nvSpPr>
         <p:spPr>
           <a:xfrm>
-            <a:off x="6703583" y="1678632"/>
+            <a:off x="6701167" y="1678632"/>
             <a:ext cx="154418" cy="1295400"/>
           </a:xfrm>
           <a:prstGeom prst="rightBrace">
@@ -5415,8 +7003,8 @@
         </p:nvCxnSpPr>
         <p:spPr>
           <a:xfrm>
-            <a:off x="6858001" y="2326332"/>
-            <a:ext cx="383425" cy="0"/>
+            <a:off x="6855585" y="2326332"/>
+            <a:ext cx="385841" cy="0"/>
           </a:xfrm>
           <a:prstGeom prst="straightConnector1">
             <a:avLst/>
@@ -6259,8 +7847,8 @@
 </p:sld>
 </file>
 
-<file path=ppt/slides/slide14.xml><?xml version="1.0" encoding="utf-8"?>
-<p:sld xmlns:a="http://schemas.openxmlformats.org/drawingml/2006/main" xmlns:r="http://schemas.openxmlformats.org/officeDocument/2006/relationships" xmlns:p="http://schemas.openxmlformats.org/presentationml/2006/main">
+<file path=ppt/slides/slide19.xml><?xml version="1.0" encoding="utf-8"?>
+<p:sld xmlns:a="http://schemas.openxmlformats.org/drawingml/2006/main" xmlns:r="http://schemas.openxmlformats.org/officeDocument/2006/relationships" xmlns:p="http://schemas.openxmlformats.org/presentationml/2006/main" show="0">
   <p:cSld>
     <p:spTree>
       <p:nvGrpSpPr>
@@ -6341,15 +7929,7 @@
             </a:pPr>
             <a:r>
               <a:rPr lang="en-US" sz="2800" dirty="0" smtClean="0"/>
-              <a:t>Create </a:t>
-            </a:r>
-            <a:r>
-              <a:rPr lang="en-US" sz="2800" dirty="0" smtClean="0"/>
-              <a:t>a distribution </a:t>
-            </a:r>
-            <a:r>
-              <a:rPr lang="en-US" sz="2800" dirty="0" smtClean="0"/>
-              <a:t>file (jar)</a:t>
+              <a:t>Create a distribution file (jar)</a:t>
             </a:r>
           </a:p>
         </p:txBody>
@@ -6545,1428 +8125,14 @@
   <p:clrMapOvr>
     <a:masterClrMapping/>
   </p:clrMapOvr>
-  <p:timing>
-    <p:tnLst>
-      <p:par>
-        <p:cTn id="1" dur="indefinite" restart="never" nodeType="tmRoot"/>
-      </p:par>
-    </p:tnLst>
-  </p:timing>
-</p:sld>
-</file>
-
-<file path=ppt/slides/slide15.xml><?xml version="1.0" encoding="utf-8"?>
-<p:sld xmlns:a="http://schemas.openxmlformats.org/drawingml/2006/main" xmlns:r="http://schemas.openxmlformats.org/officeDocument/2006/relationships" xmlns:p="http://schemas.openxmlformats.org/presentationml/2006/main">
-  <p:cSld>
-    <p:spTree>
-      <p:nvGrpSpPr>
-        <p:cNvPr id="1" name=""/>
-        <p:cNvGrpSpPr/>
-        <p:nvPr/>
-      </p:nvGrpSpPr>
-      <p:grpSpPr>
-        <a:xfrm>
-          <a:off x="0" y="0"/>
-          <a:ext cx="0" cy="0"/>
-          <a:chOff x="0" y="0"/>
-          <a:chExt cx="0" cy="0"/>
-        </a:xfrm>
-      </p:grpSpPr>
-      <p:sp>
-        <p:nvSpPr>
-          <p:cNvPr id="4" name="Subtitle 3"/>
-          <p:cNvSpPr>
-            <a:spLocks noGrp="1"/>
-          </p:cNvSpPr>
-          <p:nvPr>
-            <p:ph type="subTitle"/>
-          </p:nvPr>
-        </p:nvSpPr>
-        <p:spPr/>
-        <p:txBody>
-          <a:bodyPr/>
-          <a:lstStyle/>
-          <a:p>
-            <a:pPr algn="l"/>
-            <a:r>
-              <a:rPr lang="en-US" sz="9600" dirty="0" smtClean="0">
-                <a:latin typeface="Calibri" panose="020F0502020204030204" pitchFamily="34" charset="0"/>
-                <a:cs typeface="Calibri" panose="020F0502020204030204" pitchFamily="34" charset="0"/>
-              </a:rPr>
-              <a:t>		Why </a:t>
-            </a:r>
-          </a:p>
-          <a:p>
-            <a:pPr algn="ctr"/>
-            <a:r>
-              <a:rPr lang="en-US" sz="9600" dirty="0">
-                <a:latin typeface="Calibri" panose="020F0502020204030204" pitchFamily="34" charset="0"/>
-                <a:cs typeface="Calibri" panose="020F0502020204030204" pitchFamily="34" charset="0"/>
-              </a:rPr>
-              <a:t>	</a:t>
-            </a:r>
-            <a:r>
-              <a:rPr lang="en-US" sz="9600" dirty="0" smtClean="0">
-                <a:latin typeface="Calibri" panose="020F0502020204030204" pitchFamily="34" charset="0"/>
-                <a:cs typeface="Calibri" panose="020F0502020204030204" pitchFamily="34" charset="0"/>
-              </a:rPr>
-              <a:t>	Gradle?</a:t>
-            </a:r>
-            <a:endParaRPr lang="en-US" sz="9600" dirty="0">
-              <a:latin typeface="Calibri" panose="020F0502020204030204" pitchFamily="34" charset="0"/>
-              <a:cs typeface="Calibri" panose="020F0502020204030204" pitchFamily="34" charset="0"/>
-            </a:endParaRPr>
-          </a:p>
-        </p:txBody>
-      </p:sp>
-    </p:spTree>
-    <p:extLst>
-      <p:ext uri="{BB962C8B-B14F-4D97-AF65-F5344CB8AC3E}">
-        <p14:creationId xmlns:p14="http://schemas.microsoft.com/office/powerpoint/2010/main" val="1492429301"/>
-      </p:ext>
-    </p:extLst>
-  </p:cSld>
-  <p:clrMapOvr>
-    <a:masterClrMapping/>
-  </p:clrMapOvr>
-  <p:timing>
-    <p:tnLst>
-      <p:par>
-        <p:cTn id="1" dur="indefinite" restart="never" nodeType="tmRoot"/>
-      </p:par>
-    </p:tnLst>
-  </p:timing>
-</p:sld>
-</file>
-
-<file path=ppt/slides/slide16.xml><?xml version="1.0" encoding="utf-8"?>
-<p:sld xmlns:a="http://schemas.openxmlformats.org/drawingml/2006/main" xmlns:r="http://schemas.openxmlformats.org/officeDocument/2006/relationships" xmlns:p="http://schemas.openxmlformats.org/presentationml/2006/main">
-  <p:cSld>
-    <p:spTree>
-      <p:nvGrpSpPr>
-        <p:cNvPr id="1" name=""/>
-        <p:cNvGrpSpPr/>
-        <p:nvPr/>
-      </p:nvGrpSpPr>
-      <p:grpSpPr>
-        <a:xfrm>
-          <a:off x="0" y="0"/>
-          <a:ext cx="0" cy="0"/>
-          <a:chOff x="0" y="0"/>
-          <a:chExt cx="0" cy="0"/>
-        </a:xfrm>
-      </p:grpSpPr>
-      <p:sp>
-        <p:nvSpPr>
-          <p:cNvPr id="108" name="TextShape 1"/>
-          <p:cNvSpPr txBox="1"/>
-          <p:nvPr/>
-        </p:nvSpPr>
-        <p:spPr>
-          <a:xfrm>
-            <a:off x="457200" y="274680"/>
-            <a:ext cx="8229240" cy="1142640"/>
-          </a:xfrm>
-          <a:prstGeom prst="rect">
-            <a:avLst/>
-          </a:prstGeom>
-        </p:spPr>
-        <p:txBody>
-          <a:bodyPr anchor="ctr"/>
-          <a:lstStyle/>
-          <a:p>
-            <a:r>
-              <a:rPr lang="en-US" sz="3600" dirty="0" smtClean="0">
-                <a:latin typeface="Calibri"/>
-              </a:rPr>
-              <a:t>Gradle - Personal story</a:t>
-            </a:r>
-            <a:endParaRPr dirty="0"/>
-          </a:p>
-        </p:txBody>
-      </p:sp>
-      <p:sp>
-        <p:nvSpPr>
-          <p:cNvPr id="109" name="TextShape 2"/>
-          <p:cNvSpPr txBox="1"/>
-          <p:nvPr/>
-        </p:nvSpPr>
-        <p:spPr>
-          <a:xfrm>
-            <a:off x="381000" y="1600200"/>
-            <a:ext cx="8991600" cy="4525560"/>
-          </a:xfrm>
-          <a:prstGeom prst="rect">
-            <a:avLst/>
-          </a:prstGeom>
-        </p:spPr>
-        <p:txBody>
-          <a:bodyPr/>
-          <a:lstStyle/>
-          <a:p>
-            <a:pPr marL="285750" indent="-285750">
-              <a:buSzPct val="45000"/>
-              <a:buFont typeface="Arial" panose="020B0604020202020204" pitchFamily="34" charset="0"/>
-              <a:buChar char="•"/>
-            </a:pPr>
-            <a:r>
-              <a:rPr lang="en-US" sz="2000" dirty="0" smtClean="0">
-                <a:latin typeface="Calibri"/>
-              </a:rPr>
-              <a:t>Worked on a multi-module Maven project containing more than 200 modules</a:t>
-            </a:r>
-          </a:p>
-          <a:p>
-            <a:pPr>
-              <a:buSzPct val="45000"/>
-            </a:pPr>
-            <a:endParaRPr lang="en-US" sz="2000" dirty="0" smtClean="0">
-              <a:latin typeface="Calibri"/>
-            </a:endParaRPr>
-          </a:p>
-          <a:p>
-            <a:pPr marL="285750" indent="-285750">
-              <a:buSzPct val="45000"/>
-              <a:buFont typeface="Arial" panose="020B0604020202020204" pitchFamily="34" charset="0"/>
-              <a:buChar char="•"/>
-            </a:pPr>
-            <a:r>
-              <a:rPr lang="en-US" sz="2000" dirty="0" smtClean="0">
-                <a:latin typeface="Calibri"/>
-              </a:rPr>
-              <a:t>Maven build times:</a:t>
-            </a:r>
-          </a:p>
-          <a:p>
-            <a:pPr marL="742950" lvl="1" indent="-285750">
-              <a:buSzPct val="45000"/>
-              <a:buFont typeface="Wingdings" panose="05000000000000000000" pitchFamily="2" charset="2"/>
-              <a:buChar char="§"/>
-            </a:pPr>
-            <a:r>
-              <a:rPr lang="en-US" sz="2000" dirty="0" smtClean="0">
-                <a:latin typeface="Calibri"/>
-              </a:rPr>
-              <a:t>Full build without tests – </a:t>
-            </a:r>
-            <a:r>
-              <a:rPr lang="en-US" sz="3200" b="1" dirty="0" smtClean="0">
-                <a:solidFill>
-                  <a:srgbClr val="FF0000"/>
-                </a:solidFill>
-                <a:latin typeface="Calibri"/>
-              </a:rPr>
-              <a:t>40</a:t>
-            </a:r>
-            <a:r>
-              <a:rPr lang="en-US" sz="3200" b="1" dirty="0" smtClean="0">
-                <a:latin typeface="Calibri"/>
-              </a:rPr>
-              <a:t> </a:t>
-            </a:r>
-            <a:r>
-              <a:rPr lang="en-US" sz="3200" b="1" dirty="0" smtClean="0">
-                <a:solidFill>
-                  <a:srgbClr val="FF0000"/>
-                </a:solidFill>
-                <a:latin typeface="Calibri"/>
-              </a:rPr>
-              <a:t>minutes</a:t>
-            </a:r>
-          </a:p>
-          <a:p>
-            <a:pPr marL="742950" lvl="1" indent="-285750">
-              <a:buSzPct val="45000"/>
-              <a:buFont typeface="Wingdings" panose="05000000000000000000" pitchFamily="2" charset="2"/>
-              <a:buChar char="§"/>
-            </a:pPr>
-            <a:r>
-              <a:rPr lang="en-US" sz="2000" dirty="0" smtClean="0">
-                <a:latin typeface="Calibri"/>
-              </a:rPr>
-              <a:t>Full build with unit tests – </a:t>
-            </a:r>
-            <a:r>
-              <a:rPr lang="en-US" sz="3200" b="1" dirty="0" smtClean="0">
-                <a:solidFill>
-                  <a:srgbClr val="FF0000"/>
-                </a:solidFill>
-                <a:latin typeface="Calibri"/>
-              </a:rPr>
-              <a:t>50 minutes</a:t>
-            </a:r>
-            <a:endParaRPr lang="en-US" sz="2000" b="1" dirty="0" smtClean="0">
-              <a:solidFill>
-                <a:srgbClr val="FF0000"/>
-              </a:solidFill>
-              <a:latin typeface="Calibri"/>
-            </a:endParaRPr>
-          </a:p>
-          <a:p>
-            <a:pPr marL="742950" lvl="1" indent="-285750">
-              <a:buSzPct val="45000"/>
-              <a:buFont typeface="Wingdings" panose="05000000000000000000" pitchFamily="2" charset="2"/>
-              <a:buChar char="§"/>
-            </a:pPr>
-            <a:r>
-              <a:rPr lang="en-US" sz="2000" dirty="0" smtClean="0">
-                <a:latin typeface="Calibri"/>
-              </a:rPr>
-              <a:t>Full build with full tests suite (unit + integration + </a:t>
-            </a:r>
-            <a:r>
-              <a:rPr lang="en-US" sz="2000" dirty="0" err="1" smtClean="0">
-                <a:latin typeface="Calibri"/>
-              </a:rPr>
-              <a:t>async</a:t>
-            </a:r>
-            <a:r>
-              <a:rPr lang="en-US" sz="2000" dirty="0" smtClean="0">
-                <a:latin typeface="Calibri"/>
-              </a:rPr>
-              <a:t>) – </a:t>
-            </a:r>
-            <a:r>
-              <a:rPr lang="en-US" sz="3300" b="1" dirty="0" smtClean="0">
-                <a:solidFill>
-                  <a:srgbClr val="FF0000"/>
-                </a:solidFill>
-                <a:latin typeface="Calibri"/>
-              </a:rPr>
-              <a:t>1:30 hours</a:t>
-            </a:r>
-          </a:p>
-          <a:p>
-            <a:pPr marL="285750" indent="-285750">
-              <a:buSzPct val="45000"/>
-              <a:buFont typeface="Arial" panose="020B0604020202020204" pitchFamily="34" charset="0"/>
-              <a:buChar char="•"/>
-            </a:pPr>
-            <a:endParaRPr lang="en-US" sz="2000" dirty="0" smtClean="0">
-              <a:latin typeface="Calibri"/>
-            </a:endParaRPr>
-          </a:p>
-          <a:p>
-            <a:pPr marL="285750" indent="-285750">
-              <a:buSzPct val="45000"/>
-              <a:buFont typeface="Arial" panose="020B0604020202020204" pitchFamily="34" charset="0"/>
-              <a:buChar char="•"/>
-            </a:pPr>
-            <a:r>
-              <a:rPr lang="en-US" sz="2000" dirty="0" smtClean="0">
-                <a:latin typeface="Calibri"/>
-              </a:rPr>
-              <a:t>Hybrid Gradle + Maven build time - </a:t>
-            </a:r>
-            <a:r>
-              <a:rPr lang="en-US" sz="3600" b="1" dirty="0" smtClean="0">
-                <a:solidFill>
-                  <a:srgbClr val="00B050"/>
-                </a:solidFill>
-                <a:latin typeface="Calibri"/>
-              </a:rPr>
-              <a:t>12 minutes (on average)</a:t>
-            </a:r>
-            <a:endParaRPr lang="en-US" sz="2400" dirty="0" smtClean="0">
-              <a:solidFill>
-                <a:srgbClr val="00B050"/>
-              </a:solidFill>
-              <a:latin typeface="Calibri"/>
-            </a:endParaRPr>
-          </a:p>
-          <a:p>
-            <a:pPr>
-              <a:buSzPct val="45000"/>
-            </a:pPr>
-            <a:endParaRPr lang="en-US" sz="2000" dirty="0" smtClean="0">
-              <a:latin typeface="Calibri"/>
-            </a:endParaRPr>
-          </a:p>
-          <a:p>
-            <a:pPr marL="285750" indent="-285750">
-              <a:buSzPct val="45000"/>
-              <a:buFont typeface="Arial" panose="020B0604020202020204" pitchFamily="34" charset="0"/>
-              <a:buChar char="•"/>
-            </a:pPr>
-            <a:r>
-              <a:rPr lang="en-US" sz="2000" dirty="0" smtClean="0">
-                <a:latin typeface="Calibri"/>
-              </a:rPr>
-              <a:t>Example code is hosted on </a:t>
-            </a:r>
-            <a:r>
-              <a:rPr lang="en-US" sz="2000" dirty="0" smtClean="0">
-                <a:latin typeface="Calibri"/>
-                <a:hlinkClick r:id="rId2"/>
-              </a:rPr>
-              <a:t>Github</a:t>
-            </a:r>
-            <a:r>
-              <a:rPr lang="en-US" sz="2000" dirty="0" smtClean="0">
-                <a:latin typeface="Calibri"/>
-              </a:rPr>
-              <a:t>.</a:t>
-            </a:r>
-          </a:p>
-        </p:txBody>
-      </p:sp>
-    </p:spTree>
-    <p:extLst>
-      <p:ext uri="{BB962C8B-B14F-4D97-AF65-F5344CB8AC3E}">
-        <p14:creationId xmlns:p14="http://schemas.microsoft.com/office/powerpoint/2010/main" val="3481167008"/>
-      </p:ext>
-    </p:extLst>
-  </p:cSld>
-  <p:clrMapOvr>
-    <a:masterClrMapping/>
-  </p:clrMapOvr>
-  <p:timing>
-    <p:tnLst>
-      <p:par>
-        <p:cTn id="1" dur="indefinite" restart="never" nodeType="tmRoot"/>
-      </p:par>
-    </p:tnLst>
-  </p:timing>
-</p:sld>
-</file>
-
-<file path=ppt/slides/slide17.xml><?xml version="1.0" encoding="utf-8"?>
-<p:sld xmlns:a="http://schemas.openxmlformats.org/drawingml/2006/main" xmlns:r="http://schemas.openxmlformats.org/officeDocument/2006/relationships" xmlns:p="http://schemas.openxmlformats.org/presentationml/2006/main">
-  <p:cSld>
-    <p:bg>
-      <p:bgPr>
-        <a:gradFill>
-          <a:gsLst>
-            <a:gs pos="0">
-              <a:srgbClr val="92D050"/>
-            </a:gs>
-            <a:gs pos="34000">
-              <a:srgbClr val="92D050"/>
-            </a:gs>
-            <a:gs pos="100000">
-              <a:schemeClr val="accent1">
-                <a:tint val="23500"/>
-                <a:satMod val="160000"/>
-              </a:schemeClr>
-            </a:gs>
-          </a:gsLst>
-          <a:lin ang="5400000" scaled="0"/>
-        </a:gradFill>
-        <a:effectLst/>
-      </p:bgPr>
-    </p:bg>
-    <p:spTree>
-      <p:nvGrpSpPr>
-        <p:cNvPr id="1" name=""/>
-        <p:cNvGrpSpPr/>
-        <p:nvPr/>
-      </p:nvGrpSpPr>
-      <p:grpSpPr>
-        <a:xfrm>
-          <a:off x="0" y="0"/>
-          <a:ext cx="0" cy="0"/>
-          <a:chOff x="0" y="0"/>
-          <a:chExt cx="0" cy="0"/>
-        </a:xfrm>
-      </p:grpSpPr>
-      <p:sp>
-        <p:nvSpPr>
-          <p:cNvPr id="105" name="TextShape 1"/>
-          <p:cNvSpPr txBox="1"/>
-          <p:nvPr/>
-        </p:nvSpPr>
-        <p:spPr>
-          <a:xfrm>
-            <a:off x="457200" y="274680"/>
-            <a:ext cx="8229240" cy="1142640"/>
-          </a:xfrm>
-          <a:prstGeom prst="rect">
-            <a:avLst/>
-          </a:prstGeom>
-        </p:spPr>
-        <p:txBody>
-          <a:bodyPr anchor="ctr"/>
-          <a:lstStyle/>
-          <a:p>
-            <a:r>
-              <a:rPr lang="en-US" sz="3600" dirty="0" smtClean="0">
-                <a:latin typeface="Calibri"/>
-              </a:rPr>
-              <a:t>Gradle - Overview</a:t>
-            </a:r>
-            <a:endParaRPr dirty="0"/>
-          </a:p>
-        </p:txBody>
-      </p:sp>
-      <p:sp>
-        <p:nvSpPr>
-          <p:cNvPr id="106" name="TextShape 2"/>
-          <p:cNvSpPr txBox="1"/>
-          <p:nvPr/>
-        </p:nvSpPr>
-        <p:spPr>
-          <a:xfrm>
-            <a:off x="457200" y="1600200"/>
-            <a:ext cx="8229240" cy="4525560"/>
-          </a:xfrm>
-          <a:prstGeom prst="rect">
-            <a:avLst/>
-          </a:prstGeom>
-        </p:spPr>
-        <p:txBody>
-          <a:bodyPr/>
-          <a:lstStyle/>
-          <a:p>
-            <a:pPr marL="457200" indent="-457200">
-              <a:buSzPct val="45000"/>
-              <a:buFont typeface="Arial" panose="020B0604020202020204" pitchFamily="34" charset="0"/>
-              <a:buChar char="•"/>
-            </a:pPr>
-            <a:r>
-              <a:rPr lang="en-US" sz="2400" dirty="0">
-                <a:latin typeface="Calibri"/>
-              </a:rPr>
-              <a:t>First released in 2009</a:t>
-            </a:r>
-            <a:endParaRPr sz="1600" dirty="0"/>
-          </a:p>
-          <a:p>
-            <a:pPr marL="457200" indent="-457200">
-              <a:buSzPct val="45000"/>
-              <a:buFont typeface="Arial" panose="020B0604020202020204" pitchFamily="34" charset="0"/>
-              <a:buChar char="•"/>
-            </a:pPr>
-            <a:r>
-              <a:rPr lang="en-US" sz="2400" dirty="0">
-                <a:latin typeface="Calibri"/>
-              </a:rPr>
-              <a:t>Project automation </a:t>
-            </a:r>
-            <a:r>
-              <a:rPr lang="en-US" sz="2400" dirty="0" smtClean="0">
-                <a:latin typeface="Calibri"/>
-              </a:rPr>
-              <a:t>tool</a:t>
-            </a:r>
-          </a:p>
-          <a:p>
-            <a:pPr marL="457200" indent="-457200">
-              <a:buSzPct val="45000"/>
-              <a:buFont typeface="Arial" panose="020B0604020202020204" pitchFamily="34" charset="0"/>
-              <a:buChar char="•"/>
-            </a:pPr>
-            <a:r>
-              <a:rPr lang="en-US" sz="2400" dirty="0" smtClean="0">
-                <a:latin typeface="Calibri"/>
-              </a:rPr>
-              <a:t>Builds </a:t>
-            </a:r>
-            <a:r>
-              <a:rPr lang="en-US" sz="2400" dirty="0">
-                <a:latin typeface="Calibri"/>
-              </a:rPr>
-              <a:t>upon the concepts of Maven and </a:t>
-            </a:r>
-            <a:r>
-              <a:rPr lang="en-US" sz="2400" dirty="0" smtClean="0">
-                <a:latin typeface="Calibri"/>
-              </a:rPr>
-              <a:t>Ant</a:t>
-            </a:r>
-          </a:p>
-          <a:p>
-            <a:pPr marL="457200" indent="-457200">
-              <a:buSzPct val="45000"/>
-              <a:buFont typeface="Arial" panose="020B0604020202020204" pitchFamily="34" charset="0"/>
-              <a:buChar char="•"/>
-            </a:pPr>
-            <a:r>
-              <a:rPr lang="en-US" sz="2400" dirty="0" smtClean="0">
-                <a:latin typeface="Calibri"/>
-              </a:rPr>
-              <a:t>Declarative as well as imperative</a:t>
-            </a:r>
-            <a:endParaRPr sz="1600" dirty="0"/>
-          </a:p>
-          <a:p>
-            <a:pPr marL="457200" indent="-457200">
-              <a:buSzPct val="45000"/>
-              <a:buFont typeface="Arial" panose="020B0604020202020204" pitchFamily="34" charset="0"/>
-              <a:buChar char="•"/>
-            </a:pPr>
-            <a:r>
-              <a:rPr lang="en-US" sz="2400" dirty="0" smtClean="0">
-                <a:latin typeface="Calibri"/>
-              </a:rPr>
-              <a:t>Files </a:t>
-            </a:r>
-            <a:r>
-              <a:rPr lang="en-US" sz="2400" dirty="0">
-                <a:latin typeface="Calibri"/>
-              </a:rPr>
-              <a:t>are written in Groovy using a dedicated DSL</a:t>
-            </a:r>
-            <a:endParaRPr sz="1600" dirty="0"/>
-          </a:p>
-        </p:txBody>
-      </p:sp>
-      <p:pic>
-        <p:nvPicPr>
-          <p:cNvPr id="107" name="Picture 2"/>
-          <p:cNvPicPr/>
-          <p:nvPr/>
-        </p:nvPicPr>
-        <p:blipFill>
-          <a:blip r:embed="rId2"/>
-          <a:stretch>
-            <a:fillRect/>
-          </a:stretch>
-        </p:blipFill>
-        <p:spPr>
-          <a:xfrm>
-            <a:off x="6818280" y="4988280"/>
-            <a:ext cx="1944720" cy="1641120"/>
-          </a:xfrm>
-          <a:prstGeom prst="rect">
-            <a:avLst/>
-          </a:prstGeom>
-          <a:noFill/>
-          <a:ln>
-            <a:solidFill>
-              <a:schemeClr val="accent1"/>
-            </a:solidFill>
-          </a:ln>
-        </p:spPr>
-      </p:pic>
-    </p:spTree>
-  </p:cSld>
-  <p:clrMapOvr>
-    <a:masterClrMapping/>
-  </p:clrMapOvr>
-  <p:timing>
-    <p:tnLst>
-      <p:par>
-        <p:cTn id="1" dur="indefinite" restart="never" nodeType="tmRoot">
-          <p:childTnLst>
-            <p:seq>
-              <p:cTn id="2" nodeType="mainSeq"/>
-              <p:prevCondLst>
-                <p:cond evt="onPrev" delay="0">
-                  <p:tgtEl>
-                    <p:sldTgt/>
-                  </p:tgtEl>
-                </p:cond>
-              </p:prevCondLst>
-              <p:nextCondLst>
-                <p:cond evt="onNext" delay="0">
-                  <p:tgtEl>
-                    <p:sldTgt/>
-                  </p:tgtEl>
-                </p:cond>
-              </p:nextCondLst>
-            </p:seq>
-          </p:childTnLst>
-        </p:cTn>
-      </p:par>
-    </p:tnLst>
-  </p:timing>
-</p:sld>
-</file>
-
-<file path=ppt/slides/slide18.xml><?xml version="1.0" encoding="utf-8"?>
-<p:sld xmlns:a="http://schemas.openxmlformats.org/drawingml/2006/main" xmlns:r="http://schemas.openxmlformats.org/officeDocument/2006/relationships" xmlns:p="http://schemas.openxmlformats.org/presentationml/2006/main">
-  <p:cSld>
-    <p:spTree>
-      <p:nvGrpSpPr>
-        <p:cNvPr id="1" name=""/>
-        <p:cNvGrpSpPr/>
-        <p:nvPr/>
-      </p:nvGrpSpPr>
-      <p:grpSpPr>
-        <a:xfrm>
-          <a:off x="0" y="0"/>
-          <a:ext cx="0" cy="0"/>
-          <a:chOff x="0" y="0"/>
-          <a:chExt cx="0" cy="0"/>
-        </a:xfrm>
-      </p:grpSpPr>
-      <p:sp>
-        <p:nvSpPr>
-          <p:cNvPr id="108" name="TextShape 1"/>
-          <p:cNvSpPr txBox="1"/>
-          <p:nvPr/>
-        </p:nvSpPr>
-        <p:spPr>
-          <a:xfrm>
-            <a:off x="457200" y="274680"/>
-            <a:ext cx="8229240" cy="1142640"/>
-          </a:xfrm>
-          <a:prstGeom prst="rect">
-            <a:avLst/>
-          </a:prstGeom>
-        </p:spPr>
-        <p:txBody>
-          <a:bodyPr anchor="ctr"/>
-          <a:lstStyle/>
-          <a:p>
-            <a:r>
-              <a:rPr lang="en-US" sz="3600" dirty="0">
-                <a:latin typeface="Calibri"/>
-              </a:rPr>
-              <a:t>Gradle – </a:t>
-            </a:r>
-            <a:r>
-              <a:rPr lang="en-US" sz="3600" dirty="0" err="1" smtClean="0">
-                <a:latin typeface="Calibri"/>
-              </a:rPr>
-              <a:t>build.gradle</a:t>
-            </a:r>
-            <a:r>
-              <a:rPr lang="en-US" sz="3600" dirty="0" smtClean="0">
-                <a:latin typeface="Calibri"/>
-              </a:rPr>
-              <a:t> java module </a:t>
-            </a:r>
-            <a:endParaRPr dirty="0"/>
-          </a:p>
-        </p:txBody>
-      </p:sp>
-      <p:sp>
-        <p:nvSpPr>
-          <p:cNvPr id="109" name="TextShape 2"/>
-          <p:cNvSpPr txBox="1"/>
-          <p:nvPr/>
-        </p:nvSpPr>
-        <p:spPr>
-          <a:xfrm>
-            <a:off x="152400" y="1447800"/>
-            <a:ext cx="3733800" cy="4525560"/>
-          </a:xfrm>
-          <a:prstGeom prst="rect">
-            <a:avLst/>
-          </a:prstGeom>
-        </p:spPr>
-        <p:txBody>
-          <a:bodyPr/>
-          <a:lstStyle/>
-          <a:p>
-            <a:pPr>
-              <a:buSzPct val="45000"/>
-            </a:pPr>
-            <a:r>
-              <a:rPr lang="en-US" sz="2000" dirty="0"/>
-              <a:t>apply plugin: 'java'</a:t>
-            </a:r>
-            <a:endParaRPr sz="2000" dirty="0"/>
-          </a:p>
-          <a:p>
-            <a:pPr>
-              <a:buSzPct val="45000"/>
-              <a:buFont typeface="StarSymbol"/>
-              <a:buChar char=""/>
-            </a:pPr>
-            <a:endParaRPr sz="2000" dirty="0"/>
-          </a:p>
-          <a:p>
-            <a:pPr>
-              <a:buSzPct val="45000"/>
-            </a:pPr>
-            <a:r>
-              <a:rPr lang="en-US" sz="2000" dirty="0">
-                <a:solidFill>
-                  <a:srgbClr val="00B0F0"/>
-                </a:solidFill>
-              </a:rPr>
-              <a:t>group = </a:t>
-            </a:r>
-            <a:r>
-              <a:rPr lang="en-US" sz="2000" dirty="0" smtClean="0">
-                <a:solidFill>
-                  <a:srgbClr val="00B0F0"/>
-                </a:solidFill>
-              </a:rPr>
-              <a:t>'</a:t>
-            </a:r>
-            <a:r>
-              <a:rPr lang="en-US" sz="2000" dirty="0" err="1" smtClean="0">
-                <a:solidFill>
-                  <a:srgbClr val="00B0F0"/>
-                </a:solidFill>
-              </a:rPr>
-              <a:t>org.gradleintro</a:t>
-            </a:r>
-            <a:r>
-              <a:rPr lang="en-US" sz="2000" dirty="0" smtClean="0">
-                <a:solidFill>
-                  <a:srgbClr val="00B0F0"/>
-                </a:solidFill>
-              </a:rPr>
-              <a:t>'</a:t>
-            </a:r>
-            <a:endParaRPr sz="2000" dirty="0">
-              <a:solidFill>
-                <a:srgbClr val="00B0F0"/>
-              </a:solidFill>
-            </a:endParaRPr>
-          </a:p>
-          <a:p>
-            <a:pPr>
-              <a:buSzPct val="45000"/>
-            </a:pPr>
-            <a:r>
-              <a:rPr lang="en-US" sz="2000" dirty="0">
-                <a:solidFill>
-                  <a:srgbClr val="00B0F0"/>
-                </a:solidFill>
-              </a:rPr>
-              <a:t>version = '1.0-SNAPSHOT'</a:t>
-            </a:r>
-            <a:endParaRPr sz="2000" dirty="0">
-              <a:solidFill>
-                <a:srgbClr val="00B0F0"/>
-              </a:solidFill>
-            </a:endParaRPr>
-          </a:p>
-          <a:p>
-            <a:pPr>
-              <a:buSzPct val="45000"/>
-              <a:buFont typeface="StarSymbol"/>
-              <a:buChar char=""/>
-            </a:pPr>
-            <a:endParaRPr sz="2000" dirty="0"/>
-          </a:p>
-          <a:p>
-            <a:pPr>
-              <a:buSzPct val="45000"/>
-            </a:pPr>
-            <a:r>
-              <a:rPr lang="en-US" sz="2000" dirty="0">
-                <a:solidFill>
-                  <a:srgbClr val="0070C0"/>
-                </a:solidFill>
-              </a:rPr>
-              <a:t>dependencies {</a:t>
-            </a:r>
-            <a:endParaRPr sz="2000" dirty="0">
-              <a:solidFill>
-                <a:srgbClr val="0070C0"/>
-              </a:solidFill>
-            </a:endParaRPr>
-          </a:p>
-          <a:p>
-            <a:pPr lvl="1">
-              <a:buSzPct val="75000"/>
-            </a:pPr>
-            <a:r>
-              <a:rPr lang="en-US" sz="2000" dirty="0" err="1">
-                <a:solidFill>
-                  <a:srgbClr val="0070C0"/>
-                </a:solidFill>
-              </a:rPr>
-              <a:t>testCompile</a:t>
-            </a:r>
-            <a:r>
-              <a:rPr lang="en-US" sz="2000" dirty="0">
-                <a:solidFill>
-                  <a:srgbClr val="0070C0"/>
-                </a:solidFill>
-              </a:rPr>
-              <a:t> 'junit:junit:4.11'</a:t>
-            </a:r>
-            <a:endParaRPr sz="2000" dirty="0">
-              <a:solidFill>
-                <a:srgbClr val="0070C0"/>
-              </a:solidFill>
-            </a:endParaRPr>
-          </a:p>
-          <a:p>
-            <a:pPr>
-              <a:buSzPct val="45000"/>
-            </a:pPr>
-            <a:r>
-              <a:rPr lang="en-US" sz="2000" dirty="0">
-                <a:solidFill>
-                  <a:srgbClr val="0070C0"/>
-                </a:solidFill>
-              </a:rPr>
-              <a:t>}</a:t>
-            </a:r>
-            <a:endParaRPr sz="2000" dirty="0">
-              <a:solidFill>
-                <a:srgbClr val="0070C0"/>
-              </a:solidFill>
-            </a:endParaRPr>
-          </a:p>
-        </p:txBody>
-      </p:sp>
-      <p:sp>
-        <p:nvSpPr>
-          <p:cNvPr id="15" name="TextShape 2"/>
-          <p:cNvSpPr txBox="1"/>
-          <p:nvPr/>
-        </p:nvSpPr>
-        <p:spPr>
-          <a:xfrm>
-            <a:off x="4267200" y="1447800"/>
-            <a:ext cx="4876800" cy="5943600"/>
-          </a:xfrm>
-          <a:prstGeom prst="rect">
-            <a:avLst/>
-          </a:prstGeom>
-        </p:spPr>
-        <p:txBody>
-          <a:bodyPr/>
-          <a:lstStyle/>
-          <a:p>
-            <a:pPr>
-              <a:buSzPct val="45000"/>
-            </a:pPr>
-            <a:r>
-              <a:rPr lang="en-US" sz="2000" dirty="0"/>
-              <a:t>&lt;</a:t>
-            </a:r>
-            <a:r>
-              <a:rPr lang="en-US" sz="2000" dirty="0" smtClean="0"/>
-              <a:t>project&gt;</a:t>
-            </a:r>
-            <a:endParaRPr sz="2000" dirty="0"/>
-          </a:p>
-          <a:p>
-            <a:pPr>
-              <a:buSzPct val="45000"/>
-            </a:pPr>
-            <a:r>
-              <a:rPr lang="en-US" sz="2000" dirty="0"/>
-              <a:t>    </a:t>
-            </a:r>
-            <a:r>
-              <a:rPr lang="en-US" sz="2000" dirty="0" smtClean="0"/>
-              <a:t>…</a:t>
-            </a:r>
-            <a:endParaRPr sz="2000" dirty="0"/>
-          </a:p>
-          <a:p>
-            <a:pPr>
-              <a:buSzPct val="45000"/>
-            </a:pPr>
-            <a:r>
-              <a:rPr lang="en-US" sz="2000" dirty="0"/>
-              <a:t>    </a:t>
-            </a:r>
-            <a:r>
-              <a:rPr lang="en-US" sz="2000" dirty="0">
-                <a:solidFill>
-                  <a:srgbClr val="00B0F0"/>
-                </a:solidFill>
-              </a:rPr>
-              <a:t>&lt;</a:t>
-            </a:r>
-            <a:r>
-              <a:rPr lang="en-US" sz="2000" dirty="0" err="1" smtClean="0">
-                <a:solidFill>
-                  <a:srgbClr val="00B0F0"/>
-                </a:solidFill>
-              </a:rPr>
-              <a:t>groupId</a:t>
-            </a:r>
-            <a:r>
-              <a:rPr lang="en-US" sz="2000" dirty="0" smtClean="0">
-                <a:solidFill>
-                  <a:srgbClr val="00B0F0"/>
-                </a:solidFill>
-              </a:rPr>
-              <a:t>&gt;</a:t>
-            </a:r>
-            <a:r>
-              <a:rPr lang="en-US" sz="2000" dirty="0" err="1" smtClean="0">
-                <a:solidFill>
-                  <a:srgbClr val="00B0F0"/>
-                </a:solidFill>
-              </a:rPr>
-              <a:t>org.gradleintro</a:t>
-            </a:r>
-            <a:r>
-              <a:rPr lang="en-US" sz="2000" dirty="0" smtClean="0">
-                <a:solidFill>
-                  <a:srgbClr val="00B0F0"/>
-                </a:solidFill>
-              </a:rPr>
-              <a:t>&lt;/</a:t>
-            </a:r>
-            <a:r>
-              <a:rPr lang="en-US" sz="2000" dirty="0" err="1">
-                <a:solidFill>
-                  <a:srgbClr val="00B0F0"/>
-                </a:solidFill>
-              </a:rPr>
-              <a:t>groupId</a:t>
-            </a:r>
-            <a:r>
-              <a:rPr lang="en-US" sz="2000" dirty="0">
-                <a:solidFill>
-                  <a:srgbClr val="00B0F0"/>
-                </a:solidFill>
-              </a:rPr>
-              <a:t>&gt;</a:t>
-            </a:r>
-            <a:endParaRPr sz="2000" dirty="0">
-              <a:solidFill>
-                <a:srgbClr val="00B0F0"/>
-              </a:solidFill>
-            </a:endParaRPr>
-          </a:p>
-          <a:p>
-            <a:pPr>
-              <a:buSzPct val="45000"/>
-            </a:pPr>
-            <a:r>
-              <a:rPr lang="en-US" sz="2000" dirty="0">
-                <a:solidFill>
-                  <a:srgbClr val="00B0F0"/>
-                </a:solidFill>
-              </a:rPr>
-              <a:t>    &lt;</a:t>
-            </a:r>
-            <a:r>
-              <a:rPr lang="en-US" sz="2000" dirty="0" err="1">
-                <a:solidFill>
-                  <a:srgbClr val="00B0F0"/>
-                </a:solidFill>
-              </a:rPr>
-              <a:t>artifactId</a:t>
-            </a:r>
-            <a:r>
-              <a:rPr lang="en-US" sz="2000" dirty="0">
-                <a:solidFill>
-                  <a:srgbClr val="00B0F0"/>
-                </a:solidFill>
-              </a:rPr>
-              <a:t>&gt;example&lt;/</a:t>
-            </a:r>
-            <a:r>
-              <a:rPr lang="en-US" sz="2000" dirty="0" err="1">
-                <a:solidFill>
-                  <a:srgbClr val="00B0F0"/>
-                </a:solidFill>
-              </a:rPr>
-              <a:t>artifactId</a:t>
-            </a:r>
-            <a:r>
-              <a:rPr lang="en-US" sz="2000" dirty="0">
-                <a:solidFill>
-                  <a:srgbClr val="00B0F0"/>
-                </a:solidFill>
-              </a:rPr>
-              <a:t>&gt;</a:t>
-            </a:r>
-            <a:endParaRPr sz="2000" dirty="0">
-              <a:solidFill>
-                <a:srgbClr val="00B0F0"/>
-              </a:solidFill>
-            </a:endParaRPr>
-          </a:p>
-          <a:p>
-            <a:pPr>
-              <a:buSzPct val="45000"/>
-            </a:pPr>
-            <a:r>
-              <a:rPr lang="en-US" sz="2000" dirty="0">
-                <a:solidFill>
-                  <a:srgbClr val="00B0F0"/>
-                </a:solidFill>
-              </a:rPr>
-              <a:t>    &lt;version&gt;1.0-SNAPSHOT&lt;/version&gt;</a:t>
-            </a:r>
-            <a:endParaRPr sz="2000" dirty="0">
-              <a:solidFill>
-                <a:srgbClr val="00B0F0"/>
-              </a:solidFill>
-            </a:endParaRPr>
-          </a:p>
-          <a:p>
-            <a:pPr>
-              <a:buSzPct val="45000"/>
-            </a:pPr>
-            <a:r>
-              <a:rPr lang="en-US" sz="2000" dirty="0">
-                <a:solidFill>
-                  <a:srgbClr val="00B0F0"/>
-                </a:solidFill>
-              </a:rPr>
-              <a:t>    &lt;packaging&gt;jar&lt;/packaging&gt;</a:t>
-            </a:r>
-            <a:endParaRPr sz="2000" dirty="0">
-              <a:solidFill>
-                <a:srgbClr val="00B0F0"/>
-              </a:solidFill>
-            </a:endParaRPr>
-          </a:p>
-          <a:p>
-            <a:pPr>
-              <a:buSzPct val="45000"/>
-            </a:pPr>
-            <a:endParaRPr lang="en-US" sz="2000" dirty="0" smtClean="0"/>
-          </a:p>
-          <a:p>
-            <a:pPr>
-              <a:buSzPct val="45000"/>
-            </a:pPr>
-            <a:r>
-              <a:rPr lang="en-US" sz="2000" dirty="0" smtClean="0"/>
-              <a:t>    </a:t>
-            </a:r>
-            <a:r>
-              <a:rPr lang="en-US" sz="2000" dirty="0" smtClean="0">
-                <a:solidFill>
-                  <a:srgbClr val="0070C0"/>
-                </a:solidFill>
-              </a:rPr>
-              <a:t>&lt;</a:t>
-            </a:r>
-            <a:r>
-              <a:rPr lang="en-US" sz="2000" dirty="0">
-                <a:solidFill>
-                  <a:srgbClr val="0070C0"/>
-                </a:solidFill>
-              </a:rPr>
-              <a:t>dependencies&gt;</a:t>
-            </a:r>
-            <a:endParaRPr sz="2000" dirty="0">
-              <a:solidFill>
-                <a:srgbClr val="0070C0"/>
-              </a:solidFill>
-            </a:endParaRPr>
-          </a:p>
-          <a:p>
-            <a:pPr>
-              <a:buSzPct val="45000"/>
-            </a:pPr>
-            <a:r>
-              <a:rPr lang="en-US" sz="2000" dirty="0">
-                <a:solidFill>
-                  <a:srgbClr val="0070C0"/>
-                </a:solidFill>
-              </a:rPr>
-              <a:t>        &lt;dependency&gt;</a:t>
-            </a:r>
-            <a:endParaRPr sz="2000" dirty="0">
-              <a:solidFill>
-                <a:srgbClr val="0070C0"/>
-              </a:solidFill>
-            </a:endParaRPr>
-          </a:p>
-          <a:p>
-            <a:pPr>
-              <a:buSzPct val="45000"/>
-            </a:pPr>
-            <a:r>
-              <a:rPr lang="en-US" sz="2000" dirty="0">
-                <a:solidFill>
-                  <a:srgbClr val="0070C0"/>
-                </a:solidFill>
-              </a:rPr>
-              <a:t>            &lt;</a:t>
-            </a:r>
-            <a:r>
-              <a:rPr lang="en-US" sz="2000" dirty="0" err="1">
-                <a:solidFill>
-                  <a:srgbClr val="0070C0"/>
-                </a:solidFill>
-              </a:rPr>
-              <a:t>groupId</a:t>
-            </a:r>
-            <a:r>
-              <a:rPr lang="en-US" sz="2000" dirty="0">
-                <a:solidFill>
-                  <a:srgbClr val="0070C0"/>
-                </a:solidFill>
-              </a:rPr>
-              <a:t>&gt;</a:t>
-            </a:r>
-            <a:r>
-              <a:rPr lang="en-US" sz="2000" dirty="0" err="1">
-                <a:solidFill>
-                  <a:srgbClr val="0070C0"/>
-                </a:solidFill>
-              </a:rPr>
-              <a:t>junit</a:t>
-            </a:r>
-            <a:r>
-              <a:rPr lang="en-US" sz="2000" dirty="0">
-                <a:solidFill>
-                  <a:srgbClr val="0070C0"/>
-                </a:solidFill>
-              </a:rPr>
-              <a:t>&lt;/</a:t>
-            </a:r>
-            <a:r>
-              <a:rPr lang="en-US" sz="2000" dirty="0" err="1">
-                <a:solidFill>
-                  <a:srgbClr val="0070C0"/>
-                </a:solidFill>
-              </a:rPr>
-              <a:t>groupId</a:t>
-            </a:r>
-            <a:r>
-              <a:rPr lang="en-US" sz="2000" dirty="0">
-                <a:solidFill>
-                  <a:srgbClr val="0070C0"/>
-                </a:solidFill>
-              </a:rPr>
-              <a:t>&gt;</a:t>
-            </a:r>
-            <a:endParaRPr sz="2000" dirty="0">
-              <a:solidFill>
-                <a:srgbClr val="0070C0"/>
-              </a:solidFill>
-            </a:endParaRPr>
-          </a:p>
-          <a:p>
-            <a:pPr>
-              <a:buSzPct val="45000"/>
-            </a:pPr>
-            <a:r>
-              <a:rPr lang="en-US" sz="2000" dirty="0">
-                <a:solidFill>
-                  <a:srgbClr val="0070C0"/>
-                </a:solidFill>
-              </a:rPr>
-              <a:t>            &lt;</a:t>
-            </a:r>
-            <a:r>
-              <a:rPr lang="en-US" sz="2000" dirty="0" err="1">
-                <a:solidFill>
-                  <a:srgbClr val="0070C0"/>
-                </a:solidFill>
-              </a:rPr>
-              <a:t>artifactId</a:t>
-            </a:r>
-            <a:r>
-              <a:rPr lang="en-US" sz="2000" dirty="0">
-                <a:solidFill>
-                  <a:srgbClr val="0070C0"/>
-                </a:solidFill>
-              </a:rPr>
-              <a:t>&gt;</a:t>
-            </a:r>
-            <a:r>
-              <a:rPr lang="en-US" sz="2000" dirty="0" err="1">
-                <a:solidFill>
-                  <a:srgbClr val="0070C0"/>
-                </a:solidFill>
-              </a:rPr>
-              <a:t>junit</a:t>
-            </a:r>
-            <a:r>
-              <a:rPr lang="en-US" sz="2000" dirty="0">
-                <a:solidFill>
-                  <a:srgbClr val="0070C0"/>
-                </a:solidFill>
-              </a:rPr>
-              <a:t>&lt;/</a:t>
-            </a:r>
-            <a:r>
-              <a:rPr lang="en-US" sz="2000" dirty="0" err="1">
-                <a:solidFill>
-                  <a:srgbClr val="0070C0"/>
-                </a:solidFill>
-              </a:rPr>
-              <a:t>artifactId</a:t>
-            </a:r>
-            <a:r>
-              <a:rPr lang="en-US" sz="2000" dirty="0">
-                <a:solidFill>
-                  <a:srgbClr val="0070C0"/>
-                </a:solidFill>
-              </a:rPr>
-              <a:t>&gt;</a:t>
-            </a:r>
-            <a:endParaRPr sz="2000" dirty="0">
-              <a:solidFill>
-                <a:srgbClr val="0070C0"/>
-              </a:solidFill>
-            </a:endParaRPr>
-          </a:p>
-          <a:p>
-            <a:pPr>
-              <a:buSzPct val="45000"/>
-            </a:pPr>
-            <a:r>
-              <a:rPr lang="en-US" sz="2000" dirty="0">
-                <a:solidFill>
-                  <a:srgbClr val="0070C0"/>
-                </a:solidFill>
-              </a:rPr>
-              <a:t>            &lt;</a:t>
-            </a:r>
-            <a:r>
-              <a:rPr lang="en-US" sz="2000" dirty="0" smtClean="0">
-                <a:solidFill>
-                  <a:srgbClr val="0070C0"/>
-                </a:solidFill>
-              </a:rPr>
-              <a:t>version&gt;4.11&lt;/</a:t>
-            </a:r>
-            <a:r>
-              <a:rPr lang="en-US" sz="2000" dirty="0">
-                <a:solidFill>
-                  <a:srgbClr val="0070C0"/>
-                </a:solidFill>
-              </a:rPr>
-              <a:t>version&gt;</a:t>
-            </a:r>
-            <a:endParaRPr sz="2000" dirty="0">
-              <a:solidFill>
-                <a:srgbClr val="0070C0"/>
-              </a:solidFill>
-            </a:endParaRPr>
-          </a:p>
-          <a:p>
-            <a:pPr>
-              <a:buSzPct val="45000"/>
-            </a:pPr>
-            <a:r>
-              <a:rPr lang="en-US" sz="2000" dirty="0">
-                <a:solidFill>
-                  <a:srgbClr val="0070C0"/>
-                </a:solidFill>
-              </a:rPr>
-              <a:t>            &lt;scope&gt;test&lt;/scope&gt;</a:t>
-            </a:r>
-            <a:endParaRPr sz="2000" dirty="0">
-              <a:solidFill>
-                <a:srgbClr val="0070C0"/>
-              </a:solidFill>
-            </a:endParaRPr>
-          </a:p>
-          <a:p>
-            <a:pPr>
-              <a:buSzPct val="45000"/>
-            </a:pPr>
-            <a:r>
-              <a:rPr lang="en-US" sz="2000" dirty="0">
-                <a:solidFill>
-                  <a:srgbClr val="0070C0"/>
-                </a:solidFill>
-              </a:rPr>
-              <a:t>        &lt;/dependency&gt;</a:t>
-            </a:r>
-            <a:endParaRPr sz="2000" dirty="0">
-              <a:solidFill>
-                <a:srgbClr val="0070C0"/>
-              </a:solidFill>
-            </a:endParaRPr>
-          </a:p>
-          <a:p>
-            <a:pPr>
-              <a:buSzPct val="45000"/>
-            </a:pPr>
-            <a:r>
-              <a:rPr lang="en-US" sz="2000" dirty="0">
-                <a:solidFill>
-                  <a:srgbClr val="0070C0"/>
-                </a:solidFill>
-              </a:rPr>
-              <a:t>    &lt;/dependencies&gt;</a:t>
-            </a:r>
-            <a:endParaRPr sz="2000" dirty="0">
-              <a:solidFill>
-                <a:srgbClr val="0070C0"/>
-              </a:solidFill>
-            </a:endParaRPr>
-          </a:p>
-          <a:p>
-            <a:pPr>
-              <a:buSzPct val="45000"/>
-            </a:pPr>
-            <a:r>
-              <a:rPr lang="en-US" sz="2000" dirty="0"/>
-              <a:t>&lt;/project&gt;</a:t>
-            </a:r>
-            <a:endParaRPr sz="2000" dirty="0"/>
-          </a:p>
-        </p:txBody>
-      </p:sp>
-    </p:spTree>
-  </p:cSld>
-  <p:clrMapOvr>
-    <a:masterClrMapping/>
-  </p:clrMapOvr>
-  <mc:AlternateContent xmlns:mc="http://schemas.openxmlformats.org/markup-compatibility/2006" xmlns:p14="http://schemas.microsoft.com/office/powerpoint/2010/main">
-    <mc:Choice Requires="p14">
+  <mc:AlternateContent xmlns:mc="http://schemas.openxmlformats.org/markup-compatibility/2006">
+    <mc:Choice xmlns:p14="http://schemas.microsoft.com/office/powerpoint/2010/main" Requires="p14">
       <p:transition spd="slow" p14:dur="2000"/>
     </mc:Choice>
-    <mc:Fallback xmlns="">
+    <mc:Fallback>
       <p:transition spd="slow"/>
     </mc:Fallback>
   </mc:AlternateContent>
-  <p:timing>
-    <p:tnLst>
-      <p:par>
-        <p:cTn id="1" dur="indefinite" restart="never" nodeType="tmRoot"/>
-      </p:par>
-    </p:tnLst>
-  </p:timing>
-</p:sld>
-</file>
-
-<file path=ppt/slides/slide19.xml><?xml version="1.0" encoding="utf-8"?>
-<p:sld xmlns:a="http://schemas.openxmlformats.org/drawingml/2006/main" xmlns:r="http://schemas.openxmlformats.org/officeDocument/2006/relationships" xmlns:p="http://schemas.openxmlformats.org/presentationml/2006/main">
-  <p:cSld>
-    <p:spTree>
-      <p:nvGrpSpPr>
-        <p:cNvPr id="1" name=""/>
-        <p:cNvGrpSpPr/>
-        <p:nvPr/>
-      </p:nvGrpSpPr>
-      <p:grpSpPr>
-        <a:xfrm>
-          <a:off x="0" y="0"/>
-          <a:ext cx="0" cy="0"/>
-          <a:chOff x="0" y="0"/>
-          <a:chExt cx="0" cy="0"/>
-        </a:xfrm>
-      </p:grpSpPr>
-      <p:sp>
-        <p:nvSpPr>
-          <p:cNvPr id="4" name="Subtitle 3"/>
-          <p:cNvSpPr>
-            <a:spLocks noGrp="1"/>
-          </p:cNvSpPr>
-          <p:nvPr>
-            <p:ph type="subTitle"/>
-          </p:nvPr>
-        </p:nvSpPr>
-        <p:spPr/>
-        <p:txBody>
-          <a:bodyPr/>
-          <a:lstStyle/>
-          <a:p>
-            <a:pPr algn="ctr"/>
-            <a:r>
-              <a:rPr lang="en-US" sz="9600" dirty="0" smtClean="0">
-                <a:latin typeface="Calibri" panose="020F0502020204030204" pitchFamily="34" charset="0"/>
-                <a:cs typeface="Calibri" panose="020F0502020204030204" pitchFamily="34" charset="0"/>
-              </a:rPr>
-              <a:t>DEMO</a:t>
-            </a:r>
-            <a:endParaRPr lang="en-US" sz="9600" dirty="0">
-              <a:latin typeface="Calibri" panose="020F0502020204030204" pitchFamily="34" charset="0"/>
-              <a:cs typeface="Calibri" panose="020F0502020204030204" pitchFamily="34" charset="0"/>
-            </a:endParaRPr>
-          </a:p>
-        </p:txBody>
-      </p:sp>
-    </p:spTree>
-    <p:extLst>
-      <p:ext uri="{BB962C8B-B14F-4D97-AF65-F5344CB8AC3E}">
-        <p14:creationId xmlns:p14="http://schemas.microsoft.com/office/powerpoint/2010/main" val="2938910008"/>
-      </p:ext>
-    </p:extLst>
-  </p:cSld>
-  <p:clrMapOvr>
-    <a:masterClrMapping/>
-  </p:clrMapOvr>
   <p:timing>
     <p:tnLst>
       <p:par>
@@ -8014,12 +8180,14 @@
           <a:lstStyle/>
           <a:p>
             <a:r>
-              <a:rPr lang="en-US" sz="3600">
-                <a:latin typeface="Calibri"/>
+              <a:rPr lang="en-US" sz="3600" dirty="0">
+                <a:latin typeface="+mj-lt"/>
               </a:rPr>
               <a:t>A little about me</a:t>
             </a:r>
-            <a:endParaRPr/>
+            <a:endParaRPr dirty="0">
+              <a:latin typeface="+mj-lt"/>
+            </a:endParaRPr>
           </a:p>
         </p:txBody>
       </p:sp>
@@ -8049,29 +8217,30 @@
             </a:pPr>
             <a:r>
               <a:rPr lang="en-US" sz="2800" dirty="0" smtClean="0">
-                <a:latin typeface="Calibri"/>
+                <a:latin typeface="+mj-lt"/>
               </a:rPr>
               <a:t>Developer </a:t>
             </a:r>
             <a:r>
               <a:rPr lang="en-US" sz="2800" dirty="0">
-                <a:latin typeface="Calibri"/>
-              </a:rPr>
-              <a:t>in the DI lab (</a:t>
-            </a:r>
-            <a:r>
-              <a:rPr lang="en-US" sz="2800" dirty="0" err="1">
-                <a:latin typeface="Calibri"/>
-              </a:rPr>
-              <a:t>iSpreads</a:t>
-            </a:r>
-            <a:r>
-              <a:rPr lang="en-US" sz="2800" dirty="0">
-                <a:latin typeface="Calibri"/>
-              </a:rPr>
-              <a:t> team)</a:t>
-            </a:r>
-            <a:endParaRPr dirty="0"/>
+                <a:latin typeface="+mj-lt"/>
+              </a:rPr>
+              <a:t>in the DI lab (iSpreads team</a:t>
+            </a:r>
+            <a:r>
+              <a:rPr lang="en-US" sz="2800" dirty="0" smtClean="0">
+                <a:latin typeface="+mj-lt"/>
+              </a:rPr>
+              <a:t>)</a:t>
+            </a:r>
+          </a:p>
+          <a:p>
+            <a:pPr>
+              <a:buSzPct val="45000"/>
+            </a:pPr>
+            <a:endParaRPr sz="900" dirty="0">
+              <a:latin typeface="+mj-lt"/>
+            </a:endParaRPr>
           </a:p>
           <a:p>
             <a:pPr marL="457200" indent="-457200">
@@ -8081,11 +8250,24 @@
             </a:pPr>
             <a:r>
               <a:rPr lang="en-US" sz="2800" dirty="0">
-                <a:latin typeface="Calibri"/>
-              </a:rPr>
-              <a:t>Joined Citi about 5 months ago</a:t>
-            </a:r>
-            <a:endParaRPr dirty="0"/>
+                <a:latin typeface="+mj-lt"/>
+              </a:rPr>
+              <a:t>Joined Citi about 5 months </a:t>
+            </a:r>
+            <a:r>
+              <a:rPr lang="en-US" sz="2800" dirty="0" smtClean="0">
+                <a:latin typeface="+mj-lt"/>
+              </a:rPr>
+              <a:t>ago</a:t>
+            </a:r>
+          </a:p>
+          <a:p>
+            <a:pPr>
+              <a:buSzPct val="45000"/>
+            </a:pPr>
+            <a:endParaRPr sz="900" dirty="0">
+              <a:latin typeface="+mj-lt"/>
+            </a:endParaRPr>
           </a:p>
           <a:p>
             <a:pPr marL="457200" indent="-457200">
@@ -8095,11 +8277,24 @@
             </a:pPr>
             <a:r>
               <a:rPr lang="en-US" sz="2800" dirty="0">
-                <a:latin typeface="Calibri"/>
-              </a:rPr>
-              <a:t>Worked as a build manager in previous job</a:t>
-            </a:r>
-            <a:endParaRPr dirty="0"/>
+                <a:latin typeface="+mj-lt"/>
+              </a:rPr>
+              <a:t>Worked as a build manager in previous </a:t>
+            </a:r>
+            <a:r>
+              <a:rPr lang="en-US" sz="2800" dirty="0" smtClean="0">
+                <a:latin typeface="+mj-lt"/>
+              </a:rPr>
+              <a:t>job</a:t>
+            </a:r>
+          </a:p>
+          <a:p>
+            <a:pPr>
+              <a:buSzPct val="45000"/>
+            </a:pPr>
+            <a:endParaRPr sz="900" dirty="0">
+              <a:latin typeface="+mj-lt"/>
+            </a:endParaRPr>
           </a:p>
           <a:p>
             <a:pPr marL="457200" indent="-457200">
@@ -8109,11 +8304,13 @@
             </a:pPr>
             <a:r>
               <a:rPr lang="en-US" sz="2800" dirty="0">
-                <a:latin typeface="Calibri"/>
+                <a:latin typeface="+mj-lt"/>
               </a:rPr>
               <a:t>5+ years of experience with java build tools  </a:t>
             </a:r>
-            <a:endParaRPr dirty="0"/>
+            <a:endParaRPr dirty="0">
+              <a:latin typeface="+mj-lt"/>
+            </a:endParaRPr>
           </a:p>
         </p:txBody>
       </p:sp>
@@ -8171,45 +8368,259 @@
       </p:grpSpPr>
       <p:sp>
         <p:nvSpPr>
-          <p:cNvPr id="4" name="Subtitle 3"/>
-          <p:cNvSpPr>
-            <a:spLocks noGrp="1"/>
-          </p:cNvSpPr>
-          <p:nvPr>
-            <p:ph type="subTitle"/>
-          </p:nvPr>
-        </p:nvSpPr>
-        <p:spPr/>
+          <p:cNvPr id="7" name="TextShape 2"/>
+          <p:cNvSpPr txBox="1"/>
+          <p:nvPr/>
+        </p:nvSpPr>
+        <p:spPr>
+          <a:xfrm>
+            <a:off x="457200" y="1066800"/>
+            <a:ext cx="8229240" cy="4906560"/>
+          </a:xfrm>
+          <a:prstGeom prst="rect">
+            <a:avLst/>
+          </a:prstGeom>
+        </p:spPr>
         <p:txBody>
           <a:bodyPr/>
           <a:lstStyle/>
           <a:p>
-            <a:pPr algn="ctr"/>
-            <a:r>
-              <a:rPr lang="en-US" sz="9600" dirty="0" err="1" smtClean="0">
-                <a:latin typeface="Calibri" panose="020F0502020204030204" pitchFamily="34" charset="0"/>
-                <a:cs typeface="Calibri" panose="020F0502020204030204" pitchFamily="34" charset="0"/>
-              </a:rPr>
-              <a:t>Gradle</a:t>
-            </a:r>
-            <a:r>
-              <a:rPr lang="en-US" sz="9600" dirty="0" smtClean="0">
-                <a:latin typeface="Calibri" panose="020F0502020204030204" pitchFamily="34" charset="0"/>
-                <a:cs typeface="Calibri" panose="020F0502020204030204" pitchFamily="34" charset="0"/>
-              </a:rPr>
-              <a:t> @Citi Innovation lab</a:t>
-            </a:r>
-            <a:endParaRPr lang="en-US" sz="9600" dirty="0">
-              <a:latin typeface="Calibri" panose="020F0502020204030204" pitchFamily="34" charset="0"/>
-              <a:cs typeface="Calibri" panose="020F0502020204030204" pitchFamily="34" charset="0"/>
-            </a:endParaRPr>
+            <a:pPr marL="514350" indent="-514350">
+              <a:buAutoNum type="arabicPeriod"/>
+            </a:pPr>
+            <a:endParaRPr lang="en-US" sz="2800" dirty="0" smtClean="0"/>
+          </a:p>
+          <a:p>
+            <a:pPr marL="514350" indent="-514350">
+              <a:buAutoNum type="arabicPeriod"/>
+            </a:pPr>
+            <a:r>
+              <a:rPr lang="en-US" sz="2800" dirty="0" smtClean="0"/>
+              <a:t>Download 3</a:t>
+            </a:r>
+            <a:r>
+              <a:rPr lang="en-US" sz="2800" baseline="30000" dirty="0" smtClean="0"/>
+              <a:t>rd</a:t>
+            </a:r>
+            <a:r>
+              <a:rPr lang="en-US" sz="2800" dirty="0" smtClean="0"/>
+              <a:t> party dependencies</a:t>
+            </a:r>
+          </a:p>
+          <a:p>
+            <a:pPr marL="514350" indent="-514350">
+              <a:buAutoNum type="arabicPeriod"/>
+            </a:pPr>
+            <a:r>
+              <a:rPr lang="en-US" sz="2800" dirty="0" smtClean="0"/>
+              <a:t>Compile source code</a:t>
+            </a:r>
+          </a:p>
+          <a:p>
+            <a:pPr marL="514350" indent="-514350">
+              <a:buAutoNum type="arabicPeriod"/>
+            </a:pPr>
+            <a:r>
+              <a:rPr lang="en-US" sz="2800" dirty="0" smtClean="0"/>
+              <a:t>Run tests - optional</a:t>
+            </a:r>
+          </a:p>
+          <a:p>
+            <a:pPr marL="514350" indent="-514350">
+              <a:buAutoNum type="arabicPeriod"/>
+            </a:pPr>
+            <a:r>
+              <a:rPr lang="en-US" sz="2800" dirty="0" smtClean="0"/>
+              <a:t>Create a distribution file (jar)</a:t>
+            </a:r>
           </a:p>
         </p:txBody>
       </p:sp>
+      <p:sp>
+        <p:nvSpPr>
+          <p:cNvPr id="90" name="TextShape 1"/>
+          <p:cNvSpPr txBox="1"/>
+          <p:nvPr/>
+        </p:nvSpPr>
+        <p:spPr>
+          <a:xfrm>
+            <a:off x="457200" y="76200"/>
+            <a:ext cx="8229240" cy="1142640"/>
+          </a:xfrm>
+          <a:prstGeom prst="rect">
+            <a:avLst/>
+          </a:prstGeom>
+        </p:spPr>
+        <p:txBody>
+          <a:bodyPr anchor="ctr"/>
+          <a:lstStyle/>
+          <a:p>
+            <a:r>
+              <a:rPr lang="en-US" sz="3600" dirty="0"/>
+              <a:t>What does it takes to build a java app</a:t>
+            </a:r>
+            <a:r>
+              <a:rPr lang="en-US" sz="3600" dirty="0" smtClean="0"/>
+              <a:t>?</a:t>
+            </a:r>
+            <a:endParaRPr lang="en-US" sz="3600" dirty="0"/>
+          </a:p>
+        </p:txBody>
+      </p:sp>
+      <p:pic>
+        <p:nvPicPr>
+          <p:cNvPr id="2" name="תמונה 1"/>
+          <p:cNvPicPr>
+            <a:picLocks noChangeAspect="1"/>
+          </p:cNvPicPr>
+          <p:nvPr/>
+        </p:nvPicPr>
+        <p:blipFill>
+          <a:blip r:embed="rId2">
+            <a:extLst>
+              <a:ext uri="{28A0092B-C50C-407E-A947-70E740481C1C}">
+                <a14:useLocalDpi xmlns:a14="http://schemas.microsoft.com/office/drawing/2010/main" val="0"/>
+              </a:ext>
+            </a:extLst>
+          </a:blip>
+          <a:stretch>
+            <a:fillRect/>
+          </a:stretch>
+        </p:blipFill>
+        <p:spPr>
+          <a:xfrm>
+            <a:off x="6238875" y="2895600"/>
+            <a:ext cx="390525" cy="381000"/>
+          </a:xfrm>
+          <a:prstGeom prst="rect">
+            <a:avLst/>
+          </a:prstGeom>
+        </p:spPr>
+      </p:pic>
+      <p:pic>
+        <p:nvPicPr>
+          <p:cNvPr id="12" name="תמונה 11"/>
+          <p:cNvPicPr>
+            <a:picLocks noChangeAspect="1"/>
+          </p:cNvPicPr>
+          <p:nvPr/>
+        </p:nvPicPr>
+        <p:blipFill>
+          <a:blip r:embed="rId2">
+            <a:extLst>
+              <a:ext uri="{28A0092B-C50C-407E-A947-70E740481C1C}">
+                <a14:useLocalDpi xmlns:a14="http://schemas.microsoft.com/office/drawing/2010/main" val="0"/>
+              </a:ext>
+            </a:extLst>
+          </a:blip>
+          <a:stretch>
+            <a:fillRect/>
+          </a:stretch>
+        </p:blipFill>
+        <p:spPr>
+          <a:xfrm>
+            <a:off x="6238874" y="2409631"/>
+            <a:ext cx="390525" cy="381000"/>
+          </a:xfrm>
+          <a:prstGeom prst="rect">
+            <a:avLst/>
+          </a:prstGeom>
+        </p:spPr>
+      </p:pic>
+      <p:pic>
+        <p:nvPicPr>
+          <p:cNvPr id="13" name="תמונה 12"/>
+          <p:cNvPicPr>
+            <a:picLocks noChangeAspect="1"/>
+          </p:cNvPicPr>
+          <p:nvPr/>
+        </p:nvPicPr>
+        <p:blipFill>
+          <a:blip r:embed="rId2">
+            <a:extLst>
+              <a:ext uri="{28A0092B-C50C-407E-A947-70E740481C1C}">
+                <a14:useLocalDpi xmlns:a14="http://schemas.microsoft.com/office/drawing/2010/main" val="0"/>
+              </a:ext>
+            </a:extLst>
+          </a:blip>
+          <a:stretch>
+            <a:fillRect/>
+          </a:stretch>
+        </p:blipFill>
+        <p:spPr>
+          <a:xfrm>
+            <a:off x="6238875" y="2019301"/>
+            <a:ext cx="390525" cy="381000"/>
+          </a:xfrm>
+          <a:prstGeom prst="rect">
+            <a:avLst/>
+          </a:prstGeom>
+        </p:spPr>
+      </p:pic>
+      <p:pic>
+        <p:nvPicPr>
+          <p:cNvPr id="14" name="תמונה 13"/>
+          <p:cNvPicPr>
+            <a:picLocks noChangeAspect="1"/>
+          </p:cNvPicPr>
+          <p:nvPr/>
+        </p:nvPicPr>
+        <p:blipFill>
+          <a:blip r:embed="rId2">
+            <a:extLst>
+              <a:ext uri="{28A0092B-C50C-407E-A947-70E740481C1C}">
+                <a14:useLocalDpi xmlns:a14="http://schemas.microsoft.com/office/drawing/2010/main" val="0"/>
+              </a:ext>
+            </a:extLst>
+          </a:blip>
+          <a:stretch>
+            <a:fillRect/>
+          </a:stretch>
+        </p:blipFill>
+        <p:spPr>
+          <a:xfrm>
+            <a:off x="6772275" y="1524000"/>
+            <a:ext cx="390525" cy="381000"/>
+          </a:xfrm>
+          <a:prstGeom prst="rect">
+            <a:avLst/>
+          </a:prstGeom>
+        </p:spPr>
+      </p:pic>
+      <p:pic>
+        <p:nvPicPr>
+          <p:cNvPr id="9" name="תמונה 4"/>
+          <p:cNvPicPr>
+            <a:picLocks noChangeAspect="1"/>
+          </p:cNvPicPr>
+          <p:nvPr/>
+        </p:nvPicPr>
+        <p:blipFill>
+          <a:blip r:embed="rId3">
+            <a:extLst>
+              <a:ext uri="{28A0092B-C50C-407E-A947-70E740481C1C}">
+                <a14:useLocalDpi xmlns:a14="http://schemas.microsoft.com/office/drawing/2010/main" val="0"/>
+              </a:ext>
+            </a:extLst>
+          </a:blip>
+          <a:stretch>
+            <a:fillRect/>
+          </a:stretch>
+        </p:blipFill>
+        <p:spPr>
+          <a:xfrm>
+            <a:off x="6858000" y="3962400"/>
+            <a:ext cx="2057399" cy="2438400"/>
+          </a:xfrm>
+          <a:prstGeom prst="rect">
+            <a:avLst/>
+          </a:prstGeom>
+        </p:spPr>
+      </p:pic>
     </p:spTree>
     <p:extLst>
       <p:ext uri="{BB962C8B-B14F-4D97-AF65-F5344CB8AC3E}">
-        <p14:creationId xmlns:p14="http://schemas.microsoft.com/office/powerpoint/2010/main" val="607593374"/>
+        <p14:creationId xmlns:p14="http://schemas.microsoft.com/office/powerpoint/2010/main" val="3999384803"/>
       </p:ext>
     </p:extLst>
   </p:cSld>
@@ -8258,16 +8669,33 @@
           <a:bodyPr/>
           <a:lstStyle/>
           <a:p>
+            <a:pPr algn="l"/>
+            <a:r>
+              <a:rPr lang="en-US" sz="9600" dirty="0" smtClean="0">
+                <a:latin typeface="+mj-lt"/>
+                <a:cs typeface="Calibri" panose="020F0502020204030204" pitchFamily="34" charset="0"/>
+              </a:rPr>
+              <a:t>		Why </a:t>
+            </a:r>
+          </a:p>
+          <a:p>
             <a:pPr algn="ctr"/>
             <a:r>
+              <a:rPr lang="en-US" sz="9600" dirty="0">
+                <a:latin typeface="+mj-lt"/>
+                <a:cs typeface="Calibri" panose="020F0502020204030204" pitchFamily="34" charset="0"/>
+              </a:rPr>
+              <a:t>	</a:t>
+            </a:r>
+            <a:r>
               <a:rPr lang="en-US" sz="9600" dirty="0" smtClean="0">
-                <a:latin typeface="Calibri" panose="020F0502020204030204" pitchFamily="34" charset="0"/>
+                <a:latin typeface="+mj-lt"/>
                 <a:cs typeface="Calibri" panose="020F0502020204030204" pitchFamily="34" charset="0"/>
               </a:rPr>
-              <a:t>Summary</a:t>
+              <a:t>	Gradle?</a:t>
             </a:r>
             <a:endParaRPr lang="en-US" sz="9600" dirty="0">
-              <a:latin typeface="Calibri" panose="020F0502020204030204" pitchFamily="34" charset="0"/>
+              <a:latin typeface="+mj-lt"/>
               <a:cs typeface="Calibri" panose="020F0502020204030204" pitchFamily="34" charset="0"/>
             </a:endParaRPr>
           </a:p>
@@ -8276,7 +8704,7 @@
     </p:spTree>
     <p:extLst>
       <p:ext uri="{BB962C8B-B14F-4D97-AF65-F5344CB8AC3E}">
-        <p14:creationId xmlns:p14="http://schemas.microsoft.com/office/powerpoint/2010/main" val="891406555"/>
+        <p14:creationId xmlns:p14="http://schemas.microsoft.com/office/powerpoint/2010/main" val="1492429301"/>
       </p:ext>
     </p:extLst>
   </p:cSld>
@@ -8331,11 +8759,1786 @@
           <a:p>
             <a:r>
               <a:rPr lang="en-US" sz="3600" dirty="0" smtClean="0">
+                <a:latin typeface="+mj-lt"/>
+              </a:rPr>
+              <a:t>Gradle - Personal story</a:t>
+            </a:r>
+            <a:endParaRPr dirty="0">
+              <a:latin typeface="+mj-lt"/>
+            </a:endParaRPr>
+          </a:p>
+        </p:txBody>
+      </p:sp>
+      <p:sp>
+        <p:nvSpPr>
+          <p:cNvPr id="109" name="TextShape 2"/>
+          <p:cNvSpPr txBox="1"/>
+          <p:nvPr/>
+        </p:nvSpPr>
+        <p:spPr>
+          <a:xfrm>
+            <a:off x="381000" y="1600200"/>
+            <a:ext cx="8991600" cy="4525560"/>
+          </a:xfrm>
+          <a:prstGeom prst="rect">
+            <a:avLst/>
+          </a:prstGeom>
+        </p:spPr>
+        <p:txBody>
+          <a:bodyPr/>
+          <a:lstStyle/>
+          <a:p>
+            <a:pPr marL="285750" indent="-285750">
+              <a:buSzPct val="45000"/>
+              <a:buFont typeface="Arial" panose="020B0604020202020204" pitchFamily="34" charset="0"/>
+              <a:buChar char="•"/>
+            </a:pPr>
+            <a:r>
+              <a:rPr lang="en-US" dirty="0" smtClean="0"/>
+              <a:t>Worked on a multi-module Maven project containing more than 200 modules</a:t>
+            </a:r>
+          </a:p>
+          <a:p>
+            <a:pPr>
+              <a:buSzPct val="45000"/>
+            </a:pPr>
+            <a:endParaRPr lang="en-US" dirty="0" smtClean="0"/>
+          </a:p>
+          <a:p>
+            <a:pPr marL="285750" indent="-285750">
+              <a:buSzPct val="45000"/>
+              <a:buFont typeface="Arial" panose="020B0604020202020204" pitchFamily="34" charset="0"/>
+              <a:buChar char="•"/>
+            </a:pPr>
+            <a:r>
+              <a:rPr lang="en-US" dirty="0" smtClean="0"/>
+              <a:t>Maven build </a:t>
+            </a:r>
+            <a:r>
+              <a:rPr lang="en-US" dirty="0" smtClean="0"/>
+              <a:t>times:</a:t>
+            </a:r>
+          </a:p>
+          <a:p>
+            <a:pPr marL="742950" lvl="1" indent="-285750">
+              <a:buSzPct val="45000"/>
+              <a:buFont typeface="Wingdings" panose="05000000000000000000" pitchFamily="2" charset="2"/>
+              <a:buChar char="§"/>
+            </a:pPr>
+            <a:r>
+              <a:rPr lang="en-US" dirty="0" smtClean="0"/>
+              <a:t>Full build without tests – </a:t>
+            </a:r>
+            <a:r>
+              <a:rPr lang="en-US" sz="2800" b="1" dirty="0" smtClean="0">
+                <a:solidFill>
+                  <a:srgbClr val="FF0000"/>
+                </a:solidFill>
+              </a:rPr>
+              <a:t>40</a:t>
+            </a:r>
+            <a:r>
+              <a:rPr lang="en-US" sz="2800" b="1" dirty="0" smtClean="0"/>
+              <a:t> </a:t>
+            </a:r>
+            <a:r>
+              <a:rPr lang="en-US" sz="2800" b="1" dirty="0" smtClean="0">
+                <a:solidFill>
+                  <a:srgbClr val="FF0000"/>
+                </a:solidFill>
+              </a:rPr>
+              <a:t>minutes</a:t>
+            </a:r>
+          </a:p>
+          <a:p>
+            <a:pPr marL="742950" lvl="1" indent="-285750">
+              <a:buSzPct val="45000"/>
+              <a:buFont typeface="Wingdings" panose="05000000000000000000" pitchFamily="2" charset="2"/>
+              <a:buChar char="§"/>
+            </a:pPr>
+            <a:r>
+              <a:rPr lang="en-US" dirty="0" smtClean="0"/>
+              <a:t>Full </a:t>
+            </a:r>
+            <a:r>
+              <a:rPr lang="en-US" dirty="0" smtClean="0"/>
+              <a:t>build with unit tests – </a:t>
+            </a:r>
+            <a:r>
+              <a:rPr lang="en-US" sz="2800" b="1" dirty="0" smtClean="0">
+                <a:solidFill>
+                  <a:srgbClr val="FF0000"/>
+                </a:solidFill>
+              </a:rPr>
+              <a:t>50 minutes</a:t>
+            </a:r>
+            <a:endParaRPr lang="en-US" b="1" dirty="0" smtClean="0">
+              <a:solidFill>
+                <a:srgbClr val="FF0000"/>
+              </a:solidFill>
+            </a:endParaRPr>
+          </a:p>
+          <a:p>
+            <a:pPr marL="742950" lvl="1" indent="-285750">
+              <a:buSzPct val="45000"/>
+              <a:buFont typeface="Wingdings" panose="05000000000000000000" pitchFamily="2" charset="2"/>
+              <a:buChar char="§"/>
+            </a:pPr>
+            <a:r>
+              <a:rPr lang="en-US" dirty="0" smtClean="0"/>
+              <a:t>Full build with full tests suite (unit + integration + </a:t>
+            </a:r>
+            <a:r>
+              <a:rPr lang="en-US" dirty="0" err="1" smtClean="0"/>
+              <a:t>async</a:t>
+            </a:r>
+            <a:r>
+              <a:rPr lang="en-US" dirty="0" smtClean="0"/>
+              <a:t>) – </a:t>
+            </a:r>
+            <a:r>
+              <a:rPr lang="en-US" sz="3200" b="1" dirty="0" smtClean="0">
+                <a:solidFill>
+                  <a:srgbClr val="FF0000"/>
+                </a:solidFill>
+              </a:rPr>
+              <a:t>1:30 hours</a:t>
+            </a:r>
+          </a:p>
+          <a:p>
+            <a:pPr marL="285750" indent="-285750">
+              <a:buSzPct val="45000"/>
+              <a:buFont typeface="Arial" panose="020B0604020202020204" pitchFamily="34" charset="0"/>
+              <a:buChar char="•"/>
+            </a:pPr>
+            <a:endParaRPr lang="en-US" dirty="0" smtClean="0"/>
+          </a:p>
+          <a:p>
+            <a:pPr marL="285750" indent="-285750">
+              <a:buSzPct val="45000"/>
+              <a:buFont typeface="Arial" panose="020B0604020202020204" pitchFamily="34" charset="0"/>
+              <a:buChar char="•"/>
+            </a:pPr>
+            <a:r>
+              <a:rPr lang="en-US" dirty="0" smtClean="0"/>
+              <a:t>Hybrid Gradle + Maven build time - </a:t>
+            </a:r>
+            <a:r>
+              <a:rPr lang="en-US" sz="3200" b="1" dirty="0" smtClean="0">
+                <a:solidFill>
+                  <a:srgbClr val="00B050"/>
+                </a:solidFill>
+              </a:rPr>
+              <a:t>~12 minutes</a:t>
+            </a:r>
+          </a:p>
+          <a:p>
+            <a:pPr>
+              <a:buSzPct val="45000"/>
+            </a:pPr>
+            <a:endParaRPr lang="en-US" dirty="0" smtClean="0"/>
+          </a:p>
+          <a:p>
+            <a:pPr marL="285750" indent="-285750">
+              <a:buSzPct val="45000"/>
+              <a:buFont typeface="Arial" panose="020B0604020202020204" pitchFamily="34" charset="0"/>
+              <a:buChar char="•"/>
+            </a:pPr>
+            <a:r>
+              <a:rPr lang="en-US" dirty="0" smtClean="0"/>
+              <a:t>Example code is hosted on </a:t>
+            </a:r>
+            <a:r>
+              <a:rPr lang="en-US" dirty="0" smtClean="0">
+                <a:hlinkClick r:id="rId2"/>
+              </a:rPr>
+              <a:t>Github</a:t>
+            </a:r>
+            <a:r>
+              <a:rPr lang="en-US" dirty="0" smtClean="0"/>
+              <a:t>.</a:t>
+            </a:r>
+          </a:p>
+        </p:txBody>
+      </p:sp>
+    </p:spTree>
+    <p:extLst>
+      <p:ext uri="{BB962C8B-B14F-4D97-AF65-F5344CB8AC3E}">
+        <p14:creationId xmlns:p14="http://schemas.microsoft.com/office/powerpoint/2010/main" val="3481167008"/>
+      </p:ext>
+    </p:extLst>
+  </p:cSld>
+  <p:clrMapOvr>
+    <a:masterClrMapping/>
+  </p:clrMapOvr>
+  <p:timing>
+    <p:tnLst>
+      <p:par>
+        <p:cTn id="1" dur="indefinite" restart="never" nodeType="tmRoot"/>
+      </p:par>
+    </p:tnLst>
+  </p:timing>
+</p:sld>
+</file>
+
+<file path=ppt/slides/slide23.xml><?xml version="1.0" encoding="utf-8"?>
+<p:sld xmlns:a="http://schemas.openxmlformats.org/drawingml/2006/main" xmlns:r="http://schemas.openxmlformats.org/officeDocument/2006/relationships" xmlns:p="http://schemas.openxmlformats.org/presentationml/2006/main" show="0">
+  <p:cSld>
+    <p:spTree>
+      <p:nvGrpSpPr>
+        <p:cNvPr id="1" name=""/>
+        <p:cNvGrpSpPr/>
+        <p:nvPr/>
+      </p:nvGrpSpPr>
+      <p:grpSpPr>
+        <a:xfrm>
+          <a:off x="0" y="0"/>
+          <a:ext cx="0" cy="0"/>
+          <a:chOff x="0" y="0"/>
+          <a:chExt cx="0" cy="0"/>
+        </a:xfrm>
+      </p:grpSpPr>
+      <p:sp>
+        <p:nvSpPr>
+          <p:cNvPr id="105" name="TextShape 1"/>
+          <p:cNvSpPr txBox="1"/>
+          <p:nvPr/>
+        </p:nvSpPr>
+        <p:spPr>
+          <a:xfrm>
+            <a:off x="457200" y="274680"/>
+            <a:ext cx="8229240" cy="1142640"/>
+          </a:xfrm>
+          <a:prstGeom prst="rect">
+            <a:avLst/>
+          </a:prstGeom>
+        </p:spPr>
+        <p:txBody>
+          <a:bodyPr anchor="ctr"/>
+          <a:lstStyle/>
+          <a:p>
+            <a:r>
+              <a:rPr lang="en-US" sz="3600" dirty="0" smtClean="0">
                 <a:latin typeface="Calibri"/>
               </a:rPr>
+              <a:t>Gradle - Overview</a:t>
+            </a:r>
+            <a:endParaRPr dirty="0"/>
+          </a:p>
+        </p:txBody>
+      </p:sp>
+      <p:sp>
+        <p:nvSpPr>
+          <p:cNvPr id="106" name="TextShape 2"/>
+          <p:cNvSpPr txBox="1"/>
+          <p:nvPr/>
+        </p:nvSpPr>
+        <p:spPr>
+          <a:xfrm>
+            <a:off x="457200" y="1600200"/>
+            <a:ext cx="8229240" cy="4525560"/>
+          </a:xfrm>
+          <a:prstGeom prst="rect">
+            <a:avLst/>
+          </a:prstGeom>
+        </p:spPr>
+        <p:txBody>
+          <a:bodyPr/>
+          <a:lstStyle/>
+          <a:p>
+            <a:pPr marL="457200" indent="-457200">
+              <a:buSzPct val="45000"/>
+              <a:buFont typeface="Arial" panose="020B0604020202020204" pitchFamily="34" charset="0"/>
+              <a:buChar char="•"/>
+            </a:pPr>
+            <a:r>
+              <a:rPr lang="en-US" sz="2400" dirty="0">
+                <a:latin typeface="Calibri"/>
+              </a:rPr>
+              <a:t>First released in 2009</a:t>
+            </a:r>
+            <a:endParaRPr sz="1600" dirty="0"/>
+          </a:p>
+          <a:p>
+            <a:pPr marL="457200" indent="-457200">
+              <a:buSzPct val="45000"/>
+              <a:buFont typeface="Arial" panose="020B0604020202020204" pitchFamily="34" charset="0"/>
+              <a:buChar char="•"/>
+            </a:pPr>
+            <a:r>
+              <a:rPr lang="en-US" sz="2400" dirty="0">
+                <a:latin typeface="Calibri"/>
+              </a:rPr>
+              <a:t>Project automation </a:t>
+            </a:r>
+            <a:r>
+              <a:rPr lang="en-US" sz="2400" dirty="0" smtClean="0">
+                <a:latin typeface="Calibri"/>
+              </a:rPr>
+              <a:t>tool</a:t>
+            </a:r>
+          </a:p>
+          <a:p>
+            <a:pPr marL="457200" indent="-457200">
+              <a:buSzPct val="45000"/>
+              <a:buFont typeface="Arial" panose="020B0604020202020204" pitchFamily="34" charset="0"/>
+              <a:buChar char="•"/>
+            </a:pPr>
+            <a:r>
+              <a:rPr lang="en-US" sz="2400" dirty="0" smtClean="0">
+                <a:latin typeface="Calibri"/>
+              </a:rPr>
+              <a:t>Builds </a:t>
+            </a:r>
+            <a:r>
+              <a:rPr lang="en-US" sz="2400" dirty="0">
+                <a:latin typeface="Calibri"/>
+              </a:rPr>
+              <a:t>upon the concepts of Maven and </a:t>
+            </a:r>
+            <a:r>
+              <a:rPr lang="en-US" sz="2400" dirty="0" smtClean="0">
+                <a:latin typeface="Calibri"/>
+              </a:rPr>
+              <a:t>Ant</a:t>
+            </a:r>
+          </a:p>
+          <a:p>
+            <a:pPr marL="457200" indent="-457200">
+              <a:buSzPct val="45000"/>
+              <a:buFont typeface="Arial" panose="020B0604020202020204" pitchFamily="34" charset="0"/>
+              <a:buChar char="•"/>
+            </a:pPr>
+            <a:r>
+              <a:rPr lang="en-US" sz="2400" dirty="0" smtClean="0">
+                <a:latin typeface="Calibri"/>
+              </a:rPr>
+              <a:t>Declarative as well as imperative</a:t>
+            </a:r>
+            <a:endParaRPr sz="1600" dirty="0"/>
+          </a:p>
+          <a:p>
+            <a:pPr marL="457200" indent="-457200">
+              <a:buSzPct val="45000"/>
+              <a:buFont typeface="Arial" panose="020B0604020202020204" pitchFamily="34" charset="0"/>
+              <a:buChar char="•"/>
+            </a:pPr>
+            <a:r>
+              <a:rPr lang="en-US" sz="2400" dirty="0" smtClean="0">
+                <a:latin typeface="Calibri"/>
+              </a:rPr>
+              <a:t>Files </a:t>
+            </a:r>
+            <a:r>
+              <a:rPr lang="en-US" sz="2400" dirty="0">
+                <a:latin typeface="Calibri"/>
+              </a:rPr>
+              <a:t>are written in Groovy using a dedicated DSL</a:t>
+            </a:r>
+            <a:endParaRPr sz="1600" dirty="0"/>
+          </a:p>
+        </p:txBody>
+      </p:sp>
+      <p:pic>
+        <p:nvPicPr>
+          <p:cNvPr id="107" name="Picture 2"/>
+          <p:cNvPicPr/>
+          <p:nvPr/>
+        </p:nvPicPr>
+        <p:blipFill>
+          <a:blip r:embed="rId2"/>
+          <a:stretch>
+            <a:fillRect/>
+          </a:stretch>
+        </p:blipFill>
+        <p:spPr>
+          <a:xfrm>
+            <a:off x="6818280" y="4988280"/>
+            <a:ext cx="1944720" cy="1641120"/>
+          </a:xfrm>
+          <a:prstGeom prst="rect">
+            <a:avLst/>
+          </a:prstGeom>
+          <a:noFill/>
+          <a:ln>
+            <a:solidFill>
+              <a:schemeClr val="accent1"/>
+            </a:solidFill>
+          </a:ln>
+        </p:spPr>
+      </p:pic>
+    </p:spTree>
+  </p:cSld>
+  <p:clrMapOvr>
+    <a:masterClrMapping/>
+  </p:clrMapOvr>
+  <mc:AlternateContent xmlns:mc="http://schemas.openxmlformats.org/markup-compatibility/2006">
+    <mc:Choice xmlns:p14="http://schemas.microsoft.com/office/powerpoint/2010/main" Requires="p14">
+      <p:transition spd="slow" p14:dur="2000"/>
+    </mc:Choice>
+    <mc:Fallback>
+      <p:transition spd="slow"/>
+    </mc:Fallback>
+  </mc:AlternateContent>
+  <p:timing>
+    <p:tnLst>
+      <p:par>
+        <p:cTn id="1" dur="indefinite" restart="never" nodeType="tmRoot">
+          <p:childTnLst>
+            <p:seq>
+              <p:cTn id="2" nodeType="mainSeq"/>
+              <p:prevCondLst>
+                <p:cond evt="onPrev" delay="0">
+                  <p:tgtEl>
+                    <p:sldTgt/>
+                  </p:tgtEl>
+                </p:cond>
+              </p:prevCondLst>
+              <p:nextCondLst>
+                <p:cond evt="onNext" delay="0">
+                  <p:tgtEl>
+                    <p:sldTgt/>
+                  </p:tgtEl>
+                </p:cond>
+              </p:nextCondLst>
+            </p:seq>
+          </p:childTnLst>
+        </p:cTn>
+      </p:par>
+    </p:tnLst>
+  </p:timing>
+</p:sld>
+</file>
+
+<file path=ppt/slides/slide24.xml><?xml version="1.0" encoding="utf-8"?>
+<p:sld xmlns:a="http://schemas.openxmlformats.org/drawingml/2006/main" xmlns:r="http://schemas.openxmlformats.org/officeDocument/2006/relationships" xmlns:p="http://schemas.openxmlformats.org/presentationml/2006/main">
+  <p:cSld>
+    <p:spTree>
+      <p:nvGrpSpPr>
+        <p:cNvPr id="1" name=""/>
+        <p:cNvGrpSpPr/>
+        <p:nvPr/>
+      </p:nvGrpSpPr>
+      <p:grpSpPr>
+        <a:xfrm>
+          <a:off x="0" y="0"/>
+          <a:ext cx="0" cy="0"/>
+          <a:chOff x="0" y="0"/>
+          <a:chExt cx="0" cy="0"/>
+        </a:xfrm>
+      </p:grpSpPr>
+      <p:sp>
+        <p:nvSpPr>
+          <p:cNvPr id="105" name="TextShape 1"/>
+          <p:cNvSpPr txBox="1"/>
+          <p:nvPr/>
+        </p:nvSpPr>
+        <p:spPr>
+          <a:xfrm>
+            <a:off x="457200" y="274680"/>
+            <a:ext cx="8229240" cy="1142640"/>
+          </a:xfrm>
+          <a:prstGeom prst="rect">
+            <a:avLst/>
+          </a:prstGeom>
+        </p:spPr>
+        <p:txBody>
+          <a:bodyPr anchor="ctr"/>
+          <a:lstStyle/>
+          <a:p>
+            <a:r>
+              <a:rPr lang="en-US" sz="3600" dirty="0" smtClean="0">
+                <a:latin typeface="+mj-lt"/>
+              </a:rPr>
+              <a:t>Gradle - Overview</a:t>
+            </a:r>
+            <a:endParaRPr dirty="0">
+              <a:latin typeface="+mj-lt"/>
+            </a:endParaRPr>
+          </a:p>
+        </p:txBody>
+      </p:sp>
+      <p:sp>
+        <p:nvSpPr>
+          <p:cNvPr id="106" name="TextShape 2"/>
+          <p:cNvSpPr txBox="1"/>
+          <p:nvPr/>
+        </p:nvSpPr>
+        <p:spPr>
+          <a:xfrm>
+            <a:off x="457200" y="1600200"/>
+            <a:ext cx="8229240" cy="4525560"/>
+          </a:xfrm>
+          <a:prstGeom prst="rect">
+            <a:avLst/>
+          </a:prstGeom>
+        </p:spPr>
+        <p:txBody>
+          <a:bodyPr/>
+          <a:lstStyle/>
+          <a:p>
+            <a:pPr marL="457200" indent="-457200">
+              <a:buSzPct val="45000"/>
+              <a:buFont typeface="Arial" panose="020B0604020202020204" pitchFamily="34" charset="0"/>
+              <a:buChar char="•"/>
+            </a:pPr>
+            <a:r>
+              <a:rPr lang="en-US" sz="2400" dirty="0"/>
+              <a:t>First released in </a:t>
+            </a:r>
+            <a:r>
+              <a:rPr lang="en-US" sz="2400" dirty="0" smtClean="0"/>
+              <a:t>2009</a:t>
+            </a:r>
+          </a:p>
+          <a:p>
+            <a:pPr>
+              <a:buSzPct val="45000"/>
+            </a:pPr>
+            <a:endParaRPr sz="1200" dirty="0"/>
+          </a:p>
+          <a:p>
+            <a:pPr marL="457200" indent="-457200">
+              <a:buSzPct val="45000"/>
+              <a:buFont typeface="Arial" panose="020B0604020202020204" pitchFamily="34" charset="0"/>
+              <a:buChar char="•"/>
+            </a:pPr>
+            <a:r>
+              <a:rPr lang="en-US" sz="2400" dirty="0"/>
+              <a:t>Project automation </a:t>
+            </a:r>
+            <a:r>
+              <a:rPr lang="en-US" sz="2400" dirty="0" smtClean="0"/>
+              <a:t>tool</a:t>
+            </a:r>
+          </a:p>
+          <a:p>
+            <a:pPr>
+              <a:buSzPct val="45000"/>
+            </a:pPr>
+            <a:endParaRPr lang="en-US" sz="1200" dirty="0" smtClean="0"/>
+          </a:p>
+          <a:p>
+            <a:pPr marL="457200" indent="-457200">
+              <a:buSzPct val="45000"/>
+              <a:buFont typeface="Arial" panose="020B0604020202020204" pitchFamily="34" charset="0"/>
+              <a:buChar char="•"/>
+            </a:pPr>
+            <a:r>
+              <a:rPr lang="en-US" sz="2400" dirty="0" smtClean="0"/>
+              <a:t>Builds </a:t>
+            </a:r>
+            <a:r>
+              <a:rPr lang="en-US" sz="2400" dirty="0"/>
+              <a:t>upon the concepts of Maven and </a:t>
+            </a:r>
+            <a:r>
+              <a:rPr lang="en-US" sz="2400" dirty="0" smtClean="0"/>
+              <a:t>Ant</a:t>
+            </a:r>
+          </a:p>
+          <a:p>
+            <a:pPr>
+              <a:buSzPct val="45000"/>
+            </a:pPr>
+            <a:endParaRPr lang="en-US" sz="1200" dirty="0" smtClean="0"/>
+          </a:p>
+          <a:p>
+            <a:pPr marL="457200" indent="-457200">
+              <a:buSzPct val="45000"/>
+              <a:buFont typeface="Arial" panose="020B0604020202020204" pitchFamily="34" charset="0"/>
+              <a:buChar char="•"/>
+            </a:pPr>
+            <a:r>
+              <a:rPr lang="en-US" sz="2400" dirty="0" smtClean="0"/>
+              <a:t>Declarative as well as </a:t>
+            </a:r>
+            <a:r>
+              <a:rPr lang="en-US" sz="2400" dirty="0" smtClean="0"/>
+              <a:t>imperative</a:t>
+            </a:r>
+          </a:p>
+          <a:p>
+            <a:pPr>
+              <a:buSzPct val="45000"/>
+            </a:pPr>
+            <a:endParaRPr sz="1200" dirty="0"/>
+          </a:p>
+          <a:p>
+            <a:pPr marL="457200" indent="-457200">
+              <a:buSzPct val="45000"/>
+              <a:buFont typeface="Arial" panose="020B0604020202020204" pitchFamily="34" charset="0"/>
+              <a:buChar char="•"/>
+            </a:pPr>
+            <a:r>
+              <a:rPr lang="en-US" sz="2400" dirty="0" smtClean="0"/>
+              <a:t>Files </a:t>
+            </a:r>
+            <a:r>
+              <a:rPr lang="en-US" sz="2400" dirty="0"/>
+              <a:t>are written in Groovy using a dedicated DSL</a:t>
+            </a:r>
+            <a:endParaRPr sz="1600" dirty="0"/>
+          </a:p>
+        </p:txBody>
+      </p:sp>
+      <p:pic>
+        <p:nvPicPr>
+          <p:cNvPr id="3" name="תמונה 2"/>
+          <p:cNvPicPr>
+            <a:picLocks noChangeAspect="1"/>
+          </p:cNvPicPr>
+          <p:nvPr/>
+        </p:nvPicPr>
+        <p:blipFill>
+          <a:blip r:embed="rId2">
+            <a:extLst>
+              <a:ext uri="{28A0092B-C50C-407E-A947-70E740481C1C}">
+                <a14:useLocalDpi xmlns:a14="http://schemas.microsoft.com/office/drawing/2010/main" val="0"/>
+              </a:ext>
+            </a:extLst>
+          </a:blip>
+          <a:stretch>
+            <a:fillRect/>
+          </a:stretch>
+        </p:blipFill>
+        <p:spPr>
+          <a:xfrm>
+            <a:off x="6819629" y="4988280"/>
+            <a:ext cx="1943371" cy="1644385"/>
+          </a:xfrm>
+          <a:prstGeom prst="rect">
+            <a:avLst/>
+          </a:prstGeom>
+        </p:spPr>
+      </p:pic>
+    </p:spTree>
+    <p:extLst>
+      <p:ext uri="{BB962C8B-B14F-4D97-AF65-F5344CB8AC3E}">
+        <p14:creationId xmlns:p14="http://schemas.microsoft.com/office/powerpoint/2010/main" val="1684640444"/>
+      </p:ext>
+    </p:extLst>
+  </p:cSld>
+  <p:clrMapOvr>
+    <a:masterClrMapping/>
+  </p:clrMapOvr>
+  <p:timing>
+    <p:tnLst>
+      <p:par>
+        <p:cTn id="1" dur="indefinite" restart="never" nodeType="tmRoot">
+          <p:childTnLst>
+            <p:seq>
+              <p:cTn id="2" nodeType="mainSeq"/>
+              <p:prevCondLst>
+                <p:cond evt="onPrev" delay="0">
+                  <p:tgtEl>
+                    <p:sldTgt/>
+                  </p:tgtEl>
+                </p:cond>
+              </p:prevCondLst>
+              <p:nextCondLst>
+                <p:cond evt="onNext" delay="0">
+                  <p:tgtEl>
+                    <p:sldTgt/>
+                  </p:tgtEl>
+                </p:cond>
+              </p:nextCondLst>
+            </p:seq>
+          </p:childTnLst>
+        </p:cTn>
+      </p:par>
+    </p:tnLst>
+  </p:timing>
+</p:sld>
+</file>
+
+<file path=ppt/slides/slide25.xml><?xml version="1.0" encoding="utf-8"?>
+<p:sld xmlns:a="http://schemas.openxmlformats.org/drawingml/2006/main" xmlns:r="http://schemas.openxmlformats.org/officeDocument/2006/relationships" xmlns:p="http://schemas.openxmlformats.org/presentationml/2006/main">
+  <p:cSld>
+    <p:spTree>
+      <p:nvGrpSpPr>
+        <p:cNvPr id="1" name=""/>
+        <p:cNvGrpSpPr/>
+        <p:nvPr/>
+      </p:nvGrpSpPr>
+      <p:grpSpPr>
+        <a:xfrm>
+          <a:off x="0" y="0"/>
+          <a:ext cx="0" cy="0"/>
+          <a:chOff x="0" y="0"/>
+          <a:chExt cx="0" cy="0"/>
+        </a:xfrm>
+      </p:grpSpPr>
+      <p:sp>
+        <p:nvSpPr>
+          <p:cNvPr id="108" name="TextShape 1"/>
+          <p:cNvSpPr txBox="1"/>
+          <p:nvPr/>
+        </p:nvSpPr>
+        <p:spPr>
+          <a:xfrm>
+            <a:off x="457200" y="274680"/>
+            <a:ext cx="8229240" cy="1142640"/>
+          </a:xfrm>
+          <a:prstGeom prst="rect">
+            <a:avLst/>
+          </a:prstGeom>
+        </p:spPr>
+        <p:txBody>
+          <a:bodyPr anchor="ctr"/>
+          <a:lstStyle/>
+          <a:p>
+            <a:r>
+              <a:rPr lang="en-US" sz="3600" dirty="0">
+                <a:latin typeface="+mj-lt"/>
+              </a:rPr>
+              <a:t>Gradle </a:t>
+            </a:r>
+            <a:r>
+              <a:rPr lang="en-US" sz="3600" dirty="0" smtClean="0">
+                <a:latin typeface="+mj-lt"/>
+              </a:rPr>
+              <a:t>–java </a:t>
+            </a:r>
+            <a:r>
+              <a:rPr lang="en-US" sz="3600" dirty="0" smtClean="0">
+                <a:latin typeface="+mj-lt"/>
+              </a:rPr>
+              <a:t>module </a:t>
+            </a:r>
+            <a:r>
+              <a:rPr lang="en-US" sz="3600" dirty="0" smtClean="0">
+                <a:latin typeface="+mj-lt"/>
+              </a:rPr>
+              <a:t>build file</a:t>
+            </a:r>
+            <a:endParaRPr dirty="0">
+              <a:latin typeface="+mj-lt"/>
+            </a:endParaRPr>
+          </a:p>
+        </p:txBody>
+      </p:sp>
+      <p:sp>
+        <p:nvSpPr>
+          <p:cNvPr id="109" name="TextShape 2"/>
+          <p:cNvSpPr txBox="1"/>
+          <p:nvPr/>
+        </p:nvSpPr>
+        <p:spPr>
+          <a:xfrm>
+            <a:off x="152400" y="1760580"/>
+            <a:ext cx="4267200" cy="4525560"/>
+          </a:xfrm>
+          <a:prstGeom prst="rect">
+            <a:avLst/>
+          </a:prstGeom>
+        </p:spPr>
+        <p:txBody>
+          <a:bodyPr/>
+          <a:lstStyle/>
+          <a:p>
+            <a:pPr>
+              <a:buSzPct val="45000"/>
+            </a:pPr>
+            <a:r>
+              <a:rPr lang="en-US" sz="2000" dirty="0"/>
+              <a:t>apply plugin: 'java'</a:t>
+            </a:r>
+            <a:endParaRPr sz="2000" dirty="0"/>
+          </a:p>
+          <a:p>
+            <a:pPr>
+              <a:buSzPct val="45000"/>
+              <a:buFont typeface="StarSymbol"/>
+              <a:buChar char=""/>
+            </a:pPr>
+            <a:endParaRPr sz="2000" dirty="0"/>
+          </a:p>
+          <a:p>
+            <a:pPr>
+              <a:buSzPct val="45000"/>
+            </a:pPr>
+            <a:r>
+              <a:rPr lang="en-US" sz="2000" dirty="0">
+                <a:solidFill>
+                  <a:srgbClr val="00B0F0"/>
+                </a:solidFill>
+              </a:rPr>
+              <a:t>group = </a:t>
+            </a:r>
+            <a:r>
+              <a:rPr lang="en-US" sz="2000" dirty="0" smtClean="0">
+                <a:solidFill>
+                  <a:srgbClr val="00B0F0"/>
+                </a:solidFill>
+              </a:rPr>
+              <a:t>'</a:t>
+            </a:r>
+            <a:r>
+              <a:rPr lang="en-US" sz="2000" dirty="0" err="1" smtClean="0">
+                <a:solidFill>
+                  <a:srgbClr val="00B0F0"/>
+                </a:solidFill>
+              </a:rPr>
+              <a:t>org.gradleintro</a:t>
+            </a:r>
+            <a:r>
+              <a:rPr lang="en-US" sz="2000" dirty="0" smtClean="0">
+                <a:solidFill>
+                  <a:srgbClr val="00B0F0"/>
+                </a:solidFill>
+              </a:rPr>
+              <a:t>'</a:t>
+            </a:r>
+            <a:endParaRPr sz="2000" dirty="0">
+              <a:solidFill>
+                <a:srgbClr val="00B0F0"/>
+              </a:solidFill>
+            </a:endParaRPr>
+          </a:p>
+          <a:p>
+            <a:pPr>
+              <a:buSzPct val="45000"/>
+            </a:pPr>
+            <a:r>
+              <a:rPr lang="en-US" sz="2000" dirty="0">
+                <a:solidFill>
+                  <a:srgbClr val="00B0F0"/>
+                </a:solidFill>
+              </a:rPr>
+              <a:t>version = '1.0-SNAPSHOT'</a:t>
+            </a:r>
+            <a:endParaRPr sz="2000" dirty="0">
+              <a:solidFill>
+                <a:srgbClr val="00B0F0"/>
+              </a:solidFill>
+            </a:endParaRPr>
+          </a:p>
+          <a:p>
+            <a:pPr>
+              <a:buSzPct val="45000"/>
+              <a:buFont typeface="StarSymbol"/>
+              <a:buChar char=""/>
+            </a:pPr>
+            <a:endParaRPr sz="2000" dirty="0"/>
+          </a:p>
+          <a:p>
+            <a:pPr>
+              <a:buSzPct val="45000"/>
+            </a:pPr>
+            <a:r>
+              <a:rPr lang="en-US" sz="2000" dirty="0">
+                <a:solidFill>
+                  <a:srgbClr val="0070C0"/>
+                </a:solidFill>
+              </a:rPr>
+              <a:t>dependencies {</a:t>
+            </a:r>
+            <a:endParaRPr sz="2000" dirty="0">
+              <a:solidFill>
+                <a:srgbClr val="0070C0"/>
+              </a:solidFill>
+            </a:endParaRPr>
+          </a:p>
+          <a:p>
+            <a:pPr lvl="1">
+              <a:buSzPct val="75000"/>
+            </a:pPr>
+            <a:r>
+              <a:rPr lang="en-US" sz="2000" dirty="0" err="1">
+                <a:solidFill>
+                  <a:srgbClr val="0070C0"/>
+                </a:solidFill>
+              </a:rPr>
+              <a:t>testCompile</a:t>
+            </a:r>
+            <a:r>
+              <a:rPr lang="en-US" sz="2000" dirty="0">
+                <a:solidFill>
+                  <a:srgbClr val="0070C0"/>
+                </a:solidFill>
+              </a:rPr>
+              <a:t> 'junit:junit:4.11'</a:t>
+            </a:r>
+            <a:endParaRPr sz="2000" dirty="0">
+              <a:solidFill>
+                <a:srgbClr val="0070C0"/>
+              </a:solidFill>
+            </a:endParaRPr>
+          </a:p>
+          <a:p>
+            <a:pPr>
+              <a:buSzPct val="45000"/>
+            </a:pPr>
+            <a:r>
+              <a:rPr lang="en-US" sz="2000" dirty="0">
+                <a:solidFill>
+                  <a:srgbClr val="0070C0"/>
+                </a:solidFill>
+              </a:rPr>
+              <a:t>}</a:t>
+            </a:r>
+            <a:endParaRPr sz="2000" dirty="0">
+              <a:solidFill>
+                <a:srgbClr val="0070C0"/>
+              </a:solidFill>
+            </a:endParaRPr>
+          </a:p>
+        </p:txBody>
+      </p:sp>
+      <p:sp>
+        <p:nvSpPr>
+          <p:cNvPr id="15" name="TextShape 2"/>
+          <p:cNvSpPr txBox="1"/>
+          <p:nvPr/>
+        </p:nvSpPr>
+        <p:spPr>
+          <a:xfrm>
+            <a:off x="4273685" y="1760580"/>
+            <a:ext cx="4876800" cy="5943600"/>
+          </a:xfrm>
+          <a:prstGeom prst="rect">
+            <a:avLst/>
+          </a:prstGeom>
+        </p:spPr>
+        <p:txBody>
+          <a:bodyPr/>
+          <a:lstStyle/>
+          <a:p>
+            <a:pPr>
+              <a:buSzPct val="45000"/>
+            </a:pPr>
+            <a:r>
+              <a:rPr lang="en-US" sz="2000" dirty="0"/>
+              <a:t>&lt;</a:t>
+            </a:r>
+            <a:r>
+              <a:rPr lang="en-US" sz="2000" dirty="0" smtClean="0"/>
+              <a:t>project&gt;</a:t>
+            </a:r>
+            <a:endParaRPr sz="2000" dirty="0"/>
+          </a:p>
+          <a:p>
+            <a:pPr>
+              <a:buSzPct val="45000"/>
+            </a:pPr>
+            <a:r>
+              <a:rPr lang="en-US" sz="2000" dirty="0"/>
+              <a:t>    </a:t>
+            </a:r>
+            <a:r>
+              <a:rPr lang="en-US" sz="2000" dirty="0" smtClean="0"/>
+              <a:t>…</a:t>
+            </a:r>
+            <a:endParaRPr sz="2000" dirty="0"/>
+          </a:p>
+          <a:p>
+            <a:pPr>
+              <a:buSzPct val="45000"/>
+            </a:pPr>
+            <a:r>
+              <a:rPr lang="en-US" sz="2000" dirty="0"/>
+              <a:t>    </a:t>
+            </a:r>
+            <a:r>
+              <a:rPr lang="en-US" sz="2000" dirty="0">
+                <a:solidFill>
+                  <a:srgbClr val="00B0F0"/>
+                </a:solidFill>
+              </a:rPr>
+              <a:t>&lt;</a:t>
+            </a:r>
+            <a:r>
+              <a:rPr lang="en-US" sz="2000" dirty="0" err="1" smtClean="0">
+                <a:solidFill>
+                  <a:srgbClr val="00B0F0"/>
+                </a:solidFill>
+              </a:rPr>
+              <a:t>groupId</a:t>
+            </a:r>
+            <a:r>
+              <a:rPr lang="en-US" sz="2000" dirty="0" smtClean="0">
+                <a:solidFill>
+                  <a:srgbClr val="00B0F0"/>
+                </a:solidFill>
+              </a:rPr>
+              <a:t>&gt;</a:t>
+            </a:r>
+            <a:r>
+              <a:rPr lang="en-US" sz="2000" dirty="0" err="1" smtClean="0">
+                <a:solidFill>
+                  <a:srgbClr val="00B0F0"/>
+                </a:solidFill>
+              </a:rPr>
+              <a:t>org.gradleintro</a:t>
+            </a:r>
+            <a:r>
+              <a:rPr lang="en-US" sz="2000" dirty="0" smtClean="0">
+                <a:solidFill>
+                  <a:srgbClr val="00B0F0"/>
+                </a:solidFill>
+              </a:rPr>
+              <a:t>&lt;/</a:t>
+            </a:r>
+            <a:r>
+              <a:rPr lang="en-US" sz="2000" dirty="0" err="1">
+                <a:solidFill>
+                  <a:srgbClr val="00B0F0"/>
+                </a:solidFill>
+              </a:rPr>
+              <a:t>groupId</a:t>
+            </a:r>
+            <a:r>
+              <a:rPr lang="en-US" sz="2000" dirty="0">
+                <a:solidFill>
+                  <a:srgbClr val="00B0F0"/>
+                </a:solidFill>
+              </a:rPr>
+              <a:t>&gt;</a:t>
+            </a:r>
+            <a:endParaRPr sz="2000" dirty="0">
+              <a:solidFill>
+                <a:srgbClr val="00B0F0"/>
+              </a:solidFill>
+            </a:endParaRPr>
+          </a:p>
+          <a:p>
+            <a:pPr>
+              <a:buSzPct val="45000"/>
+            </a:pPr>
+            <a:r>
+              <a:rPr lang="en-US" sz="2000" dirty="0">
+                <a:solidFill>
+                  <a:srgbClr val="00B0F0"/>
+                </a:solidFill>
+              </a:rPr>
+              <a:t>    &lt;</a:t>
+            </a:r>
+            <a:r>
+              <a:rPr lang="en-US" sz="2000" dirty="0" err="1">
+                <a:solidFill>
+                  <a:srgbClr val="00B0F0"/>
+                </a:solidFill>
+              </a:rPr>
+              <a:t>artifactId</a:t>
+            </a:r>
+            <a:r>
+              <a:rPr lang="en-US" sz="2000" dirty="0">
+                <a:solidFill>
+                  <a:srgbClr val="00B0F0"/>
+                </a:solidFill>
+              </a:rPr>
+              <a:t>&gt;example&lt;/</a:t>
+            </a:r>
+            <a:r>
+              <a:rPr lang="en-US" sz="2000" dirty="0" err="1">
+                <a:solidFill>
+                  <a:srgbClr val="00B0F0"/>
+                </a:solidFill>
+              </a:rPr>
+              <a:t>artifactId</a:t>
+            </a:r>
+            <a:r>
+              <a:rPr lang="en-US" sz="2000" dirty="0">
+                <a:solidFill>
+                  <a:srgbClr val="00B0F0"/>
+                </a:solidFill>
+              </a:rPr>
+              <a:t>&gt;</a:t>
+            </a:r>
+            <a:endParaRPr sz="2000" dirty="0">
+              <a:solidFill>
+                <a:srgbClr val="00B0F0"/>
+              </a:solidFill>
+            </a:endParaRPr>
+          </a:p>
+          <a:p>
+            <a:pPr>
+              <a:buSzPct val="45000"/>
+            </a:pPr>
+            <a:r>
+              <a:rPr lang="en-US" sz="2000" dirty="0">
+                <a:solidFill>
+                  <a:srgbClr val="00B0F0"/>
+                </a:solidFill>
+              </a:rPr>
+              <a:t>    &lt;version&gt;1.0-SNAPSHOT&lt;/version&gt;</a:t>
+            </a:r>
+            <a:endParaRPr sz="2000" dirty="0">
+              <a:solidFill>
+                <a:srgbClr val="00B0F0"/>
+              </a:solidFill>
+            </a:endParaRPr>
+          </a:p>
+          <a:p>
+            <a:pPr>
+              <a:buSzPct val="45000"/>
+            </a:pPr>
+            <a:r>
+              <a:rPr lang="en-US" sz="2000" dirty="0">
+                <a:solidFill>
+                  <a:srgbClr val="00B0F0"/>
+                </a:solidFill>
+              </a:rPr>
+              <a:t>    &lt;packaging&gt;jar&lt;/packaging&gt;</a:t>
+            </a:r>
+            <a:endParaRPr sz="2000" dirty="0">
+              <a:solidFill>
+                <a:srgbClr val="00B0F0"/>
+              </a:solidFill>
+            </a:endParaRPr>
+          </a:p>
+          <a:p>
+            <a:pPr>
+              <a:buSzPct val="45000"/>
+            </a:pPr>
+            <a:endParaRPr lang="en-US" sz="2000" dirty="0" smtClean="0"/>
+          </a:p>
+          <a:p>
+            <a:pPr>
+              <a:buSzPct val="45000"/>
+            </a:pPr>
+            <a:r>
+              <a:rPr lang="en-US" sz="2000" dirty="0" smtClean="0"/>
+              <a:t>    </a:t>
+            </a:r>
+            <a:r>
+              <a:rPr lang="en-US" sz="2000" dirty="0" smtClean="0">
+                <a:solidFill>
+                  <a:srgbClr val="0070C0"/>
+                </a:solidFill>
+              </a:rPr>
+              <a:t>&lt;</a:t>
+            </a:r>
+            <a:r>
+              <a:rPr lang="en-US" sz="2000" dirty="0">
+                <a:solidFill>
+                  <a:srgbClr val="0070C0"/>
+                </a:solidFill>
+              </a:rPr>
+              <a:t>dependencies&gt;</a:t>
+            </a:r>
+            <a:endParaRPr sz="2000" dirty="0">
+              <a:solidFill>
+                <a:srgbClr val="0070C0"/>
+              </a:solidFill>
+            </a:endParaRPr>
+          </a:p>
+          <a:p>
+            <a:pPr>
+              <a:buSzPct val="45000"/>
+            </a:pPr>
+            <a:r>
+              <a:rPr lang="en-US" sz="2000" dirty="0">
+                <a:solidFill>
+                  <a:srgbClr val="0070C0"/>
+                </a:solidFill>
+              </a:rPr>
+              <a:t>        &lt;dependency&gt;</a:t>
+            </a:r>
+            <a:endParaRPr sz="2000" dirty="0">
+              <a:solidFill>
+                <a:srgbClr val="0070C0"/>
+              </a:solidFill>
+            </a:endParaRPr>
+          </a:p>
+          <a:p>
+            <a:pPr>
+              <a:buSzPct val="45000"/>
+            </a:pPr>
+            <a:r>
+              <a:rPr lang="en-US" sz="2000" dirty="0">
+                <a:solidFill>
+                  <a:srgbClr val="0070C0"/>
+                </a:solidFill>
+              </a:rPr>
+              <a:t>            &lt;</a:t>
+            </a:r>
+            <a:r>
+              <a:rPr lang="en-US" sz="2000" dirty="0" err="1">
+                <a:solidFill>
+                  <a:srgbClr val="0070C0"/>
+                </a:solidFill>
+              </a:rPr>
+              <a:t>groupId</a:t>
+            </a:r>
+            <a:r>
+              <a:rPr lang="en-US" sz="2000" dirty="0">
+                <a:solidFill>
+                  <a:srgbClr val="0070C0"/>
+                </a:solidFill>
+              </a:rPr>
+              <a:t>&gt;</a:t>
+            </a:r>
+            <a:r>
+              <a:rPr lang="en-US" sz="2000" dirty="0" err="1">
+                <a:solidFill>
+                  <a:srgbClr val="0070C0"/>
+                </a:solidFill>
+              </a:rPr>
+              <a:t>junit</a:t>
+            </a:r>
+            <a:r>
+              <a:rPr lang="en-US" sz="2000" dirty="0">
+                <a:solidFill>
+                  <a:srgbClr val="0070C0"/>
+                </a:solidFill>
+              </a:rPr>
+              <a:t>&lt;/</a:t>
+            </a:r>
+            <a:r>
+              <a:rPr lang="en-US" sz="2000" dirty="0" err="1">
+                <a:solidFill>
+                  <a:srgbClr val="0070C0"/>
+                </a:solidFill>
+              </a:rPr>
+              <a:t>groupId</a:t>
+            </a:r>
+            <a:r>
+              <a:rPr lang="en-US" sz="2000" dirty="0">
+                <a:solidFill>
+                  <a:srgbClr val="0070C0"/>
+                </a:solidFill>
+              </a:rPr>
+              <a:t>&gt;</a:t>
+            </a:r>
+            <a:endParaRPr sz="2000" dirty="0">
+              <a:solidFill>
+                <a:srgbClr val="0070C0"/>
+              </a:solidFill>
+            </a:endParaRPr>
+          </a:p>
+          <a:p>
+            <a:pPr>
+              <a:buSzPct val="45000"/>
+            </a:pPr>
+            <a:r>
+              <a:rPr lang="en-US" sz="2000" dirty="0">
+                <a:solidFill>
+                  <a:srgbClr val="0070C0"/>
+                </a:solidFill>
+              </a:rPr>
+              <a:t>            &lt;</a:t>
+            </a:r>
+            <a:r>
+              <a:rPr lang="en-US" sz="2000" dirty="0" err="1">
+                <a:solidFill>
+                  <a:srgbClr val="0070C0"/>
+                </a:solidFill>
+              </a:rPr>
+              <a:t>artifactId</a:t>
+            </a:r>
+            <a:r>
+              <a:rPr lang="en-US" sz="2000" dirty="0">
+                <a:solidFill>
+                  <a:srgbClr val="0070C0"/>
+                </a:solidFill>
+              </a:rPr>
+              <a:t>&gt;</a:t>
+            </a:r>
+            <a:r>
+              <a:rPr lang="en-US" sz="2000" dirty="0" err="1">
+                <a:solidFill>
+                  <a:srgbClr val="0070C0"/>
+                </a:solidFill>
+              </a:rPr>
+              <a:t>junit</a:t>
+            </a:r>
+            <a:r>
+              <a:rPr lang="en-US" sz="2000" dirty="0">
+                <a:solidFill>
+                  <a:srgbClr val="0070C0"/>
+                </a:solidFill>
+              </a:rPr>
+              <a:t>&lt;/</a:t>
+            </a:r>
+            <a:r>
+              <a:rPr lang="en-US" sz="2000" dirty="0" err="1">
+                <a:solidFill>
+                  <a:srgbClr val="0070C0"/>
+                </a:solidFill>
+              </a:rPr>
+              <a:t>artifactId</a:t>
+            </a:r>
+            <a:r>
+              <a:rPr lang="en-US" sz="2000" dirty="0">
+                <a:solidFill>
+                  <a:srgbClr val="0070C0"/>
+                </a:solidFill>
+              </a:rPr>
+              <a:t>&gt;</a:t>
+            </a:r>
+            <a:endParaRPr sz="2000" dirty="0">
+              <a:solidFill>
+                <a:srgbClr val="0070C0"/>
+              </a:solidFill>
+            </a:endParaRPr>
+          </a:p>
+          <a:p>
+            <a:pPr>
+              <a:buSzPct val="45000"/>
+            </a:pPr>
+            <a:r>
+              <a:rPr lang="en-US" sz="2000" dirty="0">
+                <a:solidFill>
+                  <a:srgbClr val="0070C0"/>
+                </a:solidFill>
+              </a:rPr>
+              <a:t>            &lt;</a:t>
+            </a:r>
+            <a:r>
+              <a:rPr lang="en-US" sz="2000" dirty="0" smtClean="0">
+                <a:solidFill>
+                  <a:srgbClr val="0070C0"/>
+                </a:solidFill>
+              </a:rPr>
+              <a:t>version&gt;4.11&lt;/</a:t>
+            </a:r>
+            <a:r>
+              <a:rPr lang="en-US" sz="2000" dirty="0">
+                <a:solidFill>
+                  <a:srgbClr val="0070C0"/>
+                </a:solidFill>
+              </a:rPr>
+              <a:t>version&gt;</a:t>
+            </a:r>
+            <a:endParaRPr sz="2000" dirty="0">
+              <a:solidFill>
+                <a:srgbClr val="0070C0"/>
+              </a:solidFill>
+            </a:endParaRPr>
+          </a:p>
+          <a:p>
+            <a:pPr>
+              <a:buSzPct val="45000"/>
+            </a:pPr>
+            <a:r>
+              <a:rPr lang="en-US" sz="2000" dirty="0">
+                <a:solidFill>
+                  <a:srgbClr val="0070C0"/>
+                </a:solidFill>
+              </a:rPr>
+              <a:t>            &lt;scope&gt;test&lt;/scope&gt;</a:t>
+            </a:r>
+            <a:endParaRPr sz="2000" dirty="0">
+              <a:solidFill>
+                <a:srgbClr val="0070C0"/>
+              </a:solidFill>
+            </a:endParaRPr>
+          </a:p>
+          <a:p>
+            <a:pPr>
+              <a:buSzPct val="45000"/>
+            </a:pPr>
+            <a:r>
+              <a:rPr lang="en-US" sz="2000" dirty="0">
+                <a:solidFill>
+                  <a:srgbClr val="0070C0"/>
+                </a:solidFill>
+              </a:rPr>
+              <a:t>        &lt;/dependency&gt;</a:t>
+            </a:r>
+            <a:endParaRPr sz="2000" dirty="0">
+              <a:solidFill>
+                <a:srgbClr val="0070C0"/>
+              </a:solidFill>
+            </a:endParaRPr>
+          </a:p>
+          <a:p>
+            <a:pPr>
+              <a:buSzPct val="45000"/>
+            </a:pPr>
+            <a:r>
+              <a:rPr lang="en-US" sz="2000" dirty="0">
+                <a:solidFill>
+                  <a:srgbClr val="0070C0"/>
+                </a:solidFill>
+              </a:rPr>
+              <a:t>    &lt;/dependencies&gt;</a:t>
+            </a:r>
+            <a:endParaRPr sz="2000" dirty="0">
+              <a:solidFill>
+                <a:srgbClr val="0070C0"/>
+              </a:solidFill>
+            </a:endParaRPr>
+          </a:p>
+          <a:p>
+            <a:pPr>
+              <a:buSzPct val="45000"/>
+            </a:pPr>
+            <a:r>
+              <a:rPr lang="en-US" sz="2000" dirty="0"/>
+              <a:t>&lt;/project&gt;</a:t>
+            </a:r>
+            <a:endParaRPr sz="2000" dirty="0"/>
+          </a:p>
+        </p:txBody>
+      </p:sp>
+      <p:cxnSp>
+        <p:nvCxnSpPr>
+          <p:cNvPr id="3" name="Straight Connector 2"/>
+          <p:cNvCxnSpPr/>
+          <p:nvPr/>
+        </p:nvCxnSpPr>
+        <p:spPr>
+          <a:xfrm>
+            <a:off x="4191000" y="1417320"/>
+            <a:ext cx="0" cy="5364480"/>
+          </a:xfrm>
+          <a:prstGeom prst="line">
+            <a:avLst/>
+          </a:prstGeom>
+          <a:ln w="19050">
+            <a:solidFill>
+              <a:schemeClr val="tx1"/>
+            </a:solidFill>
+            <a:prstDash val="sysDash"/>
+          </a:ln>
+        </p:spPr>
+        <p:style>
+          <a:lnRef idx="1">
+            <a:schemeClr val="accent1"/>
+          </a:lnRef>
+          <a:fillRef idx="0">
+            <a:schemeClr val="accent1"/>
+          </a:fillRef>
+          <a:effectRef idx="0">
+            <a:schemeClr val="accent1"/>
+          </a:effectRef>
+          <a:fontRef idx="minor">
+            <a:schemeClr val="tx1"/>
+          </a:fontRef>
+        </p:style>
+      </p:cxnSp>
+      <p:sp>
+        <p:nvSpPr>
+          <p:cNvPr id="8" name="TextBox 7"/>
+          <p:cNvSpPr txBox="1"/>
+          <p:nvPr/>
+        </p:nvSpPr>
+        <p:spPr>
+          <a:xfrm>
+            <a:off x="1831388" y="1417320"/>
+            <a:ext cx="909223" cy="369332"/>
+          </a:xfrm>
+          <a:prstGeom prst="rect">
+            <a:avLst/>
+          </a:prstGeom>
+          <a:noFill/>
+        </p:spPr>
+        <p:txBody>
+          <a:bodyPr wrap="none" rtlCol="0">
+            <a:spAutoFit/>
+          </a:bodyPr>
+          <a:lstStyle/>
+          <a:p>
+            <a:r>
+              <a:rPr lang="en-US" b="1" dirty="0" smtClean="0"/>
+              <a:t>Gradle</a:t>
+            </a:r>
+            <a:endParaRPr lang="en-US" b="1" dirty="0"/>
+          </a:p>
+        </p:txBody>
+      </p:sp>
+      <p:sp>
+        <p:nvSpPr>
+          <p:cNvPr id="12" name="TextBox 11"/>
+          <p:cNvSpPr txBox="1"/>
+          <p:nvPr/>
+        </p:nvSpPr>
+        <p:spPr>
+          <a:xfrm>
+            <a:off x="6257473" y="1385054"/>
+            <a:ext cx="878767" cy="369332"/>
+          </a:xfrm>
+          <a:prstGeom prst="rect">
+            <a:avLst/>
+          </a:prstGeom>
+          <a:noFill/>
+        </p:spPr>
+        <p:txBody>
+          <a:bodyPr wrap="none" rtlCol="0">
+            <a:spAutoFit/>
+          </a:bodyPr>
+          <a:lstStyle/>
+          <a:p>
+            <a:r>
+              <a:rPr lang="en-US" b="1" dirty="0" smtClean="0"/>
+              <a:t>Maven</a:t>
+            </a:r>
+            <a:endParaRPr lang="en-US" b="1" dirty="0"/>
+          </a:p>
+        </p:txBody>
+      </p:sp>
+    </p:spTree>
+  </p:cSld>
+  <p:clrMapOvr>
+    <a:masterClrMapping/>
+  </p:clrMapOvr>
+  <mc:AlternateContent xmlns:mc="http://schemas.openxmlformats.org/markup-compatibility/2006" xmlns:p14="http://schemas.microsoft.com/office/powerpoint/2010/main">
+    <mc:Choice Requires="p14">
+      <p:transition spd="slow" p14:dur="2000"/>
+    </mc:Choice>
+    <mc:Fallback xmlns="">
+      <p:transition spd="slow"/>
+    </mc:Fallback>
+  </mc:AlternateContent>
+  <p:timing>
+    <p:tnLst>
+      <p:par>
+        <p:cTn id="1" dur="indefinite" restart="never" nodeType="tmRoot"/>
+      </p:par>
+    </p:tnLst>
+  </p:timing>
+</p:sld>
+</file>
+
+<file path=ppt/slides/slide26.xml><?xml version="1.0" encoding="utf-8"?>
+<p:sld xmlns:a="http://schemas.openxmlformats.org/drawingml/2006/main" xmlns:r="http://schemas.openxmlformats.org/officeDocument/2006/relationships" xmlns:p="http://schemas.openxmlformats.org/presentationml/2006/main">
+  <p:cSld>
+    <p:spTree>
+      <p:nvGrpSpPr>
+        <p:cNvPr id="1" name=""/>
+        <p:cNvGrpSpPr/>
+        <p:nvPr/>
+      </p:nvGrpSpPr>
+      <p:grpSpPr>
+        <a:xfrm>
+          <a:off x="0" y="0"/>
+          <a:ext cx="0" cy="0"/>
+          <a:chOff x="0" y="0"/>
+          <a:chExt cx="0" cy="0"/>
+        </a:xfrm>
+      </p:grpSpPr>
+      <p:sp>
+        <p:nvSpPr>
+          <p:cNvPr id="4" name="Subtitle 3"/>
+          <p:cNvSpPr>
+            <a:spLocks noGrp="1"/>
+          </p:cNvSpPr>
+          <p:nvPr>
+            <p:ph type="subTitle"/>
+          </p:nvPr>
+        </p:nvSpPr>
+        <p:spPr/>
+        <p:txBody>
+          <a:bodyPr/>
+          <a:lstStyle/>
+          <a:p>
+            <a:pPr algn="ctr"/>
+            <a:r>
+              <a:rPr lang="en-US" sz="9600" dirty="0" smtClean="0">
+                <a:latin typeface="+mj-lt"/>
+                <a:cs typeface="Calibri" panose="020F0502020204030204" pitchFamily="34" charset="0"/>
+              </a:rPr>
+              <a:t>DEMO</a:t>
+            </a:r>
+            <a:endParaRPr lang="en-US" sz="9600" dirty="0">
+              <a:latin typeface="+mj-lt"/>
+              <a:cs typeface="Calibri" panose="020F0502020204030204" pitchFamily="34" charset="0"/>
+            </a:endParaRPr>
+          </a:p>
+        </p:txBody>
+      </p:sp>
+    </p:spTree>
+    <p:extLst>
+      <p:ext uri="{BB962C8B-B14F-4D97-AF65-F5344CB8AC3E}">
+        <p14:creationId xmlns:p14="http://schemas.microsoft.com/office/powerpoint/2010/main" val="2938910008"/>
+      </p:ext>
+    </p:extLst>
+  </p:cSld>
+  <p:clrMapOvr>
+    <a:masterClrMapping/>
+  </p:clrMapOvr>
+  <p:timing>
+    <p:tnLst>
+      <p:par>
+        <p:cTn id="1" dur="indefinite" restart="never" nodeType="tmRoot"/>
+      </p:par>
+    </p:tnLst>
+  </p:timing>
+</p:sld>
+</file>
+
+<file path=ppt/slides/slide27.xml><?xml version="1.0" encoding="utf-8"?>
+<p:sld xmlns:a="http://schemas.openxmlformats.org/drawingml/2006/main" xmlns:r="http://schemas.openxmlformats.org/officeDocument/2006/relationships" xmlns:p="http://schemas.openxmlformats.org/presentationml/2006/main">
+  <p:cSld>
+    <p:spTree>
+      <p:nvGrpSpPr>
+        <p:cNvPr id="1" name=""/>
+        <p:cNvGrpSpPr/>
+        <p:nvPr/>
+      </p:nvGrpSpPr>
+      <p:grpSpPr>
+        <a:xfrm>
+          <a:off x="0" y="0"/>
+          <a:ext cx="0" cy="0"/>
+          <a:chOff x="0" y="0"/>
+          <a:chExt cx="0" cy="0"/>
+        </a:xfrm>
+      </p:grpSpPr>
+      <p:sp>
+        <p:nvSpPr>
+          <p:cNvPr id="4" name="Subtitle 3"/>
+          <p:cNvSpPr>
+            <a:spLocks noGrp="1"/>
+          </p:cNvSpPr>
+          <p:nvPr>
+            <p:ph type="subTitle"/>
+          </p:nvPr>
+        </p:nvSpPr>
+        <p:spPr/>
+        <p:txBody>
+          <a:bodyPr/>
+          <a:lstStyle/>
+          <a:p>
+            <a:pPr algn="ctr"/>
+            <a:r>
+              <a:rPr lang="en-US" sz="9600" dirty="0" smtClean="0">
+                <a:latin typeface="+mj-lt"/>
+                <a:cs typeface="Calibri" panose="020F0502020204030204" pitchFamily="34" charset="0"/>
+              </a:rPr>
+              <a:t>Gradle @Citi Innovation lab</a:t>
+            </a:r>
+            <a:endParaRPr lang="en-US" sz="9600" dirty="0">
+              <a:latin typeface="+mj-lt"/>
+              <a:cs typeface="Calibri" panose="020F0502020204030204" pitchFamily="34" charset="0"/>
+            </a:endParaRPr>
+          </a:p>
+        </p:txBody>
+      </p:sp>
+    </p:spTree>
+    <p:extLst>
+      <p:ext uri="{BB962C8B-B14F-4D97-AF65-F5344CB8AC3E}">
+        <p14:creationId xmlns:p14="http://schemas.microsoft.com/office/powerpoint/2010/main" val="607593374"/>
+      </p:ext>
+    </p:extLst>
+  </p:cSld>
+  <p:clrMapOvr>
+    <a:masterClrMapping/>
+  </p:clrMapOvr>
+  <p:timing>
+    <p:tnLst>
+      <p:par>
+        <p:cTn id="1" dur="indefinite" restart="never" nodeType="tmRoot"/>
+      </p:par>
+    </p:tnLst>
+  </p:timing>
+</p:sld>
+</file>
+
+<file path=ppt/slides/slide28.xml><?xml version="1.0" encoding="utf-8"?>
+<p:sld xmlns:a="http://schemas.openxmlformats.org/drawingml/2006/main" xmlns:r="http://schemas.openxmlformats.org/officeDocument/2006/relationships" xmlns:p="http://schemas.openxmlformats.org/presentationml/2006/main">
+  <p:cSld>
+    <p:spTree>
+      <p:nvGrpSpPr>
+        <p:cNvPr id="1" name=""/>
+        <p:cNvGrpSpPr/>
+        <p:nvPr/>
+      </p:nvGrpSpPr>
+      <p:grpSpPr>
+        <a:xfrm>
+          <a:off x="0" y="0"/>
+          <a:ext cx="0" cy="0"/>
+          <a:chOff x="0" y="0"/>
+          <a:chExt cx="0" cy="0"/>
+        </a:xfrm>
+      </p:grpSpPr>
+      <p:sp>
+        <p:nvSpPr>
+          <p:cNvPr id="4" name="Subtitle 3"/>
+          <p:cNvSpPr>
+            <a:spLocks noGrp="1"/>
+          </p:cNvSpPr>
+          <p:nvPr>
+            <p:ph type="subTitle"/>
+          </p:nvPr>
+        </p:nvSpPr>
+        <p:spPr/>
+        <p:txBody>
+          <a:bodyPr/>
+          <a:lstStyle/>
+          <a:p>
+            <a:pPr algn="ctr"/>
+            <a:r>
+              <a:rPr lang="en-US" sz="9600" dirty="0" smtClean="0">
+                <a:latin typeface="+mj-lt"/>
+                <a:cs typeface="Calibri" panose="020F0502020204030204" pitchFamily="34" charset="0"/>
+              </a:rPr>
+              <a:t>Summary</a:t>
+            </a:r>
+            <a:endParaRPr lang="en-US" sz="9600" dirty="0">
+              <a:latin typeface="+mj-lt"/>
+              <a:cs typeface="Calibri" panose="020F0502020204030204" pitchFamily="34" charset="0"/>
+            </a:endParaRPr>
+          </a:p>
+        </p:txBody>
+      </p:sp>
+    </p:spTree>
+    <p:extLst>
+      <p:ext uri="{BB962C8B-B14F-4D97-AF65-F5344CB8AC3E}">
+        <p14:creationId xmlns:p14="http://schemas.microsoft.com/office/powerpoint/2010/main" val="891406555"/>
+      </p:ext>
+    </p:extLst>
+  </p:cSld>
+  <p:clrMapOvr>
+    <a:masterClrMapping/>
+  </p:clrMapOvr>
+  <p:timing>
+    <p:tnLst>
+      <p:par>
+        <p:cTn id="1" dur="indefinite" restart="never" nodeType="tmRoot"/>
+      </p:par>
+    </p:tnLst>
+  </p:timing>
+</p:sld>
+</file>
+
+<file path=ppt/slides/slide29.xml><?xml version="1.0" encoding="utf-8"?>
+<p:sld xmlns:a="http://schemas.openxmlformats.org/drawingml/2006/main" xmlns:r="http://schemas.openxmlformats.org/officeDocument/2006/relationships" xmlns:p="http://schemas.openxmlformats.org/presentationml/2006/main">
+  <p:cSld>
+    <p:spTree>
+      <p:nvGrpSpPr>
+        <p:cNvPr id="1" name=""/>
+        <p:cNvGrpSpPr/>
+        <p:nvPr/>
+      </p:nvGrpSpPr>
+      <p:grpSpPr>
+        <a:xfrm>
+          <a:off x="0" y="0"/>
+          <a:ext cx="0" cy="0"/>
+          <a:chOff x="0" y="0"/>
+          <a:chExt cx="0" cy="0"/>
+        </a:xfrm>
+      </p:grpSpPr>
+      <p:sp>
+        <p:nvSpPr>
+          <p:cNvPr id="108" name="TextShape 1"/>
+          <p:cNvSpPr txBox="1"/>
+          <p:nvPr/>
+        </p:nvSpPr>
+        <p:spPr>
+          <a:xfrm>
+            <a:off x="457200" y="274680"/>
+            <a:ext cx="8229240" cy="1142640"/>
+          </a:xfrm>
+          <a:prstGeom prst="rect">
+            <a:avLst/>
+          </a:prstGeom>
+        </p:spPr>
+        <p:txBody>
+          <a:bodyPr anchor="ctr"/>
+          <a:lstStyle/>
+          <a:p>
+            <a:r>
+              <a:rPr lang="en-US" sz="3600" dirty="0" smtClean="0">
+                <a:latin typeface="+mj-lt"/>
+              </a:rPr>
               <a:t>Build Tools – Pros/Cons</a:t>
             </a:r>
-            <a:endParaRPr dirty="0"/>
+            <a:endParaRPr dirty="0">
+              <a:latin typeface="+mj-lt"/>
+            </a:endParaRPr>
           </a:p>
         </p:txBody>
       </p:sp>
@@ -8374,28 +10577,28 @@
           <p:nvPr>
             <p:extLst>
               <p:ext uri="{D42A27DB-BD31-4B8C-83A1-F6EECF244321}">
-                <p14:modId xmlns:p14="http://schemas.microsoft.com/office/powerpoint/2010/main" val="3518870628"/>
+                <p14:modId xmlns:p14="http://schemas.microsoft.com/office/powerpoint/2010/main" val="639536809"/>
               </p:ext>
             </p:extLst>
           </p:nvPr>
         </p:nvGraphicFramePr>
         <p:xfrm>
-          <a:off x="304799" y="1371600"/>
-          <a:ext cx="8686801" cy="5324763"/>
+          <a:off x="228601" y="1371601"/>
+          <a:ext cx="8763000" cy="5199575"/>
         </p:xfrm>
         <a:graphic>
           <a:graphicData uri="http://schemas.openxmlformats.org/drawingml/2006/table">
             <a:tbl>
               <a:tblPr firstRow="1" bandRow="1">
-                <a:tableStyleId>{5C22544A-7EE6-4342-B048-85BDC9FD1C3A}</a:tableStyleId>
+                <a:tableStyleId>{7DF18680-E054-41AD-8BC1-D1AEF772440D}</a:tableStyleId>
               </a:tblPr>
               <a:tblGrid>
-                <a:gridCol w="914401"/>
-                <a:gridCol w="2438400"/>
-                <a:gridCol w="2744665"/>
-                <a:gridCol w="2589335"/>
+                <a:gridCol w="922422"/>
+                <a:gridCol w="2459789"/>
+                <a:gridCol w="2768741"/>
+                <a:gridCol w="2612048"/>
               </a:tblGrid>
-              <a:tr h="543675">
+              <a:tr h="521277">
                 <a:tc>
                   <a:txBody>
                     <a:bodyPr/>
@@ -8417,7 +10620,11 @@
                         <a:rPr lang="en-US" dirty="0" smtClean="0"/>
                         <a:t>Ant</a:t>
                       </a:r>
-                      <a:endParaRPr lang="en-US" dirty="0"/>
+                      <a:endParaRPr lang="en-US" dirty="0">
+                        <a:solidFill>
+                          <a:schemeClr val="tx1"/>
+                        </a:solidFill>
+                      </a:endParaRPr>
                     </a:p>
                   </a:txBody>
                   <a:tcPr/>
@@ -8432,7 +10639,14 @@
                         <a:rPr lang="en-US" dirty="0" smtClean="0"/>
                         <a:t>Maven</a:t>
                       </a:r>
-                      <a:endParaRPr lang="en-US" dirty="0"/>
+                      <a:endParaRPr lang="en-US" b="1" dirty="0">
+                        <a:solidFill>
+                          <a:schemeClr val="tx1"/>
+                        </a:solidFill>
+                        <a:latin typeface="+mn-lt"/>
+                        <a:ea typeface="+mn-ea"/>
+                        <a:cs typeface="+mn-cs"/>
+                      </a:endParaRPr>
                     </a:p>
                   </a:txBody>
                   <a:tcPr/>
@@ -8447,13 +10661,20 @@
                         <a:rPr lang="en-US" dirty="0" smtClean="0"/>
                         <a:t>Gradle</a:t>
                       </a:r>
-                      <a:endParaRPr lang="en-US" dirty="0"/>
+                      <a:endParaRPr lang="en-US" b="1" dirty="0">
+                        <a:solidFill>
+                          <a:schemeClr val="tx1"/>
+                        </a:solidFill>
+                        <a:latin typeface="+mn-lt"/>
+                        <a:ea typeface="+mn-ea"/>
+                        <a:cs typeface="+mn-cs"/>
+                      </a:endParaRPr>
                     </a:p>
                   </a:txBody>
                   <a:tcPr/>
                 </a:tc>
               </a:tr>
-              <a:tr h="2495088">
+              <a:tr h="2392298">
                 <a:tc>
                   <a:txBody>
                     <a:bodyPr/>
@@ -8476,7 +10697,7 @@
                         <a:rPr lang="en-US" dirty="0" smtClean="0"/>
                         <a:t>Pros</a:t>
                       </a:r>
-                      <a:endParaRPr lang="en-US" dirty="0"/>
+                      <a:endParaRPr lang="en-US" b="1" dirty="0"/>
                     </a:p>
                   </a:txBody>
                   <a:tcPr/>
@@ -8491,25 +10712,11 @@
                         <a:buChar char="•"/>
                       </a:pPr>
                       <a:r>
-                        <a:rPr lang="en-US" sz="1600" dirty="0" smtClean="0">
-                          <a:solidFill>
-                            <a:schemeClr val="dk1"/>
-                          </a:solidFill>
-                          <a:latin typeface="+mn-lt"/>
-                          <a:ea typeface="+mn-ea"/>
-                          <a:cs typeface="+mn-cs"/>
-                        </a:rPr>
+                        <a:rPr lang="en-US" sz="1600" dirty="0" smtClean="0"/>
                         <a:t>Easy to learn</a:t>
                       </a:r>
                       <a:r>
-                        <a:rPr lang="en-US" sz="1600" baseline="0" dirty="0" smtClean="0">
-                          <a:solidFill>
-                            <a:schemeClr val="dk1"/>
-                          </a:solidFill>
-                          <a:latin typeface="+mn-lt"/>
-                          <a:ea typeface="+mn-ea"/>
-                          <a:cs typeface="+mn-cs"/>
-                        </a:rPr>
+                        <a:rPr lang="en-US" sz="1600" baseline="0" dirty="0" smtClean="0"/>
                         <a:t> and use</a:t>
                       </a:r>
                     </a:p>
@@ -8519,46 +10726,13 @@
                         <a:buChar char="•"/>
                       </a:pPr>
                       <a:r>
-                        <a:rPr lang="en-US" sz="1600" baseline="0" dirty="0" smtClean="0">
-                          <a:solidFill>
-                            <a:schemeClr val="dk1"/>
-                          </a:solidFill>
-                          <a:latin typeface="+mn-lt"/>
-                          <a:ea typeface="+mn-ea"/>
-                          <a:cs typeface="+mn-cs"/>
-                        </a:rPr>
+                        <a:rPr lang="en-US" sz="1600" baseline="0" dirty="0" smtClean="0"/>
                         <a:t>Full </a:t>
                       </a:r>
                       <a:r>
-                        <a:rPr lang="en-US" sz="1600" dirty="0" smtClean="0">
-                          <a:solidFill>
-                            <a:schemeClr val="dk1"/>
-                          </a:solidFill>
-                          <a:latin typeface="+mn-lt"/>
-                          <a:ea typeface="+mn-ea"/>
-                          <a:cs typeface="+mn-cs"/>
-                        </a:rPr>
-                        <a:t>control over the build </a:t>
+                        <a:rPr lang="en-US" sz="1600" dirty="0" smtClean="0"/>
+                        <a:t>control over the build process</a:t>
                       </a:r>
-                      <a:r>
-                        <a:rPr lang="en-US" sz="1600" dirty="0" smtClean="0">
-                          <a:solidFill>
-                            <a:schemeClr val="dk1"/>
-                          </a:solidFill>
-                          <a:latin typeface="+mn-lt"/>
-                          <a:ea typeface="+mn-ea"/>
-                          <a:cs typeface="+mn-cs"/>
-                        </a:rPr>
-                        <a:t>process</a:t>
-                      </a:r>
-                      <a:endParaRPr lang="en-US" sz="1600" dirty="0" smtClean="0">
-                        <a:solidFill>
-                          <a:schemeClr val="dk1"/>
-                        </a:solidFill>
-                        <a:latin typeface="+mn-lt"/>
-                        <a:ea typeface="+mn-ea"/>
-                        <a:cs typeface="+mn-cs"/>
-                      </a:endParaRPr>
                     </a:p>
                     <a:p>
                       <a:pPr marL="285750" indent="-285750">
@@ -8566,36 +10740,15 @@
                         <a:buChar char="•"/>
                       </a:pPr>
                       <a:r>
-                        <a:rPr lang="en-US" sz="1600" dirty="0" smtClean="0">
-                          <a:solidFill>
-                            <a:schemeClr val="dk1"/>
-                          </a:solidFill>
-                          <a:latin typeface="+mn-lt"/>
-                          <a:ea typeface="+mn-ea"/>
-                          <a:cs typeface="+mn-cs"/>
-                        </a:rPr>
+                        <a:rPr lang="en-US" sz="1600" dirty="0" smtClean="0"/>
                         <a:t>No</a:t>
                       </a:r>
                       <a:r>
-                        <a:rPr lang="en-US" sz="1600" baseline="0" dirty="0" smtClean="0">
-                          <a:solidFill>
-                            <a:schemeClr val="dk1"/>
-                          </a:solidFill>
-                          <a:latin typeface="+mn-lt"/>
-                          <a:ea typeface="+mn-ea"/>
-                          <a:cs typeface="+mn-cs"/>
-                        </a:rPr>
+                        <a:rPr lang="en-US" sz="1600" baseline="0" dirty="0" smtClean="0"/>
                         <a:t> </a:t>
                       </a:r>
                       <a:r>
-                        <a:rPr lang="en-US" sz="1600" dirty="0" smtClean="0">
-                          <a:solidFill>
-                            <a:schemeClr val="dk1"/>
-                          </a:solidFill>
-                          <a:latin typeface="+mn-lt"/>
-                          <a:ea typeface="+mn-ea"/>
-                          <a:cs typeface="+mn-cs"/>
-                        </a:rPr>
+                        <a:rPr lang="en-US" sz="1600" dirty="0" smtClean="0"/>
                         <a:t>“Magic”</a:t>
                       </a:r>
                     </a:p>
@@ -8626,14 +10779,7 @@
                         <a:buChar char="•"/>
                       </a:pPr>
                       <a:r>
-                        <a:rPr lang="en-US" sz="1600" dirty="0" smtClean="0">
-                          <a:solidFill>
-                            <a:schemeClr val="dk1"/>
-                          </a:solidFill>
-                          <a:latin typeface="+mn-lt"/>
-                          <a:ea typeface="+mn-ea"/>
-                          <a:cs typeface="+mn-cs"/>
-                        </a:rPr>
+                        <a:rPr lang="en-US" sz="1600" dirty="0" smtClean="0"/>
                         <a:t>Very good IDE support</a:t>
                       </a:r>
                     </a:p>
@@ -8643,14 +10789,7 @@
                         <a:buChar char="•"/>
                       </a:pPr>
                       <a:r>
-                        <a:rPr lang="en-US" sz="1600" dirty="0" smtClean="0">
-                          <a:solidFill>
-                            <a:schemeClr val="dk1"/>
-                          </a:solidFill>
-                          <a:latin typeface="+mn-lt"/>
-                          <a:ea typeface="+mn-ea"/>
-                          <a:cs typeface="+mn-cs"/>
-                        </a:rPr>
+                        <a:rPr lang="en-US" sz="1600" dirty="0" smtClean="0"/>
                         <a:t>Standard build process</a:t>
                       </a:r>
                     </a:p>
@@ -8660,14 +10799,7 @@
                         <a:buChar char="•"/>
                       </a:pPr>
                       <a:r>
-                        <a:rPr lang="en-US" sz="1600" dirty="0" smtClean="0">
-                          <a:solidFill>
-                            <a:schemeClr val="dk1"/>
-                          </a:solidFill>
-                          <a:latin typeface="+mn-lt"/>
-                          <a:ea typeface="+mn-ea"/>
-                          <a:cs typeface="+mn-cs"/>
-                        </a:rPr>
+                        <a:rPr lang="en-US" sz="1600" dirty="0" smtClean="0"/>
                         <a:t>Build files are mostly the same across different projects</a:t>
                       </a:r>
                     </a:p>
@@ -8677,14 +10809,7 @@
                         <a:buChar char="•"/>
                       </a:pPr>
                       <a:r>
-                        <a:rPr lang="en-US" sz="1600" dirty="0" smtClean="0">
-                          <a:solidFill>
-                            <a:schemeClr val="dk1"/>
-                          </a:solidFill>
-                          <a:latin typeface="+mn-lt"/>
-                          <a:ea typeface="+mn-ea"/>
-                          <a:cs typeface="+mn-cs"/>
-                        </a:rPr>
+                        <a:rPr lang="en-US" sz="1600" dirty="0" smtClean="0"/>
                         <a:t>Lot of plugins</a:t>
                       </a:r>
                       <a:endParaRPr lang="en-US" sz="1600" dirty="0">
@@ -8709,14 +10834,7 @@
                         <a:buChar char="•"/>
                       </a:pPr>
                       <a:r>
-                        <a:rPr lang="en-US" sz="1600" dirty="0" smtClean="0">
-                          <a:solidFill>
-                            <a:schemeClr val="dk1"/>
-                          </a:solidFill>
-                          <a:latin typeface="+mn-lt"/>
-                          <a:ea typeface="+mn-ea"/>
-                          <a:cs typeface="+mn-cs"/>
-                        </a:rPr>
+                        <a:rPr lang="en-US" sz="1600" dirty="0" smtClean="0"/>
                         <a:t>Very flexible</a:t>
                       </a:r>
                     </a:p>
@@ -8726,14 +10844,7 @@
                         <a:buChar char="•"/>
                       </a:pPr>
                       <a:r>
-                        <a:rPr lang="en-US" sz="1600" dirty="0" smtClean="0">
-                          <a:solidFill>
-                            <a:schemeClr val="dk1"/>
-                          </a:solidFill>
-                          <a:latin typeface="+mn-lt"/>
-                          <a:ea typeface="+mn-ea"/>
-                          <a:cs typeface="+mn-cs"/>
-                        </a:rPr>
+                        <a:rPr lang="en-US" sz="1600" dirty="0" smtClean="0"/>
                         <a:t>Incremental build</a:t>
                       </a:r>
                     </a:p>
@@ -8743,14 +10854,7 @@
                         <a:buChar char="•"/>
                       </a:pPr>
                       <a:r>
-                        <a:rPr lang="en-US" sz="1600" dirty="0" smtClean="0">
-                          <a:solidFill>
-                            <a:schemeClr val="dk1"/>
-                          </a:solidFill>
-                          <a:latin typeface="+mn-lt"/>
-                          <a:ea typeface="+mn-ea"/>
-                          <a:cs typeface="+mn-cs"/>
-                        </a:rPr>
+                        <a:rPr lang="en-US" sz="1600" dirty="0" smtClean="0"/>
                         <a:t>Large community</a:t>
                       </a:r>
                     </a:p>
@@ -8760,14 +10864,7 @@
                         <a:buChar char="•"/>
                       </a:pPr>
                       <a:r>
-                        <a:rPr lang="en-US" sz="1600" dirty="0" smtClean="0">
-                          <a:solidFill>
-                            <a:schemeClr val="dk1"/>
-                          </a:solidFill>
-                          <a:latin typeface="+mn-lt"/>
-                          <a:ea typeface="+mn-ea"/>
-                          <a:cs typeface="+mn-cs"/>
-                        </a:rPr>
+                        <a:rPr lang="en-US" sz="1600" dirty="0" smtClean="0"/>
                         <a:t>Great documentation</a:t>
                       </a:r>
                     </a:p>
@@ -8777,14 +10874,7 @@
                         <a:buChar char="•"/>
                       </a:pPr>
                       <a:r>
-                        <a:rPr lang="en-US" sz="1600" dirty="0" smtClean="0">
-                          <a:solidFill>
-                            <a:schemeClr val="dk1"/>
-                          </a:solidFill>
-                          <a:latin typeface="+mn-lt"/>
-                          <a:ea typeface="+mn-ea"/>
-                          <a:cs typeface="+mn-cs"/>
-                        </a:rPr>
+                        <a:rPr lang="en-US" sz="1600" dirty="0" smtClean="0"/>
                         <a:t>Groovy code</a:t>
                       </a:r>
                     </a:p>
@@ -8794,24 +10884,10 @@
                         <a:buChar char="•"/>
                       </a:pPr>
                       <a:r>
-                        <a:rPr lang="en-US" sz="1600" dirty="0" smtClean="0">
-                          <a:solidFill>
-                            <a:schemeClr val="dk1"/>
-                          </a:solidFill>
-                          <a:latin typeface="+mn-lt"/>
-                          <a:ea typeface="+mn-ea"/>
-                          <a:cs typeface="+mn-cs"/>
-                        </a:rPr>
+                        <a:rPr lang="en-US" sz="1600" dirty="0" smtClean="0"/>
                         <a:t>Declarative as well as imperative</a:t>
                       </a:r>
-                      <a:endParaRPr lang="he-IL" sz="1600" dirty="0" smtClean="0">
-                        <a:solidFill>
-                          <a:schemeClr val="dk1"/>
-                        </a:solidFill>
-                        <a:latin typeface="+mn-lt"/>
-                        <a:ea typeface="+mn-ea"/>
-                        <a:cs typeface="+mn-cs"/>
-                      </a:endParaRPr>
+                      <a:endParaRPr lang="he-IL" sz="1600" dirty="0" smtClean="0"/>
                     </a:p>
                     <a:p>
                       <a:pPr marL="285750" indent="-285750">
@@ -8819,14 +10895,7 @@
                         <a:buChar char="•"/>
                       </a:pPr>
                       <a:r>
-                        <a:rPr lang="en-US" sz="1600" dirty="0" smtClean="0">
-                          <a:solidFill>
-                            <a:schemeClr val="dk1"/>
-                          </a:solidFill>
-                          <a:latin typeface="+mn-lt"/>
-                          <a:ea typeface="+mn-ea"/>
-                          <a:cs typeface="+mn-cs"/>
-                        </a:rPr>
+                        <a:rPr lang="en-US" sz="1600" dirty="0" smtClean="0"/>
                         <a:t>Easy migration</a:t>
                       </a:r>
                     </a:p>
@@ -8848,7 +10917,7 @@
                   <a:tcPr/>
                 </a:tc>
               </a:tr>
-              <a:tr h="2254598">
+              <a:tr h="2191824">
                 <a:tc>
                   <a:txBody>
                     <a:bodyPr/>
@@ -8868,10 +10937,14 @@
                         <a:rPr lang="en-US" dirty="0" smtClean="0"/>
                         <a:t>Cons</a:t>
                       </a:r>
-                      <a:endParaRPr lang="en-US" dirty="0"/>
+                      <a:endParaRPr lang="en-US" b="1" dirty="0"/>
                     </a:p>
                   </a:txBody>
-                  <a:tcPr/>
+                  <a:tcPr>
+                    <a:solidFill>
+                      <a:srgbClr val="D0E3EA"/>
+                    </a:solidFill>
+                  </a:tcPr>
                 </a:tc>
                 <a:tc>
                   <a:txBody>
@@ -8920,14 +10993,7 @@
                         <a:defRPr/>
                       </a:pPr>
                       <a:r>
-                        <a:rPr lang="en-US" sz="1600" baseline="0" dirty="0" smtClean="0">
-                          <a:solidFill>
-                            <a:schemeClr val="dk1"/>
-                          </a:solidFill>
-                          <a:latin typeface="+mn-lt"/>
-                          <a:ea typeface="+mn-ea"/>
-                          <a:cs typeface="+mn-cs"/>
-                        </a:rPr>
+                        <a:rPr lang="en-US" sz="1600" baseline="0" dirty="0" smtClean="0"/>
                         <a:t>XML format to write “code”</a:t>
                       </a:r>
                     </a:p>
@@ -8937,23 +11003,16 @@
                         <a:buChar char="•"/>
                       </a:pPr>
                       <a:r>
-                        <a:rPr lang="en-US" sz="1600" baseline="0" dirty="0" smtClean="0">
-                          <a:solidFill>
-                            <a:schemeClr val="dk1"/>
-                          </a:solidFill>
-                          <a:latin typeface="+mn-lt"/>
-                          <a:ea typeface="+mn-ea"/>
-                          <a:cs typeface="+mn-cs"/>
-                        </a:rPr>
-                        <a:t>Imperative </a:t>
-                      </a:r>
-                      <a:r>
                         <a:rPr lang="en-US" sz="1600" baseline="0" dirty="0" smtClean="0"/>
-                        <a:t>build tool</a:t>
+                        <a:t>Imperative build tool</a:t>
                       </a:r>
                     </a:p>
                   </a:txBody>
-                  <a:tcPr/>
+                  <a:tcPr>
+                    <a:solidFill>
+                      <a:srgbClr val="D0E3EA"/>
+                    </a:solidFill>
+                  </a:tcPr>
                 </a:tc>
                 <a:tc>
                   <a:txBody>
@@ -8965,14 +11024,7 @@
                         <a:buChar char="•"/>
                       </a:pPr>
                       <a:r>
-                        <a:rPr lang="en-US" sz="1600" dirty="0" smtClean="0">
-                          <a:solidFill>
-                            <a:schemeClr val="dk1"/>
-                          </a:solidFill>
-                          <a:latin typeface="+mn-lt"/>
-                          <a:ea typeface="+mn-ea"/>
-                          <a:cs typeface="+mn-cs"/>
-                        </a:rPr>
+                        <a:rPr lang="en-US" sz="1600" dirty="0" smtClean="0"/>
                         <a:t>Learning curve</a:t>
                       </a:r>
                     </a:p>
@@ -8982,14 +11034,7 @@
                         <a:buChar char="•"/>
                       </a:pPr>
                       <a:r>
-                        <a:rPr lang="en-US" sz="1600" dirty="0" smtClean="0">
-                          <a:solidFill>
-                            <a:schemeClr val="dk1"/>
-                          </a:solidFill>
-                          <a:latin typeface="+mn-lt"/>
-                          <a:ea typeface="+mn-ea"/>
-                          <a:cs typeface="+mn-cs"/>
-                        </a:rPr>
+                        <a:rPr lang="en-US" sz="1600" dirty="0" smtClean="0"/>
                         <a:t>Not flexible</a:t>
                       </a:r>
                     </a:p>
@@ -8999,25 +11044,11 @@
                         <a:buChar char="•"/>
                       </a:pPr>
                       <a:r>
-                        <a:rPr lang="en-US" sz="1600" dirty="0" smtClean="0">
-                          <a:solidFill>
-                            <a:schemeClr val="dk1"/>
-                          </a:solidFill>
-                          <a:latin typeface="+mn-lt"/>
-                          <a:ea typeface="+mn-ea"/>
-                          <a:cs typeface="+mn-cs"/>
-                        </a:rPr>
+                        <a:rPr lang="en-US" sz="1600" dirty="0" smtClean="0"/>
                         <a:t>Partial</a:t>
                       </a:r>
                       <a:r>
-                        <a:rPr lang="en-US" sz="1600" baseline="0" dirty="0" smtClean="0">
-                          <a:solidFill>
-                            <a:schemeClr val="dk1"/>
-                          </a:solidFill>
-                          <a:latin typeface="+mn-lt"/>
-                          <a:ea typeface="+mn-ea"/>
-                          <a:cs typeface="+mn-cs"/>
-                        </a:rPr>
+                        <a:rPr lang="en-US" sz="1600" baseline="0" dirty="0" smtClean="0"/>
                         <a:t> multi-module support</a:t>
                       </a:r>
                     </a:p>
@@ -9027,24 +11058,10 @@
                         <a:buChar char="•"/>
                       </a:pPr>
                       <a:r>
-                        <a:rPr lang="en-US" sz="1600" baseline="0" dirty="0" smtClean="0">
-                          <a:solidFill>
-                            <a:schemeClr val="dk1"/>
-                          </a:solidFill>
-                          <a:latin typeface="+mn-lt"/>
-                          <a:ea typeface="+mn-ea"/>
-                          <a:cs typeface="+mn-cs"/>
-                        </a:rPr>
+                        <a:rPr lang="en-US" sz="1600" baseline="0" dirty="0" smtClean="0"/>
                         <a:t>Not optimal for large projects </a:t>
                       </a:r>
-                      <a:endParaRPr lang="he-IL" sz="1600" baseline="0" dirty="0" smtClean="0">
-                        <a:solidFill>
-                          <a:schemeClr val="dk1"/>
-                        </a:solidFill>
-                        <a:latin typeface="+mn-lt"/>
-                        <a:ea typeface="+mn-ea"/>
-                        <a:cs typeface="+mn-cs"/>
-                      </a:endParaRPr>
+                      <a:endParaRPr lang="he-IL" sz="1600" baseline="0" dirty="0" smtClean="0"/>
                     </a:p>
                     <a:p>
                       <a:pPr marL="285750" indent="-285750">
@@ -9052,14 +11069,7 @@
                         <a:buChar char="•"/>
                       </a:pPr>
                       <a:r>
-                        <a:rPr lang="en-US" sz="1600" baseline="0" dirty="0" smtClean="0">
-                          <a:solidFill>
-                            <a:schemeClr val="dk1"/>
-                          </a:solidFill>
-                          <a:latin typeface="+mn-lt"/>
-                          <a:ea typeface="+mn-ea"/>
-                          <a:cs typeface="+mn-cs"/>
-                        </a:rPr>
+                        <a:rPr lang="en-US" sz="1600" baseline="0" dirty="0" smtClean="0"/>
                         <a:t>A lot of “Magic”</a:t>
                       </a:r>
                     </a:p>
@@ -9068,14 +11078,7 @@
                         <a:buFont typeface="Arial" panose="020B0604020202020204" pitchFamily="34" charset="0"/>
                         <a:buChar char="•"/>
                       </a:pPr>
-                      <a:endParaRPr lang="en-US" sz="1600" baseline="0" dirty="0" smtClean="0">
-                        <a:solidFill>
-                          <a:schemeClr val="dk1"/>
-                        </a:solidFill>
-                        <a:latin typeface="+mn-lt"/>
-                        <a:ea typeface="+mn-ea"/>
-                        <a:cs typeface="+mn-cs"/>
-                      </a:endParaRPr>
+                      <a:endParaRPr lang="en-US" sz="1600" baseline="0" dirty="0" smtClean="0"/>
                     </a:p>
                     <a:p>
                       <a:pPr marL="285750" indent="-285750">
@@ -9092,7 +11095,11 @@
                       </a:endParaRPr>
                     </a:p>
                   </a:txBody>
-                  <a:tcPr/>
+                  <a:tcPr>
+                    <a:solidFill>
+                      <a:srgbClr val="D0E3EA"/>
+                    </a:solidFill>
+                  </a:tcPr>
                 </a:tc>
                 <a:tc>
                   <a:txBody>
@@ -9104,14 +11111,7 @@
                         <a:buChar char="•"/>
                       </a:pPr>
                       <a:r>
-                        <a:rPr lang="en-US" sz="1600" dirty="0" smtClean="0">
-                          <a:solidFill>
-                            <a:schemeClr val="dk1"/>
-                          </a:solidFill>
-                          <a:latin typeface="+mn-lt"/>
-                          <a:ea typeface="+mn-ea"/>
-                          <a:cs typeface="+mn-cs"/>
-                        </a:rPr>
+                        <a:rPr lang="en-US" sz="1600" dirty="0" smtClean="0"/>
                         <a:t>Fragile IDE support</a:t>
                       </a:r>
                     </a:p>
@@ -9121,14 +11121,7 @@
                         <a:buChar char="•"/>
                       </a:pPr>
                       <a:r>
-                        <a:rPr lang="en-US" sz="1600" dirty="0" smtClean="0">
-                          <a:solidFill>
-                            <a:schemeClr val="dk1"/>
-                          </a:solidFill>
-                          <a:latin typeface="+mn-lt"/>
-                          <a:ea typeface="+mn-ea"/>
-                          <a:cs typeface="+mn-cs"/>
-                        </a:rPr>
+                        <a:rPr lang="en-US" sz="1600" dirty="0" smtClean="0"/>
                         <a:t>Learning curve</a:t>
                       </a:r>
                     </a:p>
@@ -9138,24 +11131,10 @@
                         <a:buChar char="•"/>
                       </a:pPr>
                       <a:r>
-                        <a:rPr lang="en-US" sz="1600" baseline="0" dirty="0" smtClean="0">
-                          <a:solidFill>
-                            <a:schemeClr val="dk1"/>
-                          </a:solidFill>
-                          <a:latin typeface="+mn-lt"/>
-                          <a:ea typeface="+mn-ea"/>
-                          <a:cs typeface="+mn-cs"/>
-                        </a:rPr>
+                        <a:rPr lang="en-US" sz="1600" baseline="0" dirty="0" smtClean="0"/>
                         <a:t>Groovy code</a:t>
                       </a:r>
-                      <a:endParaRPr lang="he-IL" sz="1600" baseline="0" dirty="0" smtClean="0">
-                        <a:solidFill>
-                          <a:schemeClr val="dk1"/>
-                        </a:solidFill>
-                        <a:latin typeface="+mn-lt"/>
-                        <a:ea typeface="+mn-ea"/>
-                        <a:cs typeface="+mn-cs"/>
-                      </a:endParaRPr>
+                      <a:endParaRPr lang="he-IL" sz="1600" baseline="0" dirty="0" smtClean="0"/>
                     </a:p>
                     <a:p>
                       <a:pPr marL="285750" marR="0" indent="-285750" defTabSz="914400" eaLnBrk="1" fontAlgn="auto" latinLnBrk="0" hangingPunct="1">
@@ -9176,14 +11155,7 @@
                         <a:defRPr/>
                       </a:pPr>
                       <a:r>
-                        <a:rPr lang="en-US" sz="1600" baseline="0" dirty="0" smtClean="0">
-                          <a:solidFill>
-                            <a:schemeClr val="dk1"/>
-                          </a:solidFill>
-                          <a:latin typeface="+mn-lt"/>
-                          <a:ea typeface="+mn-ea"/>
-                          <a:cs typeface="+mn-cs"/>
-                        </a:rPr>
+                        <a:rPr lang="en-US" sz="1600" baseline="0" dirty="0" smtClean="0"/>
                         <a:t>A lot of “Magic”</a:t>
                       </a:r>
                     </a:p>
@@ -9192,14 +11164,7 @@
                         <a:buFont typeface="Arial" panose="020B0604020202020204" pitchFamily="34" charset="0"/>
                         <a:buNone/>
                       </a:pPr>
-                      <a:endParaRPr lang="en-US" sz="1600" dirty="0" smtClean="0">
-                        <a:solidFill>
-                          <a:schemeClr val="dk1"/>
-                        </a:solidFill>
-                        <a:latin typeface="+mn-lt"/>
-                        <a:ea typeface="+mn-ea"/>
-                        <a:cs typeface="+mn-cs"/>
-                      </a:endParaRPr>
+                      <a:endParaRPr lang="en-US" sz="1600" dirty="0" smtClean="0"/>
                     </a:p>
                     <a:p>
                       <a:pPr marL="285750" indent="-285750">
@@ -9216,7 +11181,11 @@
                       </a:endParaRPr>
                     </a:p>
                   </a:txBody>
-                  <a:tcPr/>
+                  <a:tcPr>
+                    <a:solidFill>
+                      <a:srgbClr val="D0E3EA"/>
+                    </a:solidFill>
+                  </a:tcPr>
                 </a:tc>
               </a:tr>
             </a:tbl>
@@ -9227,394 +11196,6 @@
     <p:extLst>
       <p:ext uri="{BB962C8B-B14F-4D97-AF65-F5344CB8AC3E}">
         <p14:creationId xmlns:p14="http://schemas.microsoft.com/office/powerpoint/2010/main" val="4020878907"/>
-      </p:ext>
-    </p:extLst>
-  </p:cSld>
-  <p:clrMapOvr>
-    <a:masterClrMapping/>
-  </p:clrMapOvr>
-  <p:timing>
-    <p:tnLst>
-      <p:par>
-        <p:cTn id="1" dur="indefinite" restart="never" nodeType="tmRoot"/>
-      </p:par>
-    </p:tnLst>
-  </p:timing>
-</p:sld>
-</file>
-
-<file path=ppt/slides/slide23.xml><?xml version="1.0" encoding="utf-8"?>
-<p:sld xmlns:a="http://schemas.openxmlformats.org/drawingml/2006/main" xmlns:r="http://schemas.openxmlformats.org/officeDocument/2006/relationships" xmlns:p="http://schemas.openxmlformats.org/presentationml/2006/main">
-  <p:cSld>
-    <p:spTree>
-      <p:nvGrpSpPr>
-        <p:cNvPr id="1" name=""/>
-        <p:cNvGrpSpPr/>
-        <p:nvPr/>
-      </p:nvGrpSpPr>
-      <p:grpSpPr>
-        <a:xfrm>
-          <a:off x="0" y="0"/>
-          <a:ext cx="0" cy="0"/>
-          <a:chOff x="0" y="0"/>
-          <a:chExt cx="0" cy="0"/>
-        </a:xfrm>
-      </p:grpSpPr>
-      <p:sp>
-        <p:nvSpPr>
-          <p:cNvPr id="108" name="TextShape 1"/>
-          <p:cNvSpPr txBox="1"/>
-          <p:nvPr/>
-        </p:nvSpPr>
-        <p:spPr>
-          <a:xfrm>
-            <a:off x="457200" y="274680"/>
-            <a:ext cx="8229240" cy="1142640"/>
-          </a:xfrm>
-          <a:prstGeom prst="rect">
-            <a:avLst/>
-          </a:prstGeom>
-        </p:spPr>
-        <p:txBody>
-          <a:bodyPr anchor="ctr"/>
-          <a:lstStyle/>
-          <a:p>
-            <a:r>
-              <a:rPr lang="en-US" sz="3600" dirty="0">
-                <a:latin typeface="Calibri"/>
-              </a:rPr>
-              <a:t>Gradle – </a:t>
-            </a:r>
-            <a:r>
-              <a:rPr lang="en-US" sz="3600" dirty="0" smtClean="0">
-                <a:latin typeface="Calibri"/>
-              </a:rPr>
-              <a:t>Resources</a:t>
-            </a:r>
-            <a:endParaRPr dirty="0"/>
-          </a:p>
-        </p:txBody>
-      </p:sp>
-      <p:sp>
-        <p:nvSpPr>
-          <p:cNvPr id="109" name="TextShape 2"/>
-          <p:cNvSpPr txBox="1"/>
-          <p:nvPr/>
-        </p:nvSpPr>
-        <p:spPr>
-          <a:xfrm>
-            <a:off x="152400" y="1447800"/>
-            <a:ext cx="8763000" cy="5029200"/>
-          </a:xfrm>
-          <a:prstGeom prst="rect">
-            <a:avLst/>
-          </a:prstGeom>
-        </p:spPr>
-        <p:txBody>
-          <a:bodyPr/>
-          <a:lstStyle/>
-          <a:p>
-            <a:pPr marL="342900" indent="-342900">
-              <a:buSzPct val="45000"/>
-              <a:buFont typeface="Arial" panose="020B0604020202020204" pitchFamily="34" charset="0"/>
-              <a:buChar char="•"/>
-            </a:pPr>
-            <a:r>
-              <a:rPr lang="en-US" sz="2000" dirty="0" smtClean="0"/>
-              <a:t>Documentation:</a:t>
-            </a:r>
-          </a:p>
-          <a:p>
-            <a:pPr lvl="1">
-              <a:buSzPct val="45000"/>
-            </a:pPr>
-            <a:endParaRPr lang="en-US" sz="1200" dirty="0" smtClean="0"/>
-          </a:p>
-          <a:p>
-            <a:pPr marL="800100" lvl="1" indent="-342900">
-              <a:buSzPct val="45000"/>
-              <a:buFont typeface="Arial" panose="020B0604020202020204" pitchFamily="34" charset="0"/>
-              <a:buChar char="•"/>
-            </a:pPr>
-            <a:r>
-              <a:rPr lang="en-US" sz="2000" dirty="0" smtClean="0"/>
-              <a:t>User guide: </a:t>
-            </a:r>
-            <a:r>
-              <a:rPr lang="en-US" sz="2000" dirty="0">
-                <a:hlinkClick r:id="rId2"/>
-              </a:rPr>
-              <a:t>http://</a:t>
-            </a:r>
-            <a:r>
-              <a:rPr lang="en-US" sz="2000" dirty="0" smtClean="0">
-                <a:hlinkClick r:id="rId2"/>
-              </a:rPr>
-              <a:t>www.gradle.org/docs/current/userguide/userguide.html</a:t>
-            </a:r>
-            <a:endParaRPr lang="en-US" sz="2000" dirty="0" smtClean="0"/>
-          </a:p>
-          <a:p>
-            <a:pPr lvl="1">
-              <a:buSzPct val="45000"/>
-            </a:pPr>
-            <a:endParaRPr lang="en-US" sz="1200" dirty="0"/>
-          </a:p>
-          <a:p>
-            <a:pPr marL="800100" lvl="1" indent="-342900">
-              <a:buSzPct val="45000"/>
-              <a:buFont typeface="Arial" panose="020B0604020202020204" pitchFamily="34" charset="0"/>
-              <a:buChar char="•"/>
-            </a:pPr>
-            <a:r>
-              <a:rPr lang="en-US" sz="2000" dirty="0" smtClean="0"/>
-              <a:t>DSL:</a:t>
-            </a:r>
-          </a:p>
-          <a:p>
-            <a:pPr lvl="1">
-              <a:buSzPct val="45000"/>
-            </a:pPr>
-            <a:r>
-              <a:rPr lang="en-US" sz="2000" dirty="0"/>
-              <a:t> </a:t>
-            </a:r>
-            <a:r>
-              <a:rPr lang="en-US" sz="2000" dirty="0" smtClean="0"/>
-              <a:t>    </a:t>
-            </a:r>
-            <a:r>
-              <a:rPr lang="en-US" sz="2000" dirty="0" smtClean="0">
-                <a:hlinkClick r:id="rId3"/>
-              </a:rPr>
-              <a:t>http</a:t>
-            </a:r>
-            <a:r>
-              <a:rPr lang="en-US" sz="2000" dirty="0">
-                <a:hlinkClick r:id="rId3"/>
-              </a:rPr>
-              <a:t>://www.gradle.org/docs/current/dsl</a:t>
-            </a:r>
-            <a:r>
-              <a:rPr lang="en-US" sz="2000" dirty="0" smtClean="0">
-                <a:hlinkClick r:id="rId3"/>
-              </a:rPr>
-              <a:t>/</a:t>
-            </a:r>
-            <a:endParaRPr lang="en-US" sz="2000" dirty="0" smtClean="0"/>
-          </a:p>
-          <a:p>
-            <a:pPr lvl="1">
-              <a:buSzPct val="45000"/>
-            </a:pPr>
-            <a:endParaRPr lang="en-US" sz="1200" dirty="0" smtClean="0"/>
-          </a:p>
-          <a:p>
-            <a:pPr marL="800100" lvl="1" indent="-342900">
-              <a:buSzPct val="45000"/>
-              <a:buFont typeface="Arial" panose="020B0604020202020204" pitchFamily="34" charset="0"/>
-              <a:buChar char="•"/>
-            </a:pPr>
-            <a:r>
-              <a:rPr lang="en-US" sz="2000" dirty="0" smtClean="0"/>
-              <a:t>Javadoc:</a:t>
-            </a:r>
-          </a:p>
-          <a:p>
-            <a:pPr lvl="1">
-              <a:buSzPct val="45000"/>
-            </a:pPr>
-            <a:r>
-              <a:rPr lang="en-US" sz="2000" dirty="0" smtClean="0"/>
-              <a:t>     </a:t>
-            </a:r>
-            <a:r>
-              <a:rPr lang="en-US" sz="2000" dirty="0">
-                <a:hlinkClick r:id="rId3"/>
-              </a:rPr>
-              <a:t>http://www.gradle.org/docs/current/dsl</a:t>
-            </a:r>
-            <a:r>
-              <a:rPr lang="en-US" sz="2000" dirty="0" smtClean="0">
-                <a:hlinkClick r:id="rId3"/>
-              </a:rPr>
-              <a:t>/</a:t>
-            </a:r>
-            <a:endParaRPr lang="en-US" sz="2000" dirty="0" smtClean="0"/>
-          </a:p>
-          <a:p>
-            <a:pPr lvl="1">
-              <a:buSzPct val="45000"/>
-            </a:pPr>
-            <a:endParaRPr lang="en-US" sz="1200" dirty="0"/>
-          </a:p>
-          <a:p>
-            <a:pPr marL="800100" lvl="1" indent="-342900">
-              <a:buSzPct val="45000"/>
-              <a:buFont typeface="Arial" panose="020B0604020202020204" pitchFamily="34" charset="0"/>
-              <a:buChar char="•"/>
-            </a:pPr>
-            <a:r>
-              <a:rPr lang="en-US" sz="2000" dirty="0"/>
-              <a:t>Groovy </a:t>
-            </a:r>
-            <a:r>
-              <a:rPr lang="en-US" sz="2000" dirty="0" smtClean="0"/>
-              <a:t>Doc:</a:t>
-            </a:r>
-          </a:p>
-          <a:p>
-            <a:pPr lvl="1">
-              <a:buSzPct val="45000"/>
-            </a:pPr>
-            <a:r>
-              <a:rPr lang="en-US" sz="2000" dirty="0" smtClean="0"/>
-              <a:t>     </a:t>
-            </a:r>
-            <a:r>
-              <a:rPr lang="en-US" sz="2000" dirty="0">
-                <a:hlinkClick r:id="rId4"/>
-              </a:rPr>
-              <a:t>http://www.gradle.org/docs/current/groovydoc/</a:t>
-            </a:r>
-            <a:endParaRPr lang="en-US" dirty="0" smtClean="0"/>
-          </a:p>
-          <a:p>
-            <a:pPr lvl="1">
-              <a:buSzPct val="45000"/>
-            </a:pPr>
-            <a:r>
-              <a:rPr lang="en-US" sz="2000" dirty="0" smtClean="0"/>
-              <a:t>   </a:t>
-            </a:r>
-          </a:p>
-          <a:p>
-            <a:pPr marL="342900" indent="-342900">
-              <a:buSzPct val="45000"/>
-              <a:buFont typeface="Arial" panose="020B0604020202020204" pitchFamily="34" charset="0"/>
-              <a:buChar char="•"/>
-            </a:pPr>
-            <a:r>
-              <a:rPr lang="en-US" sz="2000" dirty="0"/>
-              <a:t>Plugin </a:t>
-            </a:r>
-            <a:r>
-              <a:rPr lang="en-US" sz="2000" dirty="0" smtClean="0"/>
-              <a:t>search: </a:t>
-            </a:r>
-            <a:r>
-              <a:rPr lang="en-US" sz="2000" dirty="0">
-                <a:hlinkClick r:id="rId5"/>
-              </a:rPr>
-              <a:t>https://plugins.gradle.org</a:t>
-            </a:r>
-            <a:r>
-              <a:rPr lang="en-US" sz="2000" dirty="0" smtClean="0">
-                <a:hlinkClick r:id="rId5"/>
-              </a:rPr>
-              <a:t>/</a:t>
-            </a:r>
-            <a:endParaRPr lang="en-US" sz="2000" dirty="0" smtClean="0"/>
-          </a:p>
-          <a:p>
-            <a:pPr marL="342900" indent="-342900">
-              <a:buSzPct val="45000"/>
-              <a:buFont typeface="Arial" panose="020B0604020202020204" pitchFamily="34" charset="0"/>
-              <a:buChar char="•"/>
-            </a:pPr>
-            <a:endParaRPr lang="en-US" sz="2000" dirty="0" smtClean="0"/>
-          </a:p>
-          <a:p>
-            <a:pPr>
-              <a:buSzPct val="45000"/>
-            </a:pPr>
-            <a:endParaRPr sz="2000" dirty="0">
-              <a:solidFill>
-                <a:srgbClr val="0070C0"/>
-              </a:solidFill>
-            </a:endParaRPr>
-          </a:p>
-        </p:txBody>
-      </p:sp>
-    </p:spTree>
-    <p:extLst>
-      <p:ext uri="{BB962C8B-B14F-4D97-AF65-F5344CB8AC3E}">
-        <p14:creationId xmlns:p14="http://schemas.microsoft.com/office/powerpoint/2010/main" val="596198895"/>
-      </p:ext>
-    </p:extLst>
-  </p:cSld>
-  <p:clrMapOvr>
-    <a:masterClrMapping/>
-  </p:clrMapOvr>
-  <mc:AlternateContent xmlns:mc="http://schemas.openxmlformats.org/markup-compatibility/2006" xmlns:p14="http://schemas.microsoft.com/office/powerpoint/2010/main">
-    <mc:Choice Requires="p14">
-      <p:transition spd="slow" p14:dur="2000"/>
-    </mc:Choice>
-    <mc:Fallback xmlns="">
-      <p:transition spd="slow"/>
-    </mc:Fallback>
-  </mc:AlternateContent>
-  <p:timing>
-    <p:tnLst>
-      <p:par>
-        <p:cTn id="1" dur="indefinite" restart="never" nodeType="tmRoot"/>
-      </p:par>
-    </p:tnLst>
-  </p:timing>
-</p:sld>
-</file>
-
-<file path=ppt/slides/slide24.xml><?xml version="1.0" encoding="utf-8"?>
-<p:sld xmlns:a="http://schemas.openxmlformats.org/drawingml/2006/main" xmlns:r="http://schemas.openxmlformats.org/officeDocument/2006/relationships" xmlns:p="http://schemas.openxmlformats.org/presentationml/2006/main">
-  <p:cSld>
-    <p:spTree>
-      <p:nvGrpSpPr>
-        <p:cNvPr id="1" name=""/>
-        <p:cNvGrpSpPr/>
-        <p:nvPr/>
-      </p:nvGrpSpPr>
-      <p:grpSpPr>
-        <a:xfrm>
-          <a:off x="0" y="0"/>
-          <a:ext cx="0" cy="0"/>
-          <a:chOff x="0" y="0"/>
-          <a:chExt cx="0" cy="0"/>
-        </a:xfrm>
-      </p:grpSpPr>
-      <p:sp>
-        <p:nvSpPr>
-          <p:cNvPr id="4" name="Subtitle 3"/>
-          <p:cNvSpPr>
-            <a:spLocks noGrp="1"/>
-          </p:cNvSpPr>
-          <p:nvPr>
-            <p:ph type="subTitle"/>
-          </p:nvPr>
-        </p:nvSpPr>
-        <p:spPr/>
-        <p:txBody>
-          <a:bodyPr/>
-          <a:lstStyle/>
-          <a:p>
-            <a:pPr algn="ctr"/>
-            <a:r>
-              <a:rPr lang="en-US" sz="9600" dirty="0" smtClean="0">
-                <a:latin typeface="Calibri" panose="020F0502020204030204" pitchFamily="34" charset="0"/>
-                <a:cs typeface="Calibri" panose="020F0502020204030204" pitchFamily="34" charset="0"/>
-              </a:rPr>
-              <a:t>Thx!</a:t>
-            </a:r>
-            <a:endParaRPr lang="en-US" sz="9600" dirty="0">
-              <a:latin typeface="Calibri" panose="020F0502020204030204" pitchFamily="34" charset="0"/>
-              <a:cs typeface="Calibri" panose="020F0502020204030204" pitchFamily="34" charset="0"/>
-            </a:endParaRPr>
-          </a:p>
-        </p:txBody>
-      </p:sp>
-    </p:spTree>
-    <p:extLst>
-      <p:ext uri="{BB962C8B-B14F-4D97-AF65-F5344CB8AC3E}">
-        <p14:creationId xmlns:p14="http://schemas.microsoft.com/office/powerpoint/2010/main" val="3491669603"/>
       </p:ext>
     </p:extLst>
   </p:cSld>
@@ -9669,11 +11250,13 @@
           <a:p>
             <a:r>
               <a:rPr lang="en-US" sz="3600" dirty="0" smtClean="0">
-                <a:latin typeface="Calibri"/>
+                <a:latin typeface="+mj-lt"/>
               </a:rPr>
               <a:t>Agenda</a:t>
             </a:r>
-            <a:endParaRPr dirty="0"/>
+            <a:endParaRPr dirty="0">
+              <a:latin typeface="+mj-lt"/>
+            </a:endParaRPr>
           </a:p>
         </p:txBody>
       </p:sp>
@@ -9703,43 +11286,65 @@
             </a:pPr>
             <a:r>
               <a:rPr lang="en-US" sz="2800" dirty="0">
-                <a:latin typeface="Calibri"/>
+                <a:latin typeface="+mj-lt"/>
               </a:rPr>
               <a:t>Build tools overview</a:t>
             </a:r>
           </a:p>
           <a:p>
-            <a:pPr marL="914400" lvl="1" indent="-457200">
+            <a:pPr lvl="1">
+              <a:buSzPct val="45000"/>
+            </a:pPr>
+            <a:endParaRPr sz="900" dirty="0">
+              <a:latin typeface="+mj-lt"/>
+            </a:endParaRPr>
+          </a:p>
+          <a:p>
+            <a:pPr marL="457200" indent="-457200">
               <a:buSzPct val="45000"/>
               <a:buFont typeface="Arial" panose="020B0604020202020204" pitchFamily="34" charset="0"/>
               <a:buChar char="•"/>
             </a:pPr>
             <a:r>
               <a:rPr lang="en-US" sz="2800" dirty="0">
-                <a:latin typeface="Calibri"/>
-              </a:rPr>
-              <a:t>Ant</a:t>
-            </a:r>
-          </a:p>
-          <a:p>
-            <a:pPr marL="914400" lvl="1" indent="-457200">
+                <a:latin typeface="+mj-lt"/>
+              </a:rPr>
+              <a:t>Why </a:t>
+            </a:r>
+            <a:r>
+              <a:rPr lang="en-US" sz="2800" dirty="0" smtClean="0">
+                <a:latin typeface="+mj-lt"/>
+              </a:rPr>
+              <a:t>Gradle?</a:t>
+            </a:r>
+          </a:p>
+          <a:p>
+            <a:pPr>
+              <a:buSzPct val="45000"/>
+            </a:pPr>
+            <a:endParaRPr lang="en-US" sz="900" dirty="0">
+              <a:latin typeface="+mj-lt"/>
+            </a:endParaRPr>
+          </a:p>
+          <a:p>
+            <a:pPr marL="457200" indent="-457200">
               <a:buSzPct val="45000"/>
               <a:buFont typeface="Arial" panose="020B0604020202020204" pitchFamily="34" charset="0"/>
               <a:buChar char="•"/>
             </a:pPr>
             <a:r>
-              <a:rPr lang="en-US" sz="2800" dirty="0" smtClean="0">
-                <a:latin typeface="Calibri"/>
-              </a:rPr>
-              <a:t>Maven</a:t>
-            </a:r>
-          </a:p>
-          <a:p>
-            <a:pPr lvl="1">
-              <a:buSzPct val="45000"/>
-            </a:pPr>
-            <a:endParaRPr sz="1400" dirty="0">
-              <a:latin typeface="Calibri"/>
+              <a:rPr lang="en-US" sz="2800" dirty="0">
+                <a:latin typeface="+mj-lt"/>
+              </a:rPr>
+              <a:t>Gradle overview</a:t>
+            </a:r>
+          </a:p>
+          <a:p>
+            <a:pPr>
+              <a:buSzPct val="45000"/>
+            </a:pPr>
+            <a:endParaRPr lang="en-US" sz="900" dirty="0">
+              <a:latin typeface="+mj-lt"/>
             </a:endParaRPr>
           </a:p>
           <a:p>
@@ -9749,37 +11354,42 @@
               <a:buChar char="•"/>
             </a:pPr>
             <a:r>
-              <a:rPr lang="en-US" sz="2800" dirty="0">
-                <a:latin typeface="Calibri"/>
-              </a:rPr>
-              <a:t>Why </a:t>
-            </a:r>
-            <a:r>
               <a:rPr lang="en-US" sz="2800" dirty="0" smtClean="0">
-                <a:latin typeface="Calibri"/>
-              </a:rPr>
-              <a:t>Gradle?</a:t>
-            </a:r>
-          </a:p>
-          <a:p>
-            <a:pPr marL="914400" lvl="1" indent="-457200">
+                <a:latin typeface="+mj-lt"/>
+              </a:rPr>
+              <a:t>Demo</a:t>
+            </a:r>
+            <a:endParaRPr lang="en-US" sz="2800" dirty="0">
+              <a:latin typeface="+mj-lt"/>
+            </a:endParaRPr>
+          </a:p>
+          <a:p>
+            <a:pPr>
+              <a:buSzPct val="45000"/>
+            </a:pPr>
+            <a:endParaRPr lang="en-US" sz="900" dirty="0">
+              <a:latin typeface="+mj-lt"/>
+            </a:endParaRPr>
+          </a:p>
+          <a:p>
+            <a:pPr marL="457200" indent="-457200">
               <a:buSzPct val="45000"/>
               <a:buFont typeface="Arial" panose="020B0604020202020204" pitchFamily="34" charset="0"/>
               <a:buChar char="•"/>
             </a:pPr>
             <a:r>
               <a:rPr lang="en-US" sz="2800" dirty="0" smtClean="0">
-                <a:latin typeface="Calibri"/>
-              </a:rPr>
-              <a:t>Personal story</a:t>
+                <a:latin typeface="+mj-lt"/>
+              </a:rPr>
+              <a:t>Summary</a:t>
             </a:r>
           </a:p>
           <a:p>
             <a:pPr>
               <a:buSzPct val="45000"/>
             </a:pPr>
-            <a:endParaRPr lang="en-US" sz="1400" dirty="0">
-              <a:latin typeface="Calibri"/>
+            <a:endParaRPr lang="en-US" sz="900" dirty="0" smtClean="0">
+              <a:latin typeface="+mj-lt"/>
             </a:endParaRPr>
           </a:p>
           <a:p>
@@ -9789,63 +11399,21 @@
               <a:buChar char="•"/>
             </a:pPr>
             <a:r>
-              <a:rPr lang="en-US" sz="2800" dirty="0">
-                <a:latin typeface="Calibri"/>
-              </a:rPr>
-              <a:t>Gradle overview</a:t>
-            </a:r>
+              <a:rPr lang="en-US" sz="2800" dirty="0" smtClean="0">
+                <a:latin typeface="+mj-lt"/>
+              </a:rPr>
+              <a:t>Gradle resources</a:t>
+            </a:r>
+            <a:endParaRPr lang="en-US" sz="2800" dirty="0">
+              <a:latin typeface="+mj-lt"/>
+            </a:endParaRPr>
           </a:p>
           <a:p>
             <a:pPr>
               <a:buSzPct val="45000"/>
             </a:pPr>
-            <a:endParaRPr lang="en-US" sz="1400" dirty="0">
-              <a:latin typeface="Calibri"/>
-            </a:endParaRPr>
-          </a:p>
-          <a:p>
-            <a:pPr marL="457200" indent="-457200">
-              <a:buSzPct val="45000"/>
-              <a:buFont typeface="Arial" panose="020B0604020202020204" pitchFamily="34" charset="0"/>
-              <a:buChar char="•"/>
-            </a:pPr>
-            <a:r>
-              <a:rPr lang="en-US" sz="2800" dirty="0" smtClean="0">
-                <a:latin typeface="Calibri"/>
-              </a:rPr>
-              <a:t>Demo</a:t>
-            </a:r>
-            <a:endParaRPr lang="en-US" sz="2800" dirty="0">
-              <a:latin typeface="Calibri"/>
-            </a:endParaRPr>
-          </a:p>
-          <a:p>
-            <a:pPr>
-              <a:buSzPct val="45000"/>
-            </a:pPr>
-            <a:endParaRPr lang="en-US" sz="1400" dirty="0">
-              <a:latin typeface="Calibri"/>
-            </a:endParaRPr>
-          </a:p>
-          <a:p>
-            <a:pPr marL="457200" indent="-457200">
-              <a:buSzPct val="45000"/>
-              <a:buFont typeface="Arial" panose="020B0604020202020204" pitchFamily="34" charset="0"/>
-              <a:buChar char="•"/>
-            </a:pPr>
-            <a:r>
-              <a:rPr lang="en-US" sz="2800" dirty="0">
-                <a:latin typeface="Calibri"/>
-              </a:rPr>
-              <a:t>Summary</a:t>
-            </a:r>
-          </a:p>
-          <a:p>
-            <a:pPr>
-              <a:buSzPct val="45000"/>
-            </a:pPr>
             <a:endParaRPr sz="1600" dirty="0">
-              <a:latin typeface="Calibri" panose="020F0502020204030204" pitchFamily="34" charset="0"/>
+              <a:latin typeface="+mj-lt"/>
               <a:cs typeface="Calibri" panose="020F0502020204030204" pitchFamily="34" charset="0"/>
             </a:endParaRPr>
           </a:p>
@@ -9891,6 +11459,396 @@
 </p:sld>
 </file>
 
+<file path=ppt/slides/slide30.xml><?xml version="1.0" encoding="utf-8"?>
+<p:sld xmlns:a="http://schemas.openxmlformats.org/drawingml/2006/main" xmlns:r="http://schemas.openxmlformats.org/officeDocument/2006/relationships" xmlns:p="http://schemas.openxmlformats.org/presentationml/2006/main">
+  <p:cSld>
+    <p:spTree>
+      <p:nvGrpSpPr>
+        <p:cNvPr id="1" name=""/>
+        <p:cNvGrpSpPr/>
+        <p:nvPr/>
+      </p:nvGrpSpPr>
+      <p:grpSpPr>
+        <a:xfrm>
+          <a:off x="0" y="0"/>
+          <a:ext cx="0" cy="0"/>
+          <a:chOff x="0" y="0"/>
+          <a:chExt cx="0" cy="0"/>
+        </a:xfrm>
+      </p:grpSpPr>
+      <p:sp>
+        <p:nvSpPr>
+          <p:cNvPr id="108" name="TextShape 1"/>
+          <p:cNvSpPr txBox="1"/>
+          <p:nvPr/>
+        </p:nvSpPr>
+        <p:spPr>
+          <a:xfrm>
+            <a:off x="457200" y="274680"/>
+            <a:ext cx="8229240" cy="1142640"/>
+          </a:xfrm>
+          <a:prstGeom prst="rect">
+            <a:avLst/>
+          </a:prstGeom>
+        </p:spPr>
+        <p:txBody>
+          <a:bodyPr anchor="ctr"/>
+          <a:lstStyle/>
+          <a:p>
+            <a:r>
+              <a:rPr lang="en-US" sz="3600" dirty="0">
+                <a:latin typeface="+mj-lt"/>
+              </a:rPr>
+              <a:t>Gradle – </a:t>
+            </a:r>
+            <a:r>
+              <a:rPr lang="en-US" sz="3600" dirty="0" smtClean="0">
+                <a:latin typeface="+mj-lt"/>
+              </a:rPr>
+              <a:t>Resources</a:t>
+            </a:r>
+            <a:endParaRPr dirty="0">
+              <a:latin typeface="+mj-lt"/>
+            </a:endParaRPr>
+          </a:p>
+        </p:txBody>
+      </p:sp>
+      <p:sp>
+        <p:nvSpPr>
+          <p:cNvPr id="109" name="TextShape 2"/>
+          <p:cNvSpPr txBox="1"/>
+          <p:nvPr/>
+        </p:nvSpPr>
+        <p:spPr>
+          <a:xfrm>
+            <a:off x="152400" y="1447800"/>
+            <a:ext cx="8763000" cy="5029200"/>
+          </a:xfrm>
+          <a:prstGeom prst="rect">
+            <a:avLst/>
+          </a:prstGeom>
+        </p:spPr>
+        <p:txBody>
+          <a:bodyPr/>
+          <a:lstStyle/>
+          <a:p>
+            <a:pPr marL="342900" indent="-342900">
+              <a:buSzPct val="45000"/>
+              <a:buFont typeface="Arial" panose="020B0604020202020204" pitchFamily="34" charset="0"/>
+              <a:buChar char="•"/>
+            </a:pPr>
+            <a:r>
+              <a:rPr lang="en-US" sz="2000" dirty="0" smtClean="0"/>
+              <a:t>Documentation:</a:t>
+            </a:r>
+          </a:p>
+          <a:p>
+            <a:pPr lvl="1">
+              <a:buSzPct val="45000"/>
+            </a:pPr>
+            <a:endParaRPr lang="en-US" sz="1200" dirty="0" smtClean="0"/>
+          </a:p>
+          <a:p>
+            <a:pPr marL="800100" lvl="1" indent="-342900">
+              <a:buSzPct val="45000"/>
+              <a:buFont typeface="Arial" panose="020B0604020202020204" pitchFamily="34" charset="0"/>
+              <a:buChar char="•"/>
+            </a:pPr>
+            <a:r>
+              <a:rPr lang="en-US" sz="2000" dirty="0" smtClean="0"/>
+              <a:t>User guide: </a:t>
+            </a:r>
+            <a:r>
+              <a:rPr lang="en-US" sz="2000" dirty="0">
+                <a:hlinkClick r:id="rId2"/>
+              </a:rPr>
+              <a:t>http://</a:t>
+            </a:r>
+            <a:r>
+              <a:rPr lang="en-US" sz="2000" dirty="0" smtClean="0">
+                <a:hlinkClick r:id="rId2"/>
+              </a:rPr>
+              <a:t>www.gradle.org/docs/current/userguide/userguide.html</a:t>
+            </a:r>
+            <a:endParaRPr lang="en-US" sz="2000" dirty="0" smtClean="0"/>
+          </a:p>
+          <a:p>
+            <a:pPr lvl="1">
+              <a:buSzPct val="45000"/>
+            </a:pPr>
+            <a:endParaRPr lang="en-US" sz="1200" dirty="0"/>
+          </a:p>
+          <a:p>
+            <a:pPr marL="800100" lvl="1" indent="-342900">
+              <a:buSzPct val="45000"/>
+              <a:buFont typeface="Arial" panose="020B0604020202020204" pitchFamily="34" charset="0"/>
+              <a:buChar char="•"/>
+            </a:pPr>
+            <a:r>
+              <a:rPr lang="en-US" sz="2000" dirty="0" smtClean="0"/>
+              <a:t>DSL:</a:t>
+            </a:r>
+          </a:p>
+          <a:p>
+            <a:pPr lvl="1">
+              <a:buSzPct val="45000"/>
+            </a:pPr>
+            <a:r>
+              <a:rPr lang="en-US" sz="2000" dirty="0"/>
+              <a:t> </a:t>
+            </a:r>
+            <a:r>
+              <a:rPr lang="en-US" sz="2000" dirty="0" smtClean="0"/>
+              <a:t>    </a:t>
+            </a:r>
+            <a:r>
+              <a:rPr lang="en-US" sz="2000" dirty="0" smtClean="0">
+                <a:hlinkClick r:id="rId3"/>
+              </a:rPr>
+              <a:t>http</a:t>
+            </a:r>
+            <a:r>
+              <a:rPr lang="en-US" sz="2000" dirty="0">
+                <a:hlinkClick r:id="rId3"/>
+              </a:rPr>
+              <a:t>://www.gradle.org/docs/current/dsl</a:t>
+            </a:r>
+            <a:r>
+              <a:rPr lang="en-US" sz="2000" dirty="0" smtClean="0">
+                <a:hlinkClick r:id="rId3"/>
+              </a:rPr>
+              <a:t>/</a:t>
+            </a:r>
+            <a:endParaRPr lang="en-US" sz="2000" dirty="0" smtClean="0"/>
+          </a:p>
+          <a:p>
+            <a:pPr lvl="1">
+              <a:buSzPct val="45000"/>
+            </a:pPr>
+            <a:endParaRPr lang="en-US" sz="1200" dirty="0" smtClean="0"/>
+          </a:p>
+          <a:p>
+            <a:pPr marL="800100" lvl="1" indent="-342900">
+              <a:buSzPct val="45000"/>
+              <a:buFont typeface="Arial" panose="020B0604020202020204" pitchFamily="34" charset="0"/>
+              <a:buChar char="•"/>
+            </a:pPr>
+            <a:r>
+              <a:rPr lang="en-US" sz="2000" dirty="0" smtClean="0"/>
+              <a:t>Javadoc:</a:t>
+            </a:r>
+          </a:p>
+          <a:p>
+            <a:pPr lvl="1">
+              <a:buSzPct val="45000"/>
+            </a:pPr>
+            <a:r>
+              <a:rPr lang="en-US" sz="2000" dirty="0" smtClean="0"/>
+              <a:t>     </a:t>
+            </a:r>
+            <a:r>
+              <a:rPr lang="en-US" sz="2000" dirty="0">
+                <a:hlinkClick r:id="rId3"/>
+              </a:rPr>
+              <a:t>http://www.gradle.org/docs/current/dsl</a:t>
+            </a:r>
+            <a:r>
+              <a:rPr lang="en-US" sz="2000" dirty="0" smtClean="0">
+                <a:hlinkClick r:id="rId3"/>
+              </a:rPr>
+              <a:t>/</a:t>
+            </a:r>
+            <a:endParaRPr lang="en-US" sz="2000" dirty="0" smtClean="0"/>
+          </a:p>
+          <a:p>
+            <a:pPr lvl="1">
+              <a:buSzPct val="45000"/>
+            </a:pPr>
+            <a:endParaRPr lang="en-US" sz="1200" dirty="0"/>
+          </a:p>
+          <a:p>
+            <a:pPr marL="800100" lvl="1" indent="-342900">
+              <a:buSzPct val="45000"/>
+              <a:buFont typeface="Arial" panose="020B0604020202020204" pitchFamily="34" charset="0"/>
+              <a:buChar char="•"/>
+            </a:pPr>
+            <a:r>
+              <a:rPr lang="en-US" sz="2000" dirty="0"/>
+              <a:t>Groovy </a:t>
+            </a:r>
+            <a:r>
+              <a:rPr lang="en-US" sz="2000" dirty="0" smtClean="0"/>
+              <a:t>Doc:</a:t>
+            </a:r>
+          </a:p>
+          <a:p>
+            <a:pPr lvl="1">
+              <a:buSzPct val="45000"/>
+            </a:pPr>
+            <a:r>
+              <a:rPr lang="en-US" sz="2000" dirty="0" smtClean="0"/>
+              <a:t>     </a:t>
+            </a:r>
+            <a:r>
+              <a:rPr lang="en-US" sz="2000" dirty="0">
+                <a:hlinkClick r:id="rId4"/>
+              </a:rPr>
+              <a:t>http://www.gradle.org/docs/current/groovydoc/</a:t>
+            </a:r>
+            <a:endParaRPr lang="en-US" dirty="0" smtClean="0"/>
+          </a:p>
+          <a:p>
+            <a:pPr lvl="1">
+              <a:buSzPct val="45000"/>
+            </a:pPr>
+            <a:r>
+              <a:rPr lang="en-US" sz="2000" dirty="0" smtClean="0"/>
+              <a:t>   </a:t>
+            </a:r>
+          </a:p>
+          <a:p>
+            <a:pPr marL="342900" indent="-342900">
+              <a:buSzPct val="45000"/>
+              <a:buFont typeface="Arial" panose="020B0604020202020204" pitchFamily="34" charset="0"/>
+              <a:buChar char="•"/>
+            </a:pPr>
+            <a:r>
+              <a:rPr lang="en-US" sz="2000" dirty="0"/>
+              <a:t>Plugin </a:t>
+            </a:r>
+            <a:r>
+              <a:rPr lang="en-US" sz="2000" dirty="0" smtClean="0"/>
+              <a:t>search: </a:t>
+            </a:r>
+            <a:r>
+              <a:rPr lang="en-US" sz="2000" dirty="0">
+                <a:hlinkClick r:id="rId5"/>
+              </a:rPr>
+              <a:t>https://plugins.gradle.org</a:t>
+            </a:r>
+            <a:r>
+              <a:rPr lang="en-US" sz="2000" dirty="0" smtClean="0">
+                <a:hlinkClick r:id="rId5"/>
+              </a:rPr>
+              <a:t>/</a:t>
+            </a:r>
+            <a:endParaRPr lang="en-US" sz="2000" dirty="0" smtClean="0"/>
+          </a:p>
+          <a:p>
+            <a:pPr marL="342900" indent="-342900">
+              <a:buSzPct val="45000"/>
+              <a:buFont typeface="Arial" panose="020B0604020202020204" pitchFamily="34" charset="0"/>
+              <a:buChar char="•"/>
+            </a:pPr>
+            <a:endParaRPr lang="en-US" sz="2000" dirty="0" smtClean="0"/>
+          </a:p>
+          <a:p>
+            <a:pPr>
+              <a:buSzPct val="45000"/>
+            </a:pPr>
+            <a:endParaRPr sz="2000" dirty="0">
+              <a:solidFill>
+                <a:srgbClr val="0070C0"/>
+              </a:solidFill>
+            </a:endParaRPr>
+          </a:p>
+        </p:txBody>
+      </p:sp>
+    </p:spTree>
+    <p:extLst>
+      <p:ext uri="{BB962C8B-B14F-4D97-AF65-F5344CB8AC3E}">
+        <p14:creationId xmlns:p14="http://schemas.microsoft.com/office/powerpoint/2010/main" val="596198895"/>
+      </p:ext>
+    </p:extLst>
+  </p:cSld>
+  <p:clrMapOvr>
+    <a:masterClrMapping/>
+  </p:clrMapOvr>
+  <mc:AlternateContent xmlns:mc="http://schemas.openxmlformats.org/markup-compatibility/2006" xmlns:p14="http://schemas.microsoft.com/office/powerpoint/2010/main">
+    <mc:Choice Requires="p14">
+      <p:transition spd="slow" p14:dur="2000"/>
+    </mc:Choice>
+    <mc:Fallback xmlns="">
+      <p:transition spd="slow"/>
+    </mc:Fallback>
+  </mc:AlternateContent>
+  <p:timing>
+    <p:tnLst>
+      <p:par>
+        <p:cTn id="1" dur="indefinite" restart="never" nodeType="tmRoot"/>
+      </p:par>
+    </p:tnLst>
+  </p:timing>
+</p:sld>
+</file>
+
+<file path=ppt/slides/slide31.xml><?xml version="1.0" encoding="utf-8"?>
+<p:sld xmlns:a="http://schemas.openxmlformats.org/drawingml/2006/main" xmlns:r="http://schemas.openxmlformats.org/officeDocument/2006/relationships" xmlns:p="http://schemas.openxmlformats.org/presentationml/2006/main">
+  <p:cSld>
+    <p:spTree>
+      <p:nvGrpSpPr>
+        <p:cNvPr id="1" name=""/>
+        <p:cNvGrpSpPr/>
+        <p:nvPr/>
+      </p:nvGrpSpPr>
+      <p:grpSpPr>
+        <a:xfrm>
+          <a:off x="0" y="0"/>
+          <a:ext cx="0" cy="0"/>
+          <a:chOff x="0" y="0"/>
+          <a:chExt cx="0" cy="0"/>
+        </a:xfrm>
+      </p:grpSpPr>
+      <p:sp>
+        <p:nvSpPr>
+          <p:cNvPr id="4" name="Subtitle 3"/>
+          <p:cNvSpPr>
+            <a:spLocks noGrp="1"/>
+          </p:cNvSpPr>
+          <p:nvPr>
+            <p:ph type="subTitle"/>
+          </p:nvPr>
+        </p:nvSpPr>
+        <p:spPr/>
+        <p:txBody>
+          <a:bodyPr/>
+          <a:lstStyle/>
+          <a:p>
+            <a:pPr algn="ctr"/>
+            <a:r>
+              <a:rPr lang="en-US" sz="9600" dirty="0" smtClean="0">
+                <a:latin typeface="+mj-lt"/>
+                <a:cs typeface="Calibri" panose="020F0502020204030204" pitchFamily="34" charset="0"/>
+              </a:rPr>
+              <a:t>Thx!</a:t>
+            </a:r>
+            <a:endParaRPr lang="en-US" sz="9600" dirty="0">
+              <a:latin typeface="+mj-lt"/>
+              <a:cs typeface="Calibri" panose="020F0502020204030204" pitchFamily="34" charset="0"/>
+            </a:endParaRPr>
+          </a:p>
+        </p:txBody>
+      </p:sp>
+    </p:spTree>
+    <p:extLst>
+      <p:ext uri="{BB962C8B-B14F-4D97-AF65-F5344CB8AC3E}">
+        <p14:creationId xmlns:p14="http://schemas.microsoft.com/office/powerpoint/2010/main" val="3491669603"/>
+      </p:ext>
+    </p:extLst>
+  </p:cSld>
+  <p:clrMapOvr>
+    <a:masterClrMapping/>
+  </p:clrMapOvr>
+  <p:timing>
+    <p:tnLst>
+      <p:par>
+        <p:cTn id="1" dur="indefinite" restart="never" nodeType="tmRoot"/>
+      </p:par>
+    </p:tnLst>
+  </p:timing>
+</p:sld>
+</file>
+
 <file path=ppt/slides/slide4.xml><?xml version="1.0" encoding="utf-8"?>
 <p:sld xmlns:a="http://schemas.openxmlformats.org/drawingml/2006/main" xmlns:r="http://schemas.openxmlformats.org/officeDocument/2006/relationships" xmlns:p="http://schemas.openxmlformats.org/presentationml/2006/main">
   <p:cSld>
@@ -9926,13 +11884,13 @@
             <a:pPr algn="ctr"/>
             <a:r>
               <a:rPr lang="en-US" sz="9600" dirty="0" smtClean="0">
-                <a:latin typeface="Calibri" panose="020F0502020204030204" pitchFamily="34" charset="0"/>
+                <a:latin typeface="+mj-lt"/>
                 <a:cs typeface="Calibri" panose="020F0502020204030204" pitchFamily="34" charset="0"/>
               </a:rPr>
               <a:t>Build Tools Overview</a:t>
             </a:r>
             <a:endParaRPr lang="en-US" sz="9600" dirty="0">
-              <a:latin typeface="Calibri" panose="020F0502020204030204" pitchFamily="34" charset="0"/>
+              <a:latin typeface="+mj-lt"/>
               <a:cs typeface="Calibri" panose="020F0502020204030204" pitchFamily="34" charset="0"/>
             </a:endParaRPr>
           </a:p>
@@ -9959,7 +11917,7 @@
 </file>
 
 <file path=ppt/slides/slide5.xml><?xml version="1.0" encoding="utf-8"?>
-<p:sld xmlns:a="http://schemas.openxmlformats.org/drawingml/2006/main" xmlns:r="http://schemas.openxmlformats.org/officeDocument/2006/relationships" xmlns:p="http://schemas.openxmlformats.org/presentationml/2006/main">
+<p:sld xmlns:a="http://schemas.openxmlformats.org/drawingml/2006/main" xmlns:r="http://schemas.openxmlformats.org/officeDocument/2006/relationships" xmlns:p="http://schemas.openxmlformats.org/presentationml/2006/main" show="0">
   <p:cSld>
     <p:spTree>
       <p:nvGrpSpPr>
@@ -10129,6 +12087,14 @@
   <p:clrMapOvr>
     <a:masterClrMapping/>
   </p:clrMapOvr>
+  <mc:AlternateContent xmlns:mc="http://schemas.openxmlformats.org/markup-compatibility/2006">
+    <mc:Choice xmlns:p14="http://schemas.microsoft.com/office/powerpoint/2010/main" Requires="p14">
+      <p:transition spd="slow" p14:dur="2000"/>
+    </mc:Choice>
+    <mc:Fallback>
+      <p:transition spd="slow"/>
+    </mc:Fallback>
+  </mc:AlternateContent>
   <p:timing>
     <p:tnLst>
       <p:par>
@@ -10178,14 +12144,57 @@
       </p:grpSpPr>
       <p:sp>
         <p:nvSpPr>
-          <p:cNvPr id="7" name="TextShape 2"/>
+          <p:cNvPr id="87" name="TextShape 1"/>
           <p:cNvSpPr txBox="1"/>
           <p:nvPr/>
         </p:nvSpPr>
         <p:spPr>
           <a:xfrm>
-            <a:off x="457200" y="1066800"/>
-            <a:ext cx="8229240" cy="4906560"/>
+            <a:off x="457200" y="274680"/>
+            <a:ext cx="8229240" cy="1142640"/>
+          </a:xfrm>
+          <a:prstGeom prst="rect">
+            <a:avLst/>
+          </a:prstGeom>
+        </p:spPr>
+        <p:txBody>
+          <a:bodyPr anchor="ctr"/>
+          <a:lstStyle/>
+          <a:p>
+            <a:r>
+              <a:rPr lang="en-US" sz="3600" dirty="0" smtClean="0">
+                <a:latin typeface="Comic Sans MS" panose="030F0702030302020204" pitchFamily="66" charset="0"/>
+              </a:rPr>
+              <a:t>Ant</a:t>
+            </a:r>
+            <a:r>
+              <a:rPr lang="en-US" sz="3600" dirty="0" smtClean="0">
+                <a:latin typeface="Calibri"/>
+              </a:rPr>
+              <a:t> </a:t>
+            </a:r>
+            <a:r>
+              <a:rPr lang="en-US" sz="3600" dirty="0" smtClean="0">
+                <a:latin typeface="Comic Sans MS" panose="030F0702030302020204" pitchFamily="66" charset="0"/>
+              </a:rPr>
+              <a:t>- Overview</a:t>
+            </a:r>
+            <a:endParaRPr dirty="0">
+              <a:latin typeface="Comic Sans MS" panose="030F0702030302020204" pitchFamily="66" charset="0"/>
+            </a:endParaRPr>
+          </a:p>
+        </p:txBody>
+      </p:sp>
+      <p:sp>
+        <p:nvSpPr>
+          <p:cNvPr id="88" name="TextShape 2"/>
+          <p:cNvSpPr txBox="1"/>
+          <p:nvPr/>
+        </p:nvSpPr>
+        <p:spPr>
+          <a:xfrm>
+            <a:off x="457200" y="1600200"/>
+            <a:ext cx="8229240" cy="4525560"/>
           </a:xfrm>
           <a:prstGeom prst="rect">
             <a:avLst/>
@@ -10195,106 +12204,135 @@
           <a:bodyPr/>
           <a:lstStyle/>
           <a:p>
-            <a:pPr marL="514350" indent="-514350">
-              <a:buAutoNum type="arabicPeriod"/>
-            </a:pPr>
-            <a:endParaRPr lang="en-US" sz="2800" dirty="0" smtClean="0"/>
-          </a:p>
-          <a:p>
-            <a:pPr marL="514350" indent="-514350">
-              <a:buAutoNum type="arabicPeriod"/>
-            </a:pPr>
-            <a:r>
-              <a:rPr lang="en-US" sz="2800" dirty="0" smtClean="0"/>
-              <a:t>Download 3</a:t>
-            </a:r>
-            <a:r>
-              <a:rPr lang="en-US" sz="2800" baseline="30000" dirty="0" smtClean="0"/>
-              <a:t>rd</a:t>
-            </a:r>
-            <a:r>
-              <a:rPr lang="en-US" sz="2800" dirty="0" smtClean="0"/>
-              <a:t> party dependencies</a:t>
-            </a:r>
-          </a:p>
-          <a:p>
-            <a:pPr marL="514350" indent="-514350">
-              <a:buAutoNum type="arabicPeriod"/>
-            </a:pPr>
-            <a:r>
-              <a:rPr lang="en-US" sz="2800" dirty="0" smtClean="0"/>
-              <a:t>Compile source code</a:t>
-            </a:r>
-          </a:p>
-          <a:p>
-            <a:pPr marL="514350" indent="-514350">
-              <a:buAutoNum type="arabicPeriod"/>
-            </a:pPr>
-            <a:r>
-              <a:rPr lang="en-US" sz="2800" dirty="0" smtClean="0"/>
-              <a:t>Run tests - optional</a:t>
-            </a:r>
-          </a:p>
-          <a:p>
-            <a:pPr marL="514350" indent="-514350">
-              <a:buAutoNum type="arabicPeriod"/>
-            </a:pPr>
-            <a:r>
-              <a:rPr lang="en-US" sz="2800" dirty="0" smtClean="0"/>
-              <a:t>Create distribution file (jar)</a:t>
-            </a:r>
-          </a:p>
-        </p:txBody>
-      </p:sp>
-      <p:sp>
-        <p:nvSpPr>
-          <p:cNvPr id="90" name="TextShape 1"/>
-          <p:cNvSpPr txBox="1"/>
-          <p:nvPr/>
-        </p:nvSpPr>
-        <p:spPr>
-          <a:xfrm>
-            <a:off x="457200" y="76200"/>
-            <a:ext cx="8229240" cy="1142640"/>
-          </a:xfrm>
-          <a:prstGeom prst="rect">
-            <a:avLst/>
-          </a:prstGeom>
-        </p:spPr>
-        <p:txBody>
-          <a:bodyPr anchor="ctr"/>
-          <a:lstStyle/>
-          <a:p>
-            <a:r>
-              <a:rPr lang="en-US" sz="3600" dirty="0"/>
-              <a:t>What does it </a:t>
-            </a:r>
-            <a:r>
-              <a:rPr lang="en-US" sz="3600" dirty="0" smtClean="0"/>
-              <a:t>take </a:t>
-            </a:r>
-            <a:r>
-              <a:rPr lang="en-US" sz="3600" dirty="0"/>
-              <a:t>to build a java app</a:t>
-            </a:r>
-            <a:r>
-              <a:rPr lang="en-US" sz="3600" dirty="0" smtClean="0"/>
-              <a:t>?</a:t>
-            </a:r>
-            <a:endParaRPr lang="en-US" sz="3600" dirty="0"/>
+            <a:pPr marL="457200" indent="-457200">
+              <a:buSzPct val="45000"/>
+              <a:buFont typeface="Arial" panose="020B0604020202020204" pitchFamily="34" charset="0"/>
+              <a:buChar char="•"/>
+            </a:pPr>
+            <a:r>
+              <a:rPr lang="en-US" sz="2800" dirty="0">
+                <a:latin typeface="Comic Sans MS" panose="030F0702030302020204" pitchFamily="66" charset="0"/>
+              </a:rPr>
+              <a:t>Java based build tool from </a:t>
+            </a:r>
+            <a:r>
+              <a:rPr lang="en-US" sz="2800" dirty="0" smtClean="0">
+                <a:latin typeface="Comic Sans MS" panose="030F0702030302020204" pitchFamily="66" charset="0"/>
+              </a:rPr>
+              <a:t>Apache</a:t>
+            </a:r>
+          </a:p>
+          <a:p>
+            <a:pPr>
+              <a:buSzPct val="45000"/>
+            </a:pPr>
+            <a:endParaRPr sz="1200" dirty="0">
+              <a:latin typeface="Comic Sans MS" panose="030F0702030302020204" pitchFamily="66" charset="0"/>
+            </a:endParaRPr>
+          </a:p>
+          <a:p>
+            <a:pPr marL="457200" indent="-457200">
+              <a:buSzPct val="45000"/>
+              <a:buFont typeface="Arial" panose="020B0604020202020204" pitchFamily="34" charset="0"/>
+              <a:buChar char="•"/>
+            </a:pPr>
+            <a:r>
+              <a:rPr lang="en-US" sz="2800" dirty="0">
+                <a:latin typeface="Comic Sans MS" panose="030F0702030302020204" pitchFamily="66" charset="0"/>
+              </a:rPr>
+              <a:t>Started as part of </a:t>
+            </a:r>
+            <a:r>
+              <a:rPr lang="en-US" sz="2800" dirty="0" smtClean="0">
+                <a:latin typeface="Comic Sans MS" panose="030F0702030302020204" pitchFamily="66" charset="0"/>
+              </a:rPr>
+              <a:t>Tomcat</a:t>
+            </a:r>
+          </a:p>
+          <a:p>
+            <a:pPr>
+              <a:buSzPct val="45000"/>
+            </a:pPr>
+            <a:endParaRPr sz="1200" dirty="0">
+              <a:latin typeface="Comic Sans MS" panose="030F0702030302020204" pitchFamily="66" charset="0"/>
+            </a:endParaRPr>
+          </a:p>
+          <a:p>
+            <a:pPr marL="457200" indent="-457200">
+              <a:buSzPct val="45000"/>
+              <a:buFont typeface="Arial" panose="020B0604020202020204" pitchFamily="34" charset="0"/>
+              <a:buChar char="•"/>
+            </a:pPr>
+            <a:r>
+              <a:rPr lang="en-US" sz="2800" dirty="0">
+                <a:latin typeface="Comic Sans MS" panose="030F0702030302020204" pitchFamily="66" charset="0"/>
+              </a:rPr>
+              <a:t>Moved to a separate project in early </a:t>
+            </a:r>
+            <a:r>
+              <a:rPr lang="en-US" sz="2800" dirty="0" smtClean="0">
+                <a:latin typeface="Comic Sans MS" panose="030F0702030302020204" pitchFamily="66" charset="0"/>
+              </a:rPr>
+              <a:t>2000</a:t>
+            </a:r>
+          </a:p>
+          <a:p>
+            <a:pPr>
+              <a:buSzPct val="45000"/>
+            </a:pPr>
+            <a:endParaRPr lang="en-US" sz="1200" dirty="0">
+              <a:latin typeface="Comic Sans MS" panose="030F0702030302020204" pitchFamily="66" charset="0"/>
+            </a:endParaRPr>
+          </a:p>
+          <a:p>
+            <a:pPr marL="457200" indent="-457200">
+              <a:buSzPct val="45000"/>
+              <a:buFont typeface="Arial" panose="020B0604020202020204" pitchFamily="34" charset="0"/>
+              <a:buChar char="•"/>
+            </a:pPr>
+            <a:r>
+              <a:rPr lang="en-US" sz="2800" dirty="0" smtClean="0">
+                <a:latin typeface="Comic Sans MS" panose="030F0702030302020204" pitchFamily="66" charset="0"/>
+              </a:rPr>
+              <a:t>Imperative build tool</a:t>
+            </a:r>
+          </a:p>
+          <a:p>
+            <a:pPr>
+              <a:buSzPct val="45000"/>
+            </a:pPr>
+            <a:endParaRPr sz="1200" dirty="0">
+              <a:latin typeface="Comic Sans MS" panose="030F0702030302020204" pitchFamily="66" charset="0"/>
+            </a:endParaRPr>
+          </a:p>
+          <a:p>
+            <a:pPr marL="457200" indent="-457200">
+              <a:buSzPct val="45000"/>
+              <a:buFont typeface="Arial" panose="020B0604020202020204" pitchFamily="34" charset="0"/>
+              <a:buChar char="•"/>
+            </a:pPr>
+            <a:r>
+              <a:rPr lang="en-US" sz="2800" dirty="0">
+                <a:latin typeface="Comic Sans MS" panose="030F0702030302020204" pitchFamily="66" charset="0"/>
+              </a:rPr>
+              <a:t>Files are written in XML</a:t>
+            </a:r>
+            <a:endParaRPr dirty="0">
+              <a:latin typeface="Comic Sans MS" panose="030F0702030302020204" pitchFamily="66" charset="0"/>
+            </a:endParaRPr>
           </a:p>
         </p:txBody>
       </p:sp>
       <p:pic>
         <p:nvPicPr>
-          <p:cNvPr id="2" name="תמונה 1"/>
+          <p:cNvPr id="2" name="Picture 1"/>
           <p:cNvPicPr>
             <a:picLocks noChangeAspect="1"/>
           </p:cNvPicPr>
           <p:nvPr/>
         </p:nvPicPr>
         <p:blipFill>
-          <a:blip r:embed="rId2">
+          <a:blip r:embed="rId3">
             <a:extLst>
               <a:ext uri="{28A0092B-C50C-407E-A947-70E740481C1C}">
                 <a14:useLocalDpi xmlns:a14="http://schemas.microsoft.com/office/drawing/2010/main" val="0"/>
@@ -10307,8 +12345,8 @@
         </p:blipFill>
         <p:spPr>
           <a:xfrm>
-            <a:off x="6019800" y="3620373"/>
-            <a:ext cx="2209800" cy="2856627"/>
+            <a:off x="6400800" y="4918524"/>
+            <a:ext cx="2590800" cy="1710876"/>
           </a:xfrm>
           <a:prstGeom prst="rect">
             <a:avLst/>
@@ -10318,7 +12356,7 @@
     </p:spTree>
     <p:extLst>
       <p:ext uri="{BB962C8B-B14F-4D97-AF65-F5344CB8AC3E}">
-        <p14:creationId xmlns:p14="http://schemas.microsoft.com/office/powerpoint/2010/main" val="985251673"/>
+        <p14:creationId xmlns:p14="http://schemas.microsoft.com/office/powerpoint/2010/main" val="951910877"/>
       </p:ext>
     </p:extLst>
   </p:cSld>
@@ -10328,7 +12366,27 @@
   <p:timing>
     <p:tnLst>
       <p:par>
-        <p:cTn id="1" dur="indefinite" restart="never" nodeType="tmRoot"/>
+        <p:cTn id="1" dur="indefinite" restart="never" nodeType="tmRoot">
+          <p:childTnLst>
+            <p:seq>
+              <p:cTn id="2" nodeType="mainSeq"/>
+              <p:prevCondLst>
+                <p:cond evt="onPrev" delay="0">
+                  <p:tgtEl>
+                    <p:sldTgt/>
+                  </p:tgtEl>
+                </p:cond>
+              </p:prevCondLst>
+              <p:nextCondLst>
+                <p:cond evt="onNext" delay="0">
+                  <p:tgtEl>
+                    <p:sldTgt/>
+                  </p:tgtEl>
+                </p:cond>
+              </p:nextCondLst>
+            </p:seq>
+          </p:childTnLst>
+        </p:cTn>
       </p:par>
     </p:tnLst>
   </p:timing>
@@ -10360,8 +12418,8 @@
         </p:nvSpPr>
         <p:spPr>
           <a:xfrm>
-            <a:off x="457200" y="762000"/>
-            <a:ext cx="8229240" cy="5211360"/>
+            <a:off x="457200" y="1066800"/>
+            <a:ext cx="8229240" cy="4906560"/>
           </a:xfrm>
           <a:prstGeom prst="rect">
             <a:avLst/>
@@ -10371,28 +12429,196 @@
           <a:bodyPr/>
           <a:lstStyle/>
           <a:p>
-            <a:r>
-              <a:rPr lang="en-US" sz="2000" dirty="0">
-                <a:latin typeface="Arial"/>
-              </a:rPr>
+            <a:pPr marL="514350" indent="-514350">
+              <a:buAutoNum type="arabicPeriod"/>
+            </a:pPr>
+            <a:endParaRPr lang="en-US" sz="2800" dirty="0" smtClean="0"/>
+          </a:p>
+          <a:p>
+            <a:pPr marL="514350" indent="-514350">
+              <a:buAutoNum type="arabicPeriod"/>
+            </a:pPr>
+            <a:r>
+              <a:rPr lang="en-US" sz="2800" dirty="0" smtClean="0"/>
+              <a:t>Download 3</a:t>
+            </a:r>
+            <a:r>
+              <a:rPr lang="en-US" sz="2800" baseline="30000" dirty="0" smtClean="0"/>
+              <a:t>rd</a:t>
+            </a:r>
+            <a:r>
+              <a:rPr lang="en-US" sz="2800" dirty="0" smtClean="0"/>
+              <a:t> party dependencies</a:t>
+            </a:r>
+          </a:p>
+          <a:p>
+            <a:pPr marL="514350" indent="-514350">
+              <a:buAutoNum type="arabicPeriod"/>
+            </a:pPr>
+            <a:r>
+              <a:rPr lang="en-US" sz="2800" dirty="0" smtClean="0"/>
+              <a:t>Compile source code</a:t>
+            </a:r>
+          </a:p>
+          <a:p>
+            <a:pPr marL="514350" indent="-514350">
+              <a:buAutoNum type="arabicPeriod"/>
+            </a:pPr>
+            <a:r>
+              <a:rPr lang="en-US" sz="2800" dirty="0" smtClean="0"/>
+              <a:t>Run tests - optional</a:t>
+            </a:r>
+          </a:p>
+          <a:p>
+            <a:pPr marL="514350" indent="-514350">
+              <a:buAutoNum type="arabicPeriod"/>
+            </a:pPr>
+            <a:r>
+              <a:rPr lang="en-US" sz="2800" dirty="0" smtClean="0"/>
+              <a:t>Create distribution file (jar)</a:t>
+            </a:r>
+          </a:p>
+        </p:txBody>
+      </p:sp>
+      <p:sp>
+        <p:nvSpPr>
+          <p:cNvPr id="90" name="TextShape 1"/>
+          <p:cNvSpPr txBox="1"/>
+          <p:nvPr/>
+        </p:nvSpPr>
+        <p:spPr>
+          <a:xfrm>
+            <a:off x="457200" y="76200"/>
+            <a:ext cx="8229240" cy="1142640"/>
+          </a:xfrm>
+          <a:prstGeom prst="rect">
+            <a:avLst/>
+          </a:prstGeom>
+        </p:spPr>
+        <p:txBody>
+          <a:bodyPr anchor="ctr"/>
+          <a:lstStyle/>
+          <a:p>
+            <a:r>
+              <a:rPr lang="en-US" sz="3600" dirty="0"/>
+              <a:t>What does it </a:t>
+            </a:r>
+            <a:r>
+              <a:rPr lang="en-US" sz="3600" dirty="0" smtClean="0"/>
+              <a:t>take </a:t>
+            </a:r>
+            <a:r>
+              <a:rPr lang="en-US" sz="3600" dirty="0"/>
+              <a:t>to build a java app</a:t>
+            </a:r>
+            <a:r>
+              <a:rPr lang="en-US" sz="3600" dirty="0" smtClean="0"/>
+              <a:t>?</a:t>
+            </a:r>
+            <a:endParaRPr lang="en-US" sz="3600" dirty="0"/>
+          </a:p>
+        </p:txBody>
+      </p:sp>
+      <p:pic>
+        <p:nvPicPr>
+          <p:cNvPr id="5" name="תמונה 4"/>
+          <p:cNvPicPr>
+            <a:picLocks noChangeAspect="1"/>
+          </p:cNvPicPr>
+          <p:nvPr/>
+        </p:nvPicPr>
+        <p:blipFill>
+          <a:blip r:embed="rId2">
+            <a:extLst>
+              <a:ext uri="{28A0092B-C50C-407E-A947-70E740481C1C}">
+                <a14:useLocalDpi xmlns:a14="http://schemas.microsoft.com/office/drawing/2010/main" val="0"/>
+              </a:ext>
+            </a:extLst>
+          </a:blip>
+          <a:stretch>
+            <a:fillRect/>
+          </a:stretch>
+        </p:blipFill>
+        <p:spPr>
+          <a:xfrm>
+            <a:off x="6858000" y="3962400"/>
+            <a:ext cx="2057399" cy="2438400"/>
+          </a:xfrm>
+          <a:prstGeom prst="rect">
+            <a:avLst/>
+          </a:prstGeom>
+        </p:spPr>
+      </p:pic>
+    </p:spTree>
+    <p:extLst>
+      <p:ext uri="{BB962C8B-B14F-4D97-AF65-F5344CB8AC3E}">
+        <p14:creationId xmlns:p14="http://schemas.microsoft.com/office/powerpoint/2010/main" val="985251673"/>
+      </p:ext>
+    </p:extLst>
+  </p:cSld>
+  <p:clrMapOvr>
+    <a:masterClrMapping/>
+  </p:clrMapOvr>
+  <p:timing>
+    <p:tnLst>
+      <p:par>
+        <p:cTn id="1" dur="indefinite" restart="never" nodeType="tmRoot"/>
+      </p:par>
+    </p:tnLst>
+  </p:timing>
+</p:sld>
+</file>
+
+<file path=ppt/slides/slide8.xml><?xml version="1.0" encoding="utf-8"?>
+<p:sld xmlns:a="http://schemas.openxmlformats.org/drawingml/2006/main" xmlns:r="http://schemas.openxmlformats.org/officeDocument/2006/relationships" xmlns:p="http://schemas.openxmlformats.org/presentationml/2006/main">
+  <p:cSld>
+    <p:spTree>
+      <p:nvGrpSpPr>
+        <p:cNvPr id="1" name=""/>
+        <p:cNvGrpSpPr/>
+        <p:nvPr/>
+      </p:nvGrpSpPr>
+      <p:grpSpPr>
+        <a:xfrm>
+          <a:off x="0" y="0"/>
+          <a:ext cx="0" cy="0"/>
+          <a:chOff x="0" y="0"/>
+          <a:chExt cx="0" cy="0"/>
+        </a:xfrm>
+      </p:grpSpPr>
+      <p:sp>
+        <p:nvSpPr>
+          <p:cNvPr id="7" name="TextShape 2"/>
+          <p:cNvSpPr txBox="1"/>
+          <p:nvPr/>
+        </p:nvSpPr>
+        <p:spPr>
+          <a:xfrm>
+            <a:off x="152400" y="762000"/>
+            <a:ext cx="8229240" cy="5211360"/>
+          </a:xfrm>
+          <a:prstGeom prst="rect">
+            <a:avLst/>
+          </a:prstGeom>
+        </p:spPr>
+        <p:txBody>
+          <a:bodyPr/>
+          <a:lstStyle/>
+          <a:p>
+            <a:r>
+              <a:rPr lang="en-US" sz="2000" dirty="0"/>
               <a:t>&lt;project name</a:t>
             </a:r>
             <a:r>
-              <a:rPr lang="en-US" sz="2000" dirty="0" smtClean="0">
-                <a:latin typeface="Arial"/>
-              </a:rPr>
+              <a:rPr lang="en-US" sz="2000" dirty="0" smtClean="0"/>
               <a:t>=“example” default=         </a:t>
             </a:r>
             <a:r>
-              <a:rPr lang="en-US" sz="2000" dirty="0" err="1" smtClean="0">
-                <a:latin typeface="Arial"/>
-              </a:rPr>
+              <a:rPr lang="en-US" sz="2000" dirty="0" err="1" smtClean="0"/>
               <a:t>basedir</a:t>
             </a:r>
             <a:r>
-              <a:rPr lang="en-US" sz="2000" dirty="0" smtClean="0">
-                <a:latin typeface="Arial"/>
-              </a:rPr>
+              <a:rPr lang="en-US" sz="2000" dirty="0" smtClean="0"/>
               <a:t>="."&gt;</a:t>
             </a:r>
           </a:p>
@@ -10401,74 +12627,50 @@
           </a:p>
           <a:p>
             <a:r>
-              <a:rPr lang="en-US" sz="2000" dirty="0">
-                <a:latin typeface="Arial"/>
-              </a:rPr>
+              <a:rPr lang="en-US" sz="2000" dirty="0"/>
               <a:t>  &lt;property name="</a:t>
             </a:r>
             <a:r>
-              <a:rPr lang="en-US" sz="2000" dirty="0" err="1">
-                <a:latin typeface="Arial"/>
-              </a:rPr>
+              <a:rPr lang="en-US" sz="2000" dirty="0" err="1"/>
               <a:t>src</a:t>
             </a:r>
             <a:r>
-              <a:rPr lang="en-US" sz="2000" dirty="0">
-                <a:latin typeface="Arial"/>
-              </a:rPr>
+              <a:rPr lang="en-US" sz="2000" dirty="0"/>
               <a:t>" location="</a:t>
             </a:r>
             <a:r>
-              <a:rPr lang="en-US" sz="2000" dirty="0" err="1">
-                <a:latin typeface="Arial"/>
-              </a:rPr>
+              <a:rPr lang="en-US" sz="2000" dirty="0" err="1"/>
               <a:t>src</a:t>
             </a:r>
             <a:r>
-              <a:rPr lang="en-US" sz="2000" dirty="0">
-                <a:latin typeface="Arial"/>
-              </a:rPr>
+              <a:rPr lang="en-US" sz="2000" dirty="0"/>
               <a:t>"/&gt;</a:t>
             </a:r>
-            <a:endParaRPr sz="2000" dirty="0">
-              <a:latin typeface="Arial"/>
-            </a:endParaRPr>
-          </a:p>
-          <a:p>
-            <a:r>
-              <a:rPr lang="en-US" sz="2000" dirty="0">
-                <a:latin typeface="Arial"/>
-              </a:rPr>
+            <a:endParaRPr sz="2000" dirty="0"/>
+          </a:p>
+          <a:p>
+            <a:r>
+              <a:rPr lang="en-US" sz="2000" dirty="0"/>
               <a:t>  &lt;property name="build" location="build"/&gt;</a:t>
             </a:r>
-            <a:endParaRPr sz="2000" dirty="0">
-              <a:latin typeface="Arial"/>
-            </a:endParaRPr>
-          </a:p>
-          <a:p>
-            <a:r>
-              <a:rPr lang="en-US" sz="2000" dirty="0">
-                <a:latin typeface="Arial"/>
-              </a:rPr>
+            <a:endParaRPr sz="2000" dirty="0"/>
+          </a:p>
+          <a:p>
+            <a:r>
+              <a:rPr lang="en-US" sz="2000" dirty="0"/>
               <a:t>  &lt;property name="dist"  location="dist"/&gt;</a:t>
             </a:r>
           </a:p>
           <a:p>
-            <a:endParaRPr sz="700" dirty="0">
-              <a:latin typeface="Arial"/>
-            </a:endParaRPr>
-          </a:p>
-          <a:p>
-            <a:r>
-              <a:rPr lang="en-US" sz="2000" dirty="0">
-                <a:latin typeface="Arial"/>
-              </a:rPr>
+            <a:endParaRPr sz="700" dirty="0"/>
+          </a:p>
+          <a:p>
+            <a:r>
+              <a:rPr lang="en-US" sz="2000" dirty="0"/>
               <a:t>  &lt;target </a:t>
             </a:r>
             <a:r>
-              <a:rPr lang="en-US" sz="2000" dirty="0" smtClean="0">
-                <a:latin typeface="Arial"/>
-              </a:rPr>
+              <a:rPr lang="en-US" sz="2000" dirty="0" smtClean="0"/>
               <a:t>name=</a:t>
             </a:r>
             <a:r>
@@ -10476,106 +12678,71 @@
                 <a:solidFill>
                   <a:srgbClr val="FFC000"/>
                 </a:solidFill>
-                <a:latin typeface="Arial"/>
               </a:rPr>
               <a:t>“clean”</a:t>
             </a:r>
             <a:r>
-              <a:rPr lang="en-US" sz="2000" dirty="0" smtClean="0">
-                <a:latin typeface="Arial"/>
-              </a:rPr>
+              <a:rPr lang="en-US" sz="2000" dirty="0" smtClean="0"/>
               <a:t>&gt;</a:t>
             </a:r>
-            <a:endParaRPr sz="2000" dirty="0">
-              <a:latin typeface="Arial"/>
-            </a:endParaRPr>
-          </a:p>
-          <a:p>
-            <a:r>
-              <a:rPr lang="en-US" sz="2000" dirty="0">
-                <a:latin typeface="Arial"/>
-              </a:rPr>
+            <a:endParaRPr sz="2000" dirty="0"/>
+          </a:p>
+          <a:p>
+            <a:r>
+              <a:rPr lang="en-US" sz="2000" dirty="0"/>
               <a:t>    &lt;</a:t>
             </a:r>
             <a:r>
-              <a:rPr lang="en-US" sz="2000" dirty="0" smtClean="0">
-                <a:latin typeface="Arial"/>
-              </a:rPr>
+              <a:rPr lang="en-US" sz="2000" dirty="0" smtClean="0"/>
               <a:t>delete </a:t>
             </a:r>
             <a:r>
-              <a:rPr lang="en-US" sz="2000" dirty="0" err="1">
-                <a:latin typeface="Arial"/>
-              </a:rPr>
+              <a:rPr lang="en-US" sz="2000" dirty="0" err="1"/>
               <a:t>dir</a:t>
             </a:r>
             <a:r>
-              <a:rPr lang="en-US" sz="2000" dirty="0">
-                <a:latin typeface="Arial"/>
-              </a:rPr>
+              <a:rPr lang="en-US" sz="2000" dirty="0"/>
               <a:t>=“${build}”/&gt;</a:t>
             </a:r>
-            <a:endParaRPr sz="2000" dirty="0">
-              <a:latin typeface="Arial"/>
-            </a:endParaRPr>
-          </a:p>
-          <a:p>
-            <a:r>
-              <a:rPr lang="en-US" sz="2000" dirty="0">
-                <a:latin typeface="Arial"/>
-              </a:rPr>
+            <a:endParaRPr sz="2000" dirty="0"/>
+          </a:p>
+          <a:p>
+            <a:r>
+              <a:rPr lang="en-US" sz="2000" dirty="0"/>
               <a:t>    &lt;</a:t>
             </a:r>
             <a:r>
-              <a:rPr lang="en-US" sz="2000" dirty="0" err="1">
-                <a:latin typeface="Arial"/>
-              </a:rPr>
+              <a:rPr lang="en-US" sz="2000" dirty="0" err="1"/>
               <a:t>mkdir</a:t>
             </a:r>
             <a:r>
-              <a:rPr lang="en-US" sz="2000" dirty="0">
-                <a:latin typeface="Arial"/>
-              </a:rPr>
+              <a:rPr lang="en-US" sz="2000" dirty="0"/>
               <a:t> </a:t>
             </a:r>
             <a:r>
-              <a:rPr lang="en-US" sz="2000" dirty="0" err="1">
-                <a:latin typeface="Arial"/>
-              </a:rPr>
+              <a:rPr lang="en-US" sz="2000" dirty="0" err="1"/>
               <a:t>dir</a:t>
             </a:r>
             <a:r>
-              <a:rPr lang="en-US" sz="2000" dirty="0">
-                <a:latin typeface="Arial"/>
-              </a:rPr>
+              <a:rPr lang="en-US" sz="2000" dirty="0"/>
               <a:t>="${build}"/&gt;</a:t>
             </a:r>
-            <a:endParaRPr sz="2000" dirty="0">
-              <a:latin typeface="Arial"/>
-            </a:endParaRPr>
-          </a:p>
-          <a:p>
-            <a:r>
-              <a:rPr lang="en-US" sz="2000" dirty="0">
-                <a:latin typeface="Arial"/>
-              </a:rPr>
+            <a:endParaRPr sz="2000" dirty="0"/>
+          </a:p>
+          <a:p>
+            <a:r>
+              <a:rPr lang="en-US" sz="2000" dirty="0"/>
               <a:t>  &lt;/target&gt;</a:t>
             </a:r>
-            <a:endParaRPr sz="2000" dirty="0">
-              <a:latin typeface="Arial"/>
-            </a:endParaRPr>
-          </a:p>
-          <a:p>
-            <a:r>
-              <a:rPr lang="en-US" sz="2000" dirty="0">
-                <a:latin typeface="Arial"/>
-              </a:rPr>
+            <a:endParaRPr sz="2000" dirty="0"/>
+          </a:p>
+          <a:p>
+            <a:r>
+              <a:rPr lang="en-US" sz="2000" dirty="0"/>
               <a:t>  &lt;target </a:t>
             </a:r>
             <a:r>
-              <a:rPr lang="en-US" sz="2000" dirty="0" smtClean="0">
-                <a:latin typeface="Arial"/>
-              </a:rPr>
+              <a:rPr lang="en-US" sz="2000" dirty="0" smtClean="0"/>
               <a:t>name=</a:t>
             </a:r>
             <a:r>
@@ -10583,113 +12750,76 @@
                 <a:solidFill>
                   <a:srgbClr val="00B050"/>
                 </a:solidFill>
-                <a:latin typeface="Arial"/>
               </a:rPr>
               <a:t>“compile”</a:t>
             </a:r>
             <a:r>
-              <a:rPr lang="en-US" sz="2000" dirty="0" smtClean="0">
-                <a:latin typeface="Arial"/>
-              </a:rPr>
+              <a:rPr lang="en-US" sz="2000" dirty="0" smtClean="0"/>
               <a:t> </a:t>
             </a:r>
             <a:r>
-              <a:rPr lang="en-US" sz="2000" dirty="0">
-                <a:latin typeface="Arial"/>
-              </a:rPr>
+              <a:rPr lang="en-US" sz="2000" dirty="0"/>
               <a:t>depends</a:t>
             </a:r>
             <a:r>
-              <a:rPr lang="en-US" sz="2000" dirty="0" smtClean="0">
-                <a:latin typeface="Arial"/>
-              </a:rPr>
+              <a:rPr lang="en-US" sz="2000" dirty="0" smtClean="0"/>
               <a:t>=            &gt;</a:t>
             </a:r>
-            <a:endParaRPr sz="2000" dirty="0">
-              <a:latin typeface="Arial"/>
-            </a:endParaRPr>
-          </a:p>
-          <a:p>
-            <a:r>
-              <a:rPr lang="en-US" sz="2000" dirty="0">
-                <a:latin typeface="Arial"/>
-              </a:rPr>
+            <a:endParaRPr sz="2000" dirty="0"/>
+          </a:p>
+          <a:p>
+            <a:r>
+              <a:rPr lang="en-US" sz="2000" dirty="0"/>
               <a:t>    &lt;</a:t>
             </a:r>
             <a:r>
-              <a:rPr lang="en-US" sz="2000" dirty="0" err="1">
-                <a:latin typeface="Arial"/>
-              </a:rPr>
+              <a:rPr lang="en-US" sz="2000" dirty="0" err="1"/>
               <a:t>javac</a:t>
             </a:r>
             <a:r>
-              <a:rPr lang="en-US" sz="2000" dirty="0">
-                <a:latin typeface="Arial"/>
-              </a:rPr>
+              <a:rPr lang="en-US" sz="2000" dirty="0"/>
               <a:t> </a:t>
             </a:r>
             <a:r>
-              <a:rPr lang="en-US" sz="2000" dirty="0" err="1">
-                <a:latin typeface="Arial"/>
-              </a:rPr>
+              <a:rPr lang="en-US" sz="2000" dirty="0" err="1"/>
               <a:t>srcdir</a:t>
             </a:r>
             <a:r>
-              <a:rPr lang="en-US" sz="2000" dirty="0">
-                <a:latin typeface="Arial"/>
-              </a:rPr>
+              <a:rPr lang="en-US" sz="2000" dirty="0"/>
               <a:t>="${</a:t>
             </a:r>
             <a:r>
-              <a:rPr lang="en-US" sz="2000" dirty="0" err="1">
-                <a:latin typeface="Arial"/>
-              </a:rPr>
+              <a:rPr lang="en-US" sz="2000" dirty="0" err="1"/>
               <a:t>src</a:t>
             </a:r>
             <a:r>
-              <a:rPr lang="en-US" sz="2000" dirty="0">
-                <a:latin typeface="Arial"/>
-              </a:rPr>
+              <a:rPr lang="en-US" sz="2000" dirty="0"/>
               <a:t>}" </a:t>
             </a:r>
             <a:r>
-              <a:rPr lang="en-US" sz="2000" dirty="0" err="1">
-                <a:latin typeface="Arial"/>
-              </a:rPr>
+              <a:rPr lang="en-US" sz="2000" dirty="0" err="1"/>
               <a:t>destdir</a:t>
             </a:r>
             <a:r>
-              <a:rPr lang="en-US" sz="2000" dirty="0">
-                <a:latin typeface="Arial"/>
-              </a:rPr>
+              <a:rPr lang="en-US" sz="2000" dirty="0"/>
               <a:t>="${build}"/&gt;</a:t>
             </a:r>
-            <a:endParaRPr sz="2000" dirty="0">
-              <a:latin typeface="Arial"/>
-            </a:endParaRPr>
-          </a:p>
-          <a:p>
-            <a:r>
-              <a:rPr lang="en-US" sz="2000" dirty="0">
-                <a:latin typeface="Arial"/>
-              </a:rPr>
+            <a:endParaRPr sz="2000" dirty="0"/>
+          </a:p>
+          <a:p>
+            <a:r>
+              <a:rPr lang="en-US" sz="2000" dirty="0"/>
               <a:t>  &lt;/target&gt;</a:t>
             </a:r>
-            <a:endParaRPr sz="2000" dirty="0">
-              <a:latin typeface="Arial"/>
-            </a:endParaRPr>
-          </a:p>
-          <a:p>
-            <a:r>
-              <a:rPr lang="en-US" sz="2000" dirty="0">
-                <a:latin typeface="Arial"/>
-              </a:rPr>
+            <a:endParaRPr sz="2000" dirty="0"/>
+          </a:p>
+          <a:p>
+            <a:r>
+              <a:rPr lang="en-US" sz="2000" dirty="0"/>
               <a:t>  &lt;target </a:t>
             </a:r>
             <a:r>
-              <a:rPr lang="en-US" sz="2000" dirty="0" smtClean="0">
-                <a:latin typeface="Arial"/>
-              </a:rPr>
+              <a:rPr lang="en-US" sz="2000" dirty="0" smtClean="0"/>
               <a:t>name=</a:t>
             </a:r>
             <a:r>
@@ -10697,109 +12827,78 @@
                 <a:solidFill>
                   <a:srgbClr val="00B0F0"/>
                 </a:solidFill>
-                <a:latin typeface="Arial"/>
               </a:rPr>
               <a:t>“dist”</a:t>
             </a:r>
             <a:r>
-              <a:rPr lang="en-US" sz="2000" dirty="0" smtClean="0">
-                <a:latin typeface="Arial"/>
-              </a:rPr>
+              <a:rPr lang="en-US" sz="2000" dirty="0" smtClean="0"/>
               <a:t> </a:t>
             </a:r>
             <a:r>
-              <a:rPr lang="en-US" sz="2000" dirty="0">
-                <a:latin typeface="Arial"/>
-              </a:rPr>
-              <a:t>depends=	              &gt;</a:t>
-            </a:r>
-            <a:endParaRPr sz="2000" dirty="0">
-              <a:latin typeface="Arial"/>
-            </a:endParaRPr>
-          </a:p>
-          <a:p>
-            <a:r>
-              <a:rPr lang="en-US" sz="2000" dirty="0">
-                <a:latin typeface="Arial"/>
-              </a:rPr>
+              <a:rPr lang="en-US" sz="2000" dirty="0"/>
+              <a:t>depends=	   </a:t>
+            </a:r>
+            <a:r>
+              <a:rPr lang="en-US" sz="2000" dirty="0" smtClean="0"/>
+              <a:t>&gt;</a:t>
+            </a:r>
+            <a:endParaRPr sz="2000" dirty="0"/>
+          </a:p>
+          <a:p>
+            <a:r>
+              <a:rPr lang="en-US" sz="2000" dirty="0"/>
               <a:t>    &lt;</a:t>
             </a:r>
             <a:r>
-              <a:rPr lang="en-US" sz="2000" dirty="0" err="1">
-                <a:latin typeface="Arial"/>
-              </a:rPr>
+              <a:rPr lang="en-US" sz="2000" dirty="0" err="1"/>
               <a:t>mkdir</a:t>
             </a:r>
             <a:r>
-              <a:rPr lang="en-US" sz="2000" dirty="0">
-                <a:latin typeface="Arial"/>
-              </a:rPr>
+              <a:rPr lang="en-US" sz="2000" dirty="0"/>
               <a:t> </a:t>
             </a:r>
             <a:r>
-              <a:rPr lang="en-US" sz="2000" dirty="0" err="1">
-                <a:latin typeface="Arial"/>
-              </a:rPr>
+              <a:rPr lang="en-US" sz="2000" dirty="0" err="1"/>
               <a:t>dir</a:t>
             </a:r>
             <a:r>
-              <a:rPr lang="en-US" sz="2000" dirty="0">
-                <a:latin typeface="Arial"/>
-              </a:rPr>
+              <a:rPr lang="en-US" sz="2000" dirty="0"/>
               <a:t>="${dist}/lib"/&gt;</a:t>
             </a:r>
-            <a:endParaRPr sz="2000" dirty="0">
-              <a:latin typeface="Arial"/>
-            </a:endParaRPr>
-          </a:p>
-          <a:p>
-            <a:r>
-              <a:rPr lang="en-US" sz="2000" dirty="0">
-                <a:latin typeface="Arial"/>
-              </a:rPr>
+            <a:endParaRPr sz="2000" dirty="0"/>
+          </a:p>
+          <a:p>
+            <a:r>
+              <a:rPr lang="en-US" sz="2000" dirty="0"/>
               <a:t>    &lt;jar </a:t>
             </a:r>
             <a:r>
-              <a:rPr lang="en-US" sz="2000" dirty="0" err="1">
-                <a:latin typeface="Arial"/>
-              </a:rPr>
+              <a:rPr lang="en-US" sz="2000" dirty="0" err="1"/>
               <a:t>jarfile</a:t>
             </a:r>
             <a:r>
-              <a:rPr lang="en-US" sz="2000" dirty="0">
-                <a:latin typeface="Arial"/>
-              </a:rPr>
+              <a:rPr lang="en-US" sz="2000" dirty="0"/>
               <a:t>="${dist}/lib/example.jar" </a:t>
             </a:r>
           </a:p>
           <a:p>
             <a:r>
-              <a:rPr lang="en-US" sz="2000" dirty="0">
-                <a:latin typeface="Arial"/>
-              </a:rPr>
+              <a:rPr lang="en-US" sz="2000" dirty="0"/>
               <a:t>           </a:t>
             </a:r>
             <a:r>
-              <a:rPr lang="en-US" sz="2000" dirty="0" err="1">
-                <a:latin typeface="Arial"/>
-              </a:rPr>
+              <a:rPr lang="en-US" sz="2000" dirty="0" err="1"/>
               <a:t>basedir</a:t>
             </a:r>
             <a:r>
-              <a:rPr lang="en-US" sz="2000" dirty="0">
-                <a:latin typeface="Arial"/>
-              </a:rPr>
+              <a:rPr lang="en-US" sz="2000" dirty="0"/>
               <a:t>="${build}"/&gt;</a:t>
             </a:r>
-            <a:endParaRPr sz="2000" dirty="0">
-              <a:latin typeface="Arial"/>
-            </a:endParaRPr>
-          </a:p>
-          <a:p>
-            <a:r>
-              <a:rPr lang="en-US" sz="2000" dirty="0">
-                <a:latin typeface="Arial"/>
-              </a:rPr>
+            <a:endParaRPr sz="2000" dirty="0"/>
+          </a:p>
+          <a:p>
+            <a:r>
+              <a:rPr lang="en-US" sz="2000" dirty="0"/>
               <a:t>  &lt;/target&gt;</a:t>
             </a:r>
           </a:p>
@@ -10808,9 +12907,7 @@
           </a:p>
           <a:p>
             <a:r>
-              <a:rPr lang="en-US" sz="2000" dirty="0">
-                <a:latin typeface="Arial"/>
-              </a:rPr>
+              <a:rPr lang="en-US" sz="2000" dirty="0"/>
               <a:t>&lt;/project&gt;</a:t>
             </a:r>
             <a:endParaRPr sz="3200" dirty="0"/>
@@ -10841,11 +12938,13 @@
           <a:p>
             <a:r>
               <a:rPr lang="en-US" sz="3600" dirty="0">
-                <a:latin typeface="Calibri"/>
+                <a:latin typeface="+mj-lt"/>
               </a:rPr>
               <a:t>Ant - Build file example</a:t>
             </a:r>
-            <a:endParaRPr dirty="0"/>
+            <a:endParaRPr dirty="0">
+              <a:latin typeface="+mj-lt"/>
+            </a:endParaRPr>
           </a:p>
         </p:txBody>
       </p:sp>
@@ -10857,8 +12956,8 @@
         </p:nvSpPr>
         <p:spPr>
           <a:xfrm>
-            <a:off x="4020716" y="4334079"/>
-            <a:ext cx="1237084" cy="400110"/>
+            <a:off x="3868316" y="4334079"/>
+            <a:ext cx="1313284" cy="400110"/>
           </a:xfrm>
           <a:prstGeom prst="rect">
             <a:avLst/>
@@ -10872,9 +12971,7 @@
           <a:lstStyle/>
           <a:p>
             <a:r>
-              <a:rPr lang="en-US" sz="2000" dirty="0" smtClean="0">
-                <a:latin typeface="Arial"/>
-              </a:rPr>
+              <a:rPr lang="en-US" sz="2000" dirty="0" smtClean="0"/>
               <a:t>”compile”</a:t>
             </a:r>
             <a:endParaRPr lang="he-IL" sz="2000" dirty="0"/>
@@ -10889,8 +12986,8 @@
         </p:nvSpPr>
         <p:spPr>
           <a:xfrm>
-            <a:off x="4495800" y="3412778"/>
-            <a:ext cx="990600" cy="400110"/>
+            <a:off x="4267200" y="3412778"/>
+            <a:ext cx="1066800" cy="400110"/>
           </a:xfrm>
           <a:prstGeom prst="rect">
             <a:avLst/>
@@ -10904,9 +13001,7 @@
           <a:lstStyle/>
           <a:p>
             <a:r>
-              <a:rPr lang="en-US" sz="2000" dirty="0" smtClean="0">
-                <a:latin typeface="Arial"/>
-              </a:rPr>
+              <a:rPr lang="en-US" sz="2000" dirty="0" smtClean="0"/>
               <a:t>”clean”</a:t>
             </a:r>
             <a:endParaRPr lang="he-IL" sz="2000" dirty="0"/>
@@ -11645,8 +13740,8 @@
         </p:nvSpPr>
         <p:spPr>
           <a:xfrm>
-            <a:off x="4353328" y="762000"/>
-            <a:ext cx="752072" cy="400110"/>
+            <a:off x="4162828" y="762000"/>
+            <a:ext cx="866372" cy="400110"/>
           </a:xfrm>
           <a:prstGeom prst="rect">
             <a:avLst/>
@@ -11660,9 +13755,7 @@
           <a:lstStyle/>
           <a:p>
             <a:r>
-              <a:rPr lang="en-US" sz="2000" dirty="0" smtClean="0">
-                <a:latin typeface="Arial"/>
-              </a:rPr>
+              <a:rPr lang="en-US" sz="2000" dirty="0" smtClean="0"/>
               <a:t>”dist”</a:t>
             </a:r>
             <a:endParaRPr lang="he-IL" sz="2000" dirty="0"/>
@@ -12598,8 +14691,8 @@
 </p:sld>
 </file>
 
-<file path=ppt/slides/slide8.xml><?xml version="1.0" encoding="utf-8"?>
-<p:sld xmlns:a="http://schemas.openxmlformats.org/drawingml/2006/main" xmlns:r="http://schemas.openxmlformats.org/officeDocument/2006/relationships" xmlns:p="http://schemas.openxmlformats.org/presentationml/2006/main">
+<file path=ppt/slides/slide9.xml><?xml version="1.0" encoding="utf-8"?>
+<p:sld xmlns:a="http://schemas.openxmlformats.org/drawingml/2006/main" xmlns:r="http://schemas.openxmlformats.org/officeDocument/2006/relationships" xmlns:p="http://schemas.openxmlformats.org/presentationml/2006/main" show="0">
   <p:cSld>
     <p:spTree>
       <p:nvGrpSpPr>
@@ -12680,15 +14773,7 @@
             </a:pPr>
             <a:r>
               <a:rPr lang="en-US" sz="2800" dirty="0" smtClean="0"/>
-              <a:t>Create </a:t>
-            </a:r>
-            <a:r>
-              <a:rPr lang="en-US" sz="2800" dirty="0" smtClean="0"/>
-              <a:t>a distribution </a:t>
-            </a:r>
-            <a:r>
-              <a:rPr lang="en-US" sz="2800" dirty="0" smtClean="0"/>
-              <a:t>file (jar)</a:t>
+              <a:t>Create a distribution file (jar)</a:t>
             </a:r>
           </a:p>
         </p:txBody>
@@ -12884,264 +14969,18 @@
   <p:clrMapOvr>
     <a:masterClrMapping/>
   </p:clrMapOvr>
+  <mc:AlternateContent xmlns:mc="http://schemas.openxmlformats.org/markup-compatibility/2006">
+    <mc:Choice xmlns:p14="http://schemas.microsoft.com/office/powerpoint/2010/main" Requires="p14">
+      <p:transition spd="slow" p14:dur="2000"/>
+    </mc:Choice>
+    <mc:Fallback>
+      <p:transition spd="slow"/>
+    </mc:Fallback>
+  </mc:AlternateContent>
   <p:timing>
     <p:tnLst>
       <p:par>
         <p:cTn id="1" dur="indefinite" restart="never" nodeType="tmRoot"/>
-      </p:par>
-    </p:tnLst>
-  </p:timing>
-</p:sld>
-</file>
-
-<file path=ppt/slides/slide9.xml><?xml version="1.0" encoding="utf-8"?>
-<p:sld xmlns:a="http://schemas.openxmlformats.org/drawingml/2006/main" xmlns:r="http://schemas.openxmlformats.org/officeDocument/2006/relationships" xmlns:p="http://schemas.openxmlformats.org/presentationml/2006/main">
-  <p:cSld>
-    <p:spTree>
-      <p:nvGrpSpPr>
-        <p:cNvPr id="1" name=""/>
-        <p:cNvGrpSpPr/>
-        <p:nvPr/>
-      </p:nvGrpSpPr>
-      <p:grpSpPr>
-        <a:xfrm>
-          <a:off x="0" y="0"/>
-          <a:ext cx="0" cy="0"/>
-          <a:chOff x="0" y="0"/>
-          <a:chExt cx="0" cy="0"/>
-        </a:xfrm>
-      </p:grpSpPr>
-      <p:sp>
-        <p:nvSpPr>
-          <p:cNvPr id="94" name="TextShape 1"/>
-          <p:cNvSpPr txBox="1"/>
-          <p:nvPr/>
-        </p:nvSpPr>
-        <p:spPr>
-          <a:xfrm>
-            <a:off x="457200" y="274680"/>
-            <a:ext cx="8229240" cy="1142640"/>
-          </a:xfrm>
-          <a:prstGeom prst="rect">
-            <a:avLst/>
-          </a:prstGeom>
-        </p:spPr>
-        <p:txBody>
-          <a:bodyPr anchor="ctr"/>
-          <a:lstStyle/>
-          <a:p>
-            <a:r>
-              <a:rPr lang="en-US" sz="3600" dirty="0" smtClean="0">
-                <a:latin typeface="Calibri"/>
-              </a:rPr>
-              <a:t>Maven - Overview</a:t>
-            </a:r>
-            <a:endParaRPr dirty="0"/>
-          </a:p>
-        </p:txBody>
-      </p:sp>
-      <p:pic>
-        <p:nvPicPr>
-          <p:cNvPr id="95" name="Picture 94"/>
-          <p:cNvPicPr/>
-          <p:nvPr/>
-        </p:nvPicPr>
-        <p:blipFill>
-          <a:blip r:embed="rId3"/>
-          <a:stretch>
-            <a:fillRect/>
-          </a:stretch>
-        </p:blipFill>
-        <p:spPr>
-          <a:xfrm>
-            <a:off x="5486400" y="4965000"/>
-            <a:ext cx="3600000" cy="1512000"/>
-          </a:xfrm>
-          <a:prstGeom prst="rect">
-            <a:avLst/>
-          </a:prstGeom>
-          <a:ln>
-            <a:noFill/>
-          </a:ln>
-        </p:spPr>
-      </p:pic>
-      <p:sp>
-        <p:nvSpPr>
-          <p:cNvPr id="96" name="TextShape 2"/>
-          <p:cNvSpPr txBox="1"/>
-          <p:nvPr/>
-        </p:nvSpPr>
-        <p:spPr>
-          <a:xfrm>
-            <a:off x="457200" y="1600200"/>
-            <a:ext cx="8229240" cy="4525560"/>
-          </a:xfrm>
-          <a:prstGeom prst="rect">
-            <a:avLst/>
-          </a:prstGeom>
-        </p:spPr>
-        <p:txBody>
-          <a:bodyPr/>
-          <a:lstStyle/>
-          <a:p>
-            <a:pPr marL="457200" indent="-457200">
-              <a:buSzPct val="45000"/>
-              <a:buFont typeface="Arial" panose="020B0604020202020204" pitchFamily="34" charset="0"/>
-              <a:buChar char="•"/>
-            </a:pPr>
-            <a:r>
-              <a:rPr lang="en-US" sz="2200" dirty="0">
-                <a:latin typeface="Calibri"/>
-              </a:rPr>
-              <a:t>Released in 2004</a:t>
-            </a:r>
-            <a:endParaRPr sz="2200" dirty="0"/>
-          </a:p>
-          <a:p>
-            <a:pPr marL="457200" indent="-457200">
-              <a:buSzPct val="45000"/>
-              <a:buFont typeface="Arial" panose="020B0604020202020204" pitchFamily="34" charset="0"/>
-              <a:buChar char="•"/>
-            </a:pPr>
-            <a:r>
-              <a:rPr lang="en-US" sz="2200" dirty="0" smtClean="0">
-                <a:latin typeface="Calibri"/>
-              </a:rPr>
-              <a:t>Most popular java build tool</a:t>
-            </a:r>
-          </a:p>
-          <a:p>
-            <a:pPr marL="457200" indent="-457200">
-              <a:buSzPct val="45000"/>
-              <a:buFont typeface="Arial" panose="020B0604020202020204" pitchFamily="34" charset="0"/>
-              <a:buChar char="•"/>
-            </a:pPr>
-            <a:r>
-              <a:rPr lang="en-US" sz="2200" dirty="0" smtClean="0">
-                <a:latin typeface="Calibri"/>
-              </a:rPr>
-              <a:t>Declarative build tool</a:t>
-            </a:r>
-          </a:p>
-          <a:p>
-            <a:pPr marL="457200" indent="-457200">
-              <a:buSzPct val="45000"/>
-              <a:buFont typeface="Arial" panose="020B0604020202020204" pitchFamily="34" charset="0"/>
-              <a:buChar char="•"/>
-            </a:pPr>
-            <a:r>
-              <a:rPr lang="en-US" sz="2200" dirty="0" smtClean="0">
-                <a:latin typeface="Calibri"/>
-              </a:rPr>
-              <a:t>Introduced </a:t>
-            </a:r>
-            <a:r>
-              <a:rPr lang="en-US" sz="2200" dirty="0">
-                <a:latin typeface="Calibri"/>
-              </a:rPr>
-              <a:t>dependency management </a:t>
-            </a:r>
-            <a:endParaRPr sz="2200" dirty="0"/>
-          </a:p>
-          <a:p>
-            <a:pPr marL="457200" indent="-457200">
-              <a:buSzPct val="45000"/>
-              <a:buFont typeface="Arial" panose="020B0604020202020204" pitchFamily="34" charset="0"/>
-              <a:buChar char="•"/>
-            </a:pPr>
-            <a:r>
-              <a:rPr lang="en-US" sz="2200" dirty="0">
-                <a:latin typeface="Calibri"/>
-              </a:rPr>
-              <a:t>Introduced </a:t>
-            </a:r>
-            <a:r>
-              <a:rPr lang="en-US" sz="2200" dirty="0" smtClean="0">
-                <a:latin typeface="Calibri"/>
-              </a:rPr>
-              <a:t>multi-module builds</a:t>
-            </a:r>
-            <a:endParaRPr sz="2200" dirty="0"/>
-          </a:p>
-          <a:p>
-            <a:pPr marL="457200" indent="-457200">
-              <a:buSzPct val="45000"/>
-              <a:buFont typeface="Arial" panose="020B0604020202020204" pitchFamily="34" charset="0"/>
-              <a:buChar char="•"/>
-            </a:pPr>
-            <a:r>
-              <a:rPr lang="en-US" sz="2200" dirty="0">
-                <a:latin typeface="Calibri"/>
-              </a:rPr>
-              <a:t>Relies on convention over configuration</a:t>
-            </a:r>
-            <a:endParaRPr sz="2200" dirty="0"/>
-          </a:p>
-          <a:p>
-            <a:pPr marL="457200" indent="-457200">
-              <a:buSzPct val="45000"/>
-              <a:buFont typeface="Arial" panose="020B0604020202020204" pitchFamily="34" charset="0"/>
-              <a:buChar char="•"/>
-            </a:pPr>
-            <a:r>
-              <a:rPr lang="en-US" sz="2200" dirty="0" smtClean="0">
-                <a:latin typeface="Calibri"/>
-              </a:rPr>
-              <a:t>Uses plugin architecture</a:t>
-            </a:r>
-            <a:endParaRPr sz="2200" dirty="0" smtClean="0"/>
-          </a:p>
-          <a:p>
-            <a:pPr marL="457200" indent="-457200">
-              <a:buSzPct val="45000"/>
-              <a:buFont typeface="Arial" panose="020B0604020202020204" pitchFamily="34" charset="0"/>
-              <a:buChar char="•"/>
-            </a:pPr>
-            <a:r>
-              <a:rPr lang="en-US" sz="2200" dirty="0" smtClean="0">
-                <a:latin typeface="Calibri"/>
-              </a:rPr>
-              <a:t>Files </a:t>
-            </a:r>
-            <a:r>
-              <a:rPr lang="en-US" sz="2200" dirty="0">
-                <a:latin typeface="Calibri"/>
-              </a:rPr>
-              <a:t>are written in XML</a:t>
-            </a:r>
-            <a:endParaRPr sz="2200" dirty="0"/>
-          </a:p>
-        </p:txBody>
-      </p:sp>
-    </p:spTree>
-  </p:cSld>
-  <p:clrMapOvr>
-    <a:masterClrMapping/>
-  </p:clrMapOvr>
-  <p:timing>
-    <p:tnLst>
-      <p:par>
-        <p:cTn id="1" dur="indefinite" restart="never" nodeType="tmRoot">
-          <p:childTnLst>
-            <p:seq>
-              <p:cTn id="2" nodeType="mainSeq"/>
-              <p:prevCondLst>
-                <p:cond evt="onPrev" delay="0">
-                  <p:tgtEl>
-                    <p:sldTgt/>
-                  </p:tgtEl>
-                </p:cond>
-              </p:prevCondLst>
-              <p:nextCondLst>
-                <p:cond evt="onNext" delay="0">
-                  <p:tgtEl>
-                    <p:sldTgt/>
-                  </p:tgtEl>
-                </p:cond>
-              </p:nextCondLst>
-            </p:seq>
-          </p:childTnLst>
-        </p:cTn>
       </p:par>
     </p:tnLst>
   </p:timing>
@@ -13189,14 +15028,14 @@
         <a:srgbClr val="800080"/>
       </a:folHlink>
     </a:clrScheme>
-    <a:fontScheme name="Office">
+    <a:fontScheme name="Custom 1">
       <a:majorFont>
-        <a:latin typeface="Arial"/>
+        <a:latin typeface="Comic Sans MS"/>
         <a:ea typeface="DejaVu Sans"/>
         <a:cs typeface="DejaVu Sans"/>
       </a:majorFont>
       <a:minorFont>
-        <a:latin typeface="Arial"/>
+        <a:latin typeface="Comic Sans MS"/>
         <a:ea typeface="DejaVu Sans"/>
         <a:cs typeface="DejaVu Sans"/>
       </a:minorFont>
@@ -13414,14 +15253,14 @@
         <a:srgbClr val="800080"/>
       </a:folHlink>
     </a:clrScheme>
-    <a:fontScheme name="Office">
+    <a:fontScheme name="Custom 1">
       <a:majorFont>
-        <a:latin typeface="Arial"/>
+        <a:latin typeface="Comic Sans MS"/>
         <a:ea typeface="DejaVu Sans"/>
         <a:cs typeface="DejaVu Sans"/>
       </a:majorFont>
       <a:minorFont>
-        <a:latin typeface="Arial"/>
+        <a:latin typeface="Comic Sans MS"/>
         <a:ea typeface="DejaVu Sans"/>
         <a:cs typeface="DejaVu Sans"/>
       </a:minorFont>
